--- a/Results/Workflow.pptx
+++ b/Results/Workflow.pptx
@@ -154,7 +154,7 @@
           </a:lstStyle>
           <a:p>
             <a:r>
-              <a:rPr lang="de-DE" smtClean="0"/>
+              <a:rPr lang="de-DE"/>
               <a:t>Titelmasterformat durch Klicken bearbeiten</a:t>
             </a:r>
             <a:endParaRPr lang="en-GB"/>
@@ -219,7 +219,7 @@
           </a:lstStyle>
           <a:p>
             <a:r>
-              <a:rPr lang="de-DE" smtClean="0"/>
+              <a:rPr lang="de-DE"/>
               <a:t>Formatvorlage des Untertitelmasters durch Klicken bearbeiten</a:t>
             </a:r>
             <a:endParaRPr lang="en-GB"/>
@@ -243,7 +243,7 @@
           <a:p>
             <a:fld id="{5951FDAD-4017-4F27-99B2-3521059D142D}" type="datetimeFigureOut">
               <a:rPr lang="en-GB" smtClean="0"/>
-              <a:t>22/02/2021</a:t>
+              <a:t>25/02/2021</a:t>
             </a:fld>
             <a:endParaRPr lang="en-GB"/>
           </a:p>
@@ -337,7 +337,7 @@
           <a:lstStyle/>
           <a:p>
             <a:r>
-              <a:rPr lang="de-DE" smtClean="0"/>
+              <a:rPr lang="de-DE"/>
               <a:t>Titelmasterformat durch Klicken bearbeiten</a:t>
             </a:r>
             <a:endParaRPr lang="en-GB"/>
@@ -361,35 +361,35 @@
           <a:p>
             <a:pPr lvl="0"/>
             <a:r>
-              <a:rPr lang="de-DE" smtClean="0"/>
+              <a:rPr lang="de-DE"/>
               <a:t>Formatvorlagen des Textmasters bearbeiten</a:t>
             </a:r>
           </a:p>
           <a:p>
             <a:pPr lvl="1"/>
             <a:r>
-              <a:rPr lang="de-DE" smtClean="0"/>
+              <a:rPr lang="de-DE"/>
               <a:t>Zweite Ebene</a:t>
             </a:r>
           </a:p>
           <a:p>
             <a:pPr lvl="2"/>
             <a:r>
-              <a:rPr lang="de-DE" smtClean="0"/>
+              <a:rPr lang="de-DE"/>
               <a:t>Dritte Ebene</a:t>
             </a:r>
           </a:p>
           <a:p>
             <a:pPr lvl="3"/>
             <a:r>
-              <a:rPr lang="de-DE" smtClean="0"/>
+              <a:rPr lang="de-DE"/>
               <a:t>Vierte Ebene</a:t>
             </a:r>
           </a:p>
           <a:p>
             <a:pPr lvl="4"/>
             <a:r>
-              <a:rPr lang="de-DE" smtClean="0"/>
+              <a:rPr lang="de-DE"/>
               <a:t>Fünfte Ebene</a:t>
             </a:r>
             <a:endParaRPr lang="en-GB"/>
@@ -413,7 +413,7 @@
           <a:p>
             <a:fld id="{5951FDAD-4017-4F27-99B2-3521059D142D}" type="datetimeFigureOut">
               <a:rPr lang="en-GB" smtClean="0"/>
-              <a:t>22/02/2021</a:t>
+              <a:t>25/02/2021</a:t>
             </a:fld>
             <a:endParaRPr lang="en-GB"/>
           </a:p>
@@ -512,7 +512,7 @@
           <a:lstStyle/>
           <a:p>
             <a:r>
-              <a:rPr lang="de-DE" smtClean="0"/>
+              <a:rPr lang="de-DE"/>
               <a:t>Titelmasterformat durch Klicken bearbeiten</a:t>
             </a:r>
             <a:endParaRPr lang="en-GB"/>
@@ -541,35 +541,35 @@
           <a:p>
             <a:pPr lvl="0"/>
             <a:r>
-              <a:rPr lang="de-DE" smtClean="0"/>
+              <a:rPr lang="de-DE"/>
               <a:t>Formatvorlagen des Textmasters bearbeiten</a:t>
             </a:r>
           </a:p>
           <a:p>
             <a:pPr lvl="1"/>
             <a:r>
-              <a:rPr lang="de-DE" smtClean="0"/>
+              <a:rPr lang="de-DE"/>
               <a:t>Zweite Ebene</a:t>
             </a:r>
           </a:p>
           <a:p>
             <a:pPr lvl="2"/>
             <a:r>
-              <a:rPr lang="de-DE" smtClean="0"/>
+              <a:rPr lang="de-DE"/>
               <a:t>Dritte Ebene</a:t>
             </a:r>
           </a:p>
           <a:p>
             <a:pPr lvl="3"/>
             <a:r>
-              <a:rPr lang="de-DE" smtClean="0"/>
+              <a:rPr lang="de-DE"/>
               <a:t>Vierte Ebene</a:t>
             </a:r>
           </a:p>
           <a:p>
             <a:pPr lvl="4"/>
             <a:r>
-              <a:rPr lang="de-DE" smtClean="0"/>
+              <a:rPr lang="de-DE"/>
               <a:t>Fünfte Ebene</a:t>
             </a:r>
             <a:endParaRPr lang="en-GB"/>
@@ -593,7 +593,7 @@
           <a:p>
             <a:fld id="{5951FDAD-4017-4F27-99B2-3521059D142D}" type="datetimeFigureOut">
               <a:rPr lang="en-GB" smtClean="0"/>
-              <a:t>22/02/2021</a:t>
+              <a:t>25/02/2021</a:t>
             </a:fld>
             <a:endParaRPr lang="en-GB"/>
           </a:p>
@@ -687,7 +687,7 @@
           <a:lstStyle/>
           <a:p>
             <a:r>
-              <a:rPr lang="de-DE" smtClean="0"/>
+              <a:rPr lang="de-DE"/>
               <a:t>Titelmasterformat durch Klicken bearbeiten</a:t>
             </a:r>
             <a:endParaRPr lang="en-GB"/>
@@ -711,35 +711,35 @@
           <a:p>
             <a:pPr lvl="0"/>
             <a:r>
-              <a:rPr lang="de-DE" smtClean="0"/>
+              <a:rPr lang="de-DE"/>
               <a:t>Formatvorlagen des Textmasters bearbeiten</a:t>
             </a:r>
           </a:p>
           <a:p>
             <a:pPr lvl="1"/>
             <a:r>
-              <a:rPr lang="de-DE" smtClean="0"/>
+              <a:rPr lang="de-DE"/>
               <a:t>Zweite Ebene</a:t>
             </a:r>
           </a:p>
           <a:p>
             <a:pPr lvl="2"/>
             <a:r>
-              <a:rPr lang="de-DE" smtClean="0"/>
+              <a:rPr lang="de-DE"/>
               <a:t>Dritte Ebene</a:t>
             </a:r>
           </a:p>
           <a:p>
             <a:pPr lvl="3"/>
             <a:r>
-              <a:rPr lang="de-DE" smtClean="0"/>
+              <a:rPr lang="de-DE"/>
               <a:t>Vierte Ebene</a:t>
             </a:r>
           </a:p>
           <a:p>
             <a:pPr lvl="4"/>
             <a:r>
-              <a:rPr lang="de-DE" smtClean="0"/>
+              <a:rPr lang="de-DE"/>
               <a:t>Fünfte Ebene</a:t>
             </a:r>
             <a:endParaRPr lang="en-GB"/>
@@ -763,7 +763,7 @@
           <a:p>
             <a:fld id="{5951FDAD-4017-4F27-99B2-3521059D142D}" type="datetimeFigureOut">
               <a:rPr lang="en-GB" smtClean="0"/>
-              <a:t>22/02/2021</a:t>
+              <a:t>25/02/2021</a:t>
             </a:fld>
             <a:endParaRPr lang="en-GB"/>
           </a:p>
@@ -866,7 +866,7 @@
           </a:lstStyle>
           <a:p>
             <a:r>
-              <a:rPr lang="de-DE" smtClean="0"/>
+              <a:rPr lang="de-DE"/>
               <a:t>Titelmasterformat durch Klicken bearbeiten</a:t>
             </a:r>
             <a:endParaRPr lang="en-GB"/>
@@ -986,7 +986,7 @@
           <a:p>
             <a:pPr lvl="0"/>
             <a:r>
-              <a:rPr lang="de-DE" smtClean="0"/>
+              <a:rPr lang="de-DE"/>
               <a:t>Formatvorlagen des Textmasters bearbeiten</a:t>
             </a:r>
           </a:p>
@@ -1009,7 +1009,7 @@
           <a:p>
             <a:fld id="{5951FDAD-4017-4F27-99B2-3521059D142D}" type="datetimeFigureOut">
               <a:rPr lang="en-GB" smtClean="0"/>
-              <a:t>22/02/2021</a:t>
+              <a:t>25/02/2021</a:t>
             </a:fld>
             <a:endParaRPr lang="en-GB"/>
           </a:p>
@@ -1103,7 +1103,7 @@
           <a:lstStyle/>
           <a:p>
             <a:r>
-              <a:rPr lang="de-DE" smtClean="0"/>
+              <a:rPr lang="de-DE"/>
               <a:t>Titelmasterformat durch Klicken bearbeiten</a:t>
             </a:r>
             <a:endParaRPr lang="en-GB"/>
@@ -1132,35 +1132,35 @@
           <a:p>
             <a:pPr lvl="0"/>
             <a:r>
-              <a:rPr lang="de-DE" smtClean="0"/>
+              <a:rPr lang="de-DE"/>
               <a:t>Formatvorlagen des Textmasters bearbeiten</a:t>
             </a:r>
           </a:p>
           <a:p>
             <a:pPr lvl="1"/>
             <a:r>
-              <a:rPr lang="de-DE" smtClean="0"/>
+              <a:rPr lang="de-DE"/>
               <a:t>Zweite Ebene</a:t>
             </a:r>
           </a:p>
           <a:p>
             <a:pPr lvl="2"/>
             <a:r>
-              <a:rPr lang="de-DE" smtClean="0"/>
+              <a:rPr lang="de-DE"/>
               <a:t>Dritte Ebene</a:t>
             </a:r>
           </a:p>
           <a:p>
             <a:pPr lvl="3"/>
             <a:r>
-              <a:rPr lang="de-DE" smtClean="0"/>
+              <a:rPr lang="de-DE"/>
               <a:t>Vierte Ebene</a:t>
             </a:r>
           </a:p>
           <a:p>
             <a:pPr lvl="4"/>
             <a:r>
-              <a:rPr lang="de-DE" smtClean="0"/>
+              <a:rPr lang="de-DE"/>
               <a:t>Fünfte Ebene</a:t>
             </a:r>
             <a:endParaRPr lang="en-GB"/>
@@ -1189,35 +1189,35 @@
           <a:p>
             <a:pPr lvl="0"/>
             <a:r>
-              <a:rPr lang="de-DE" smtClean="0"/>
+              <a:rPr lang="de-DE"/>
               <a:t>Formatvorlagen des Textmasters bearbeiten</a:t>
             </a:r>
           </a:p>
           <a:p>
             <a:pPr lvl="1"/>
             <a:r>
-              <a:rPr lang="de-DE" smtClean="0"/>
+              <a:rPr lang="de-DE"/>
               <a:t>Zweite Ebene</a:t>
             </a:r>
           </a:p>
           <a:p>
             <a:pPr lvl="2"/>
             <a:r>
-              <a:rPr lang="de-DE" smtClean="0"/>
+              <a:rPr lang="de-DE"/>
               <a:t>Dritte Ebene</a:t>
             </a:r>
           </a:p>
           <a:p>
             <a:pPr lvl="3"/>
             <a:r>
-              <a:rPr lang="de-DE" smtClean="0"/>
+              <a:rPr lang="de-DE"/>
               <a:t>Vierte Ebene</a:t>
             </a:r>
           </a:p>
           <a:p>
             <a:pPr lvl="4"/>
             <a:r>
-              <a:rPr lang="de-DE" smtClean="0"/>
+              <a:rPr lang="de-DE"/>
               <a:t>Fünfte Ebene</a:t>
             </a:r>
             <a:endParaRPr lang="en-GB"/>
@@ -1241,7 +1241,7 @@
           <a:p>
             <a:fld id="{5951FDAD-4017-4F27-99B2-3521059D142D}" type="datetimeFigureOut">
               <a:rPr lang="en-GB" smtClean="0"/>
-              <a:t>22/02/2021</a:t>
+              <a:t>25/02/2021</a:t>
             </a:fld>
             <a:endParaRPr lang="en-GB"/>
           </a:p>
@@ -1340,7 +1340,7 @@
           <a:lstStyle/>
           <a:p>
             <a:r>
-              <a:rPr lang="de-DE" smtClean="0"/>
+              <a:rPr lang="de-DE"/>
               <a:t>Titelmasterformat durch Klicken bearbeiten</a:t>
             </a:r>
             <a:endParaRPr lang="en-GB"/>
@@ -1406,7 +1406,7 @@
           <a:p>
             <a:pPr lvl="0"/>
             <a:r>
-              <a:rPr lang="de-DE" smtClean="0"/>
+              <a:rPr lang="de-DE"/>
               <a:t>Formatvorlagen des Textmasters bearbeiten</a:t>
             </a:r>
           </a:p>
@@ -1434,35 +1434,35 @@
           <a:p>
             <a:pPr lvl="0"/>
             <a:r>
-              <a:rPr lang="de-DE" smtClean="0"/>
+              <a:rPr lang="de-DE"/>
               <a:t>Formatvorlagen des Textmasters bearbeiten</a:t>
             </a:r>
           </a:p>
           <a:p>
             <a:pPr lvl="1"/>
             <a:r>
-              <a:rPr lang="de-DE" smtClean="0"/>
+              <a:rPr lang="de-DE"/>
               <a:t>Zweite Ebene</a:t>
             </a:r>
           </a:p>
           <a:p>
             <a:pPr lvl="2"/>
             <a:r>
-              <a:rPr lang="de-DE" smtClean="0"/>
+              <a:rPr lang="de-DE"/>
               <a:t>Dritte Ebene</a:t>
             </a:r>
           </a:p>
           <a:p>
             <a:pPr lvl="3"/>
             <a:r>
-              <a:rPr lang="de-DE" smtClean="0"/>
+              <a:rPr lang="de-DE"/>
               <a:t>Vierte Ebene</a:t>
             </a:r>
           </a:p>
           <a:p>
             <a:pPr lvl="4"/>
             <a:r>
-              <a:rPr lang="de-DE" smtClean="0"/>
+              <a:rPr lang="de-DE"/>
               <a:t>Fünfte Ebene</a:t>
             </a:r>
             <a:endParaRPr lang="en-GB"/>
@@ -1528,7 +1528,7 @@
           <a:p>
             <a:pPr lvl="0"/>
             <a:r>
-              <a:rPr lang="de-DE" smtClean="0"/>
+              <a:rPr lang="de-DE"/>
               <a:t>Formatvorlagen des Textmasters bearbeiten</a:t>
             </a:r>
           </a:p>
@@ -1556,35 +1556,35 @@
           <a:p>
             <a:pPr lvl="0"/>
             <a:r>
-              <a:rPr lang="de-DE" smtClean="0"/>
+              <a:rPr lang="de-DE"/>
               <a:t>Formatvorlagen des Textmasters bearbeiten</a:t>
             </a:r>
           </a:p>
           <a:p>
             <a:pPr lvl="1"/>
             <a:r>
-              <a:rPr lang="de-DE" smtClean="0"/>
+              <a:rPr lang="de-DE"/>
               <a:t>Zweite Ebene</a:t>
             </a:r>
           </a:p>
           <a:p>
             <a:pPr lvl="2"/>
             <a:r>
-              <a:rPr lang="de-DE" smtClean="0"/>
+              <a:rPr lang="de-DE"/>
               <a:t>Dritte Ebene</a:t>
             </a:r>
           </a:p>
           <a:p>
             <a:pPr lvl="3"/>
             <a:r>
-              <a:rPr lang="de-DE" smtClean="0"/>
+              <a:rPr lang="de-DE"/>
               <a:t>Vierte Ebene</a:t>
             </a:r>
           </a:p>
           <a:p>
             <a:pPr lvl="4"/>
             <a:r>
-              <a:rPr lang="de-DE" smtClean="0"/>
+              <a:rPr lang="de-DE"/>
               <a:t>Fünfte Ebene</a:t>
             </a:r>
             <a:endParaRPr lang="en-GB"/>
@@ -1608,7 +1608,7 @@
           <a:p>
             <a:fld id="{5951FDAD-4017-4F27-99B2-3521059D142D}" type="datetimeFigureOut">
               <a:rPr lang="en-GB" smtClean="0"/>
-              <a:t>22/02/2021</a:t>
+              <a:t>25/02/2021</a:t>
             </a:fld>
             <a:endParaRPr lang="en-GB"/>
           </a:p>
@@ -1702,7 +1702,7 @@
           <a:lstStyle/>
           <a:p>
             <a:r>
-              <a:rPr lang="de-DE" smtClean="0"/>
+              <a:rPr lang="de-DE"/>
               <a:t>Titelmasterformat durch Klicken bearbeiten</a:t>
             </a:r>
             <a:endParaRPr lang="en-GB"/>
@@ -1726,7 +1726,7 @@
           <a:p>
             <a:fld id="{5951FDAD-4017-4F27-99B2-3521059D142D}" type="datetimeFigureOut">
               <a:rPr lang="en-GB" smtClean="0"/>
-              <a:t>22/02/2021</a:t>
+              <a:t>25/02/2021</a:t>
             </a:fld>
             <a:endParaRPr lang="en-GB"/>
           </a:p>
@@ -1821,7 +1821,7 @@
           <a:p>
             <a:fld id="{5951FDAD-4017-4F27-99B2-3521059D142D}" type="datetimeFigureOut">
               <a:rPr lang="en-GB" smtClean="0"/>
-              <a:t>22/02/2021</a:t>
+              <a:t>25/02/2021</a:t>
             </a:fld>
             <a:endParaRPr lang="en-GB"/>
           </a:p>
@@ -1924,7 +1924,7 @@
           </a:lstStyle>
           <a:p>
             <a:r>
-              <a:rPr lang="de-DE" smtClean="0"/>
+              <a:rPr lang="de-DE"/>
               <a:t>Titelmasterformat durch Klicken bearbeiten</a:t>
             </a:r>
             <a:endParaRPr lang="en-GB"/>
@@ -1981,35 +1981,35 @@
           <a:p>
             <a:pPr lvl="0"/>
             <a:r>
-              <a:rPr lang="de-DE" smtClean="0"/>
+              <a:rPr lang="de-DE"/>
               <a:t>Formatvorlagen des Textmasters bearbeiten</a:t>
             </a:r>
           </a:p>
           <a:p>
             <a:pPr lvl="1"/>
             <a:r>
-              <a:rPr lang="de-DE" smtClean="0"/>
+              <a:rPr lang="de-DE"/>
               <a:t>Zweite Ebene</a:t>
             </a:r>
           </a:p>
           <a:p>
             <a:pPr lvl="2"/>
             <a:r>
-              <a:rPr lang="de-DE" smtClean="0"/>
+              <a:rPr lang="de-DE"/>
               <a:t>Dritte Ebene</a:t>
             </a:r>
           </a:p>
           <a:p>
             <a:pPr lvl="3"/>
             <a:r>
-              <a:rPr lang="de-DE" smtClean="0"/>
+              <a:rPr lang="de-DE"/>
               <a:t>Vierte Ebene</a:t>
             </a:r>
           </a:p>
           <a:p>
             <a:pPr lvl="4"/>
             <a:r>
-              <a:rPr lang="de-DE" smtClean="0"/>
+              <a:rPr lang="de-DE"/>
               <a:t>Fünfte Ebene</a:t>
             </a:r>
             <a:endParaRPr lang="en-GB"/>
@@ -2075,7 +2075,7 @@
           <a:p>
             <a:pPr lvl="0"/>
             <a:r>
-              <a:rPr lang="de-DE" smtClean="0"/>
+              <a:rPr lang="de-DE"/>
               <a:t>Formatvorlagen des Textmasters bearbeiten</a:t>
             </a:r>
           </a:p>
@@ -2098,7 +2098,7 @@
           <a:p>
             <a:fld id="{5951FDAD-4017-4F27-99B2-3521059D142D}" type="datetimeFigureOut">
               <a:rPr lang="en-GB" smtClean="0"/>
-              <a:t>22/02/2021</a:t>
+              <a:t>25/02/2021</a:t>
             </a:fld>
             <a:endParaRPr lang="en-GB"/>
           </a:p>
@@ -2201,7 +2201,7 @@
           </a:lstStyle>
           <a:p>
             <a:r>
-              <a:rPr lang="de-DE" smtClean="0"/>
+              <a:rPr lang="de-DE"/>
               <a:t>Titelmasterformat durch Klicken bearbeiten</a:t>
             </a:r>
             <a:endParaRPr lang="en-GB"/>
@@ -2328,7 +2328,7 @@
           <a:p>
             <a:pPr lvl="0"/>
             <a:r>
-              <a:rPr lang="de-DE" smtClean="0"/>
+              <a:rPr lang="de-DE"/>
               <a:t>Formatvorlagen des Textmasters bearbeiten</a:t>
             </a:r>
           </a:p>
@@ -2351,7 +2351,7 @@
           <a:p>
             <a:fld id="{5951FDAD-4017-4F27-99B2-3521059D142D}" type="datetimeFigureOut">
               <a:rPr lang="en-GB" smtClean="0"/>
-              <a:t>22/02/2021</a:t>
+              <a:t>25/02/2021</a:t>
             </a:fld>
             <a:endParaRPr lang="en-GB"/>
           </a:p>
@@ -2460,7 +2460,7 @@
           <a:lstStyle/>
           <a:p>
             <a:r>
-              <a:rPr lang="de-DE" smtClean="0"/>
+              <a:rPr lang="de-DE"/>
               <a:t>Titelmasterformat durch Klicken bearbeiten</a:t>
             </a:r>
             <a:endParaRPr lang="en-GB"/>
@@ -2494,35 +2494,35 @@
           <a:p>
             <a:pPr lvl="0"/>
             <a:r>
-              <a:rPr lang="de-DE" smtClean="0"/>
+              <a:rPr lang="de-DE"/>
               <a:t>Formatvorlagen des Textmasters bearbeiten</a:t>
             </a:r>
           </a:p>
           <a:p>
             <a:pPr lvl="1"/>
             <a:r>
-              <a:rPr lang="de-DE" smtClean="0"/>
+              <a:rPr lang="de-DE"/>
               <a:t>Zweite Ebene</a:t>
             </a:r>
           </a:p>
           <a:p>
             <a:pPr lvl="2"/>
             <a:r>
-              <a:rPr lang="de-DE" smtClean="0"/>
+              <a:rPr lang="de-DE"/>
               <a:t>Dritte Ebene</a:t>
             </a:r>
           </a:p>
           <a:p>
             <a:pPr lvl="3"/>
             <a:r>
-              <a:rPr lang="de-DE" smtClean="0"/>
+              <a:rPr lang="de-DE"/>
               <a:t>Vierte Ebene</a:t>
             </a:r>
           </a:p>
           <a:p>
             <a:pPr lvl="4"/>
             <a:r>
-              <a:rPr lang="de-DE" smtClean="0"/>
+              <a:rPr lang="de-DE"/>
               <a:t>Fünfte Ebene</a:t>
             </a:r>
             <a:endParaRPr lang="en-GB"/>
@@ -2564,7 +2564,7 @@
           <a:p>
             <a:fld id="{5951FDAD-4017-4F27-99B2-3521059D142D}" type="datetimeFigureOut">
               <a:rPr lang="en-GB" smtClean="0"/>
-              <a:t>22/02/2021</a:t>
+              <a:t>25/02/2021</a:t>
             </a:fld>
             <a:endParaRPr lang="en-GB"/>
           </a:p>
@@ -2971,44 +2971,1751 @@
       </p:grpSpPr>
       <p:grpSp>
         <p:nvGrpSpPr>
-          <p:cNvPr id="2" name="Gruppieren 1"/>
+          <p:cNvPr id="183" name="Gruppieren 182"/>
           <p:cNvGrpSpPr/>
           <p:nvPr/>
         </p:nvGrpSpPr>
         <p:grpSpPr>
           <a:xfrm>
-            <a:off x="130848" y="51242"/>
-            <a:ext cx="11883352" cy="6781819"/>
-            <a:chOff x="130848" y="76181"/>
-            <a:chExt cx="11883352" cy="6781819"/>
+            <a:off x="1188130" y="195791"/>
+            <a:ext cx="9121408" cy="6498942"/>
+            <a:chOff x="132862" y="135005"/>
+            <a:chExt cx="9121408" cy="6498942"/>
           </a:xfrm>
         </p:grpSpPr>
+        <p:sp>
+          <p:nvSpPr>
+            <p:cNvPr id="4" name="Rechteck 3"/>
+            <p:cNvSpPr/>
+            <p:nvPr/>
+          </p:nvSpPr>
+          <p:spPr>
+            <a:xfrm>
+              <a:off x="2477277" y="135005"/>
+              <a:ext cx="2808515" cy="396000"/>
+            </a:xfrm>
+            <a:prstGeom prst="rect">
+              <a:avLst/>
+            </a:prstGeom>
+            <a:solidFill>
+              <a:schemeClr val="accent1">
+                <a:lumMod val="20000"/>
+                <a:lumOff val="80000"/>
+              </a:schemeClr>
+            </a:solidFill>
+          </p:spPr>
+          <p:style>
+            <a:lnRef idx="2">
+              <a:schemeClr val="accent1">
+                <a:shade val="50000"/>
+              </a:schemeClr>
+            </a:lnRef>
+            <a:fillRef idx="1">
+              <a:schemeClr val="accent1"/>
+            </a:fillRef>
+            <a:effectRef idx="0">
+              <a:schemeClr val="accent1"/>
+            </a:effectRef>
+            <a:fontRef idx="minor">
+              <a:schemeClr val="lt1"/>
+            </a:fontRef>
+          </p:style>
+          <p:txBody>
+            <a:bodyPr rtlCol="0" anchor="ctr"/>
+            <a:lstStyle/>
+            <a:p>
+              <a:pPr algn="ctr"/>
+              <a:r>
+                <a:rPr lang="de-DE" sz="1200" dirty="0">
+                  <a:solidFill>
+                    <a:schemeClr val="tx1"/>
+                  </a:solidFill>
+                </a:rPr>
+                <a:t>Data (n = 61)</a:t>
+              </a:r>
+              <a:endParaRPr lang="en-GB" sz="1200" dirty="0">
+                <a:solidFill>
+                  <a:schemeClr val="tx1"/>
+                </a:solidFill>
+              </a:endParaRPr>
+            </a:p>
+          </p:txBody>
+        </p:sp>
+        <p:sp>
+          <p:nvSpPr>
+            <p:cNvPr id="5" name="Rechteck 4"/>
+            <p:cNvSpPr/>
+            <p:nvPr/>
+          </p:nvSpPr>
+          <p:spPr>
+            <a:xfrm>
+              <a:off x="2477277" y="729112"/>
+              <a:ext cx="2808515" cy="396000"/>
+            </a:xfrm>
+            <a:prstGeom prst="rect">
+              <a:avLst/>
+            </a:prstGeom>
+            <a:solidFill>
+              <a:schemeClr val="accent1">
+                <a:lumMod val="20000"/>
+                <a:lumOff val="80000"/>
+              </a:schemeClr>
+            </a:solidFill>
+          </p:spPr>
+          <p:style>
+            <a:lnRef idx="2">
+              <a:schemeClr val="accent1">
+                <a:shade val="50000"/>
+              </a:schemeClr>
+            </a:lnRef>
+            <a:fillRef idx="1">
+              <a:schemeClr val="accent1"/>
+            </a:fillRef>
+            <a:effectRef idx="0">
+              <a:schemeClr val="accent1"/>
+            </a:effectRef>
+            <a:fontRef idx="minor">
+              <a:schemeClr val="lt1"/>
+            </a:fontRef>
+          </p:style>
+          <p:txBody>
+            <a:bodyPr rtlCol="0" anchor="ctr"/>
+            <a:lstStyle/>
+            <a:p>
+              <a:pPr algn="ctr"/>
+              <a:r>
+                <a:rPr lang="de-DE" sz="1200" dirty="0">
+                  <a:solidFill>
+                    <a:schemeClr val="tx1"/>
+                  </a:solidFill>
+                </a:rPr>
+                <a:t>Data </a:t>
+              </a:r>
+              <a:r>
+                <a:rPr lang="de-DE" sz="1200" dirty="0" err="1">
+                  <a:solidFill>
+                    <a:schemeClr val="tx1"/>
+                  </a:solidFill>
+                </a:rPr>
+                <a:t>preprocessing</a:t>
+              </a:r>
+              <a:endParaRPr lang="en-GB" sz="1200" dirty="0">
+                <a:solidFill>
+                  <a:schemeClr val="tx1"/>
+                </a:solidFill>
+              </a:endParaRPr>
+            </a:p>
+          </p:txBody>
+        </p:sp>
+        <p:sp>
+          <p:nvSpPr>
+            <p:cNvPr id="10" name="Abgerundetes Rechteck 9"/>
+            <p:cNvSpPr/>
+            <p:nvPr/>
+          </p:nvSpPr>
+          <p:spPr>
+            <a:xfrm>
+              <a:off x="132862" y="261085"/>
+              <a:ext cx="1880318" cy="858530"/>
+            </a:xfrm>
+            <a:prstGeom prst="roundRect">
+              <a:avLst/>
+            </a:prstGeom>
+            <a:solidFill>
+              <a:schemeClr val="bg1">
+                <a:lumMod val="85000"/>
+                <a:alpha val="70000"/>
+              </a:schemeClr>
+            </a:solidFill>
+          </p:spPr>
+          <p:style>
+            <a:lnRef idx="2">
+              <a:schemeClr val="accent1">
+                <a:shade val="50000"/>
+              </a:schemeClr>
+            </a:lnRef>
+            <a:fillRef idx="1">
+              <a:schemeClr val="accent1"/>
+            </a:fillRef>
+            <a:effectRef idx="0">
+              <a:schemeClr val="accent1"/>
+            </a:effectRef>
+            <a:fontRef idx="minor">
+              <a:schemeClr val="lt1"/>
+            </a:fontRef>
+          </p:style>
+          <p:txBody>
+            <a:bodyPr rtlCol="0" anchor="ctr"/>
+            <a:lstStyle/>
+            <a:p>
+              <a:pPr marL="171450" indent="-171450" algn="ctr">
+                <a:buFont typeface="Wingdings" panose="05000000000000000000" pitchFamily="2" charset="2"/>
+                <a:buChar char="Ø"/>
+              </a:pPr>
+              <a:endParaRPr lang="de-DE" sz="1100" b="1" dirty="0">
+                <a:solidFill>
+                  <a:schemeClr val="tx1"/>
+                </a:solidFill>
+              </a:endParaRPr>
+            </a:p>
+            <a:p>
+              <a:pPr marL="285750" indent="-285750">
+                <a:buFont typeface="Wingdings" panose="05000000000000000000" pitchFamily="2" charset="2"/>
+                <a:buChar char="§"/>
+              </a:pPr>
+              <a:r>
+                <a:rPr lang="de-DE" sz="1100" dirty="0" err="1">
+                  <a:solidFill>
+                    <a:schemeClr val="tx1"/>
+                  </a:solidFill>
+                </a:rPr>
+                <a:t>Imputation</a:t>
+              </a:r>
+              <a:r>
+                <a:rPr lang="de-DE" sz="1100" dirty="0">
+                  <a:solidFill>
+                    <a:schemeClr val="tx1"/>
+                  </a:solidFill>
+                </a:rPr>
+                <a:t> </a:t>
+              </a:r>
+              <a:r>
+                <a:rPr lang="de-DE" sz="1100" dirty="0" err="1">
+                  <a:solidFill>
+                    <a:schemeClr val="tx1"/>
+                  </a:solidFill>
+                </a:rPr>
+                <a:t>of</a:t>
+              </a:r>
+              <a:r>
+                <a:rPr lang="de-DE" sz="1100" dirty="0">
+                  <a:solidFill>
+                    <a:schemeClr val="tx1"/>
+                  </a:solidFill>
+                </a:rPr>
+                <a:t> </a:t>
+              </a:r>
+              <a:r>
+                <a:rPr lang="de-DE" sz="1100" dirty="0" err="1">
+                  <a:solidFill>
+                    <a:schemeClr val="tx1"/>
+                  </a:solidFill>
+                </a:rPr>
+                <a:t>missing</a:t>
+              </a:r>
+              <a:r>
+                <a:rPr lang="de-DE" sz="1100" dirty="0">
+                  <a:solidFill>
+                    <a:schemeClr val="tx1"/>
+                  </a:solidFill>
+                </a:rPr>
+                <a:t> </a:t>
+              </a:r>
+              <a:r>
+                <a:rPr lang="de-DE" sz="1100" dirty="0" err="1">
+                  <a:solidFill>
+                    <a:schemeClr val="tx1"/>
+                  </a:solidFill>
+                </a:rPr>
+                <a:t>values</a:t>
+              </a:r>
+              <a:endParaRPr lang="de-DE" sz="1100" dirty="0">
+                <a:solidFill>
+                  <a:schemeClr val="tx1"/>
+                </a:solidFill>
+              </a:endParaRPr>
+            </a:p>
+            <a:p>
+              <a:pPr marL="285750" indent="-285750">
+                <a:buFont typeface="Wingdings" panose="05000000000000000000" pitchFamily="2" charset="2"/>
+                <a:buChar char="§"/>
+              </a:pPr>
+              <a:r>
+                <a:rPr lang="de-DE" sz="1100" dirty="0">
+                  <a:solidFill>
+                    <a:schemeClr val="tx1"/>
+                  </a:solidFill>
+                </a:rPr>
+                <a:t>Log2-transformation</a:t>
+              </a:r>
+            </a:p>
+            <a:p>
+              <a:pPr marL="285750" indent="-285750">
+                <a:buFont typeface="Wingdings" panose="05000000000000000000" pitchFamily="2" charset="2"/>
+                <a:buChar char="§"/>
+              </a:pPr>
+              <a:r>
+                <a:rPr lang="de-DE" sz="1100" dirty="0" err="1">
+                  <a:solidFill>
+                    <a:schemeClr val="tx1"/>
+                  </a:solidFill>
+                </a:rPr>
+                <a:t>Scaling</a:t>
+              </a:r>
+              <a:endParaRPr lang="de-DE" sz="1100" dirty="0">
+                <a:solidFill>
+                  <a:schemeClr val="tx1"/>
+                </a:solidFill>
+              </a:endParaRPr>
+            </a:p>
+            <a:p>
+              <a:pPr marL="285750" indent="-285750">
+                <a:buFont typeface="Wingdings" panose="05000000000000000000" pitchFamily="2" charset="2"/>
+                <a:buChar char="§"/>
+              </a:pPr>
+              <a:r>
+                <a:rPr lang="de-DE" sz="1100" dirty="0" err="1">
+                  <a:solidFill>
+                    <a:schemeClr val="tx1"/>
+                  </a:solidFill>
+                </a:rPr>
+                <a:t>Centering</a:t>
+              </a:r>
+              <a:endParaRPr lang="de-DE" sz="1100" dirty="0">
+                <a:solidFill>
+                  <a:schemeClr val="tx1"/>
+                </a:solidFill>
+              </a:endParaRPr>
+            </a:p>
+            <a:p>
+              <a:pPr marL="285750" indent="-285750" algn="ctr">
+                <a:buFont typeface="Wingdings" panose="05000000000000000000" pitchFamily="2" charset="2"/>
+                <a:buChar char="Ø"/>
+              </a:pPr>
+              <a:endParaRPr lang="en-GB" sz="1400" dirty="0">
+                <a:solidFill>
+                  <a:schemeClr val="tx1"/>
+                </a:solidFill>
+              </a:endParaRPr>
+            </a:p>
+          </p:txBody>
+        </p:sp>
+        <p:cxnSp>
+          <p:nvCxnSpPr>
+            <p:cNvPr id="14" name="Gerade Verbindung mit Pfeil 13"/>
+            <p:cNvCxnSpPr>
+              <a:stCxn id="4" idx="2"/>
+              <a:endCxn id="5" idx="0"/>
+            </p:cNvCxnSpPr>
+            <p:nvPr/>
+          </p:nvCxnSpPr>
+          <p:spPr>
+            <a:xfrm>
+              <a:off x="3881535" y="531005"/>
+              <a:ext cx="0" cy="198107"/>
+            </a:xfrm>
+            <a:prstGeom prst="straightConnector1">
+              <a:avLst/>
+            </a:prstGeom>
+            <a:ln>
+              <a:solidFill>
+                <a:schemeClr val="accent1">
+                  <a:lumMod val="50000"/>
+                </a:schemeClr>
+              </a:solidFill>
+              <a:tailEnd type="triangle"/>
+            </a:ln>
+          </p:spPr>
+          <p:style>
+            <a:lnRef idx="1">
+              <a:schemeClr val="accent1"/>
+            </a:lnRef>
+            <a:fillRef idx="0">
+              <a:schemeClr val="accent1"/>
+            </a:fillRef>
+            <a:effectRef idx="0">
+              <a:schemeClr val="accent1"/>
+            </a:effectRef>
+            <a:fontRef idx="minor">
+              <a:schemeClr val="tx1"/>
+            </a:fontRef>
+          </p:style>
+        </p:cxnSp>
+        <p:cxnSp>
+          <p:nvCxnSpPr>
+            <p:cNvPr id="18" name="Gerade Verbindung mit Pfeil 17"/>
+            <p:cNvCxnSpPr>
+              <a:cxnSpLocks/>
+              <a:stCxn id="5" idx="2"/>
+            </p:cNvCxnSpPr>
+            <p:nvPr/>
+          </p:nvCxnSpPr>
+          <p:spPr>
+            <a:xfrm>
+              <a:off x="3881535" y="1125112"/>
+              <a:ext cx="0" cy="198108"/>
+            </a:xfrm>
+            <a:prstGeom prst="straightConnector1">
+              <a:avLst/>
+            </a:prstGeom>
+            <a:ln>
+              <a:solidFill>
+                <a:schemeClr val="accent1">
+                  <a:lumMod val="50000"/>
+                </a:schemeClr>
+              </a:solidFill>
+              <a:tailEnd type="triangle"/>
+            </a:ln>
+          </p:spPr>
+          <p:style>
+            <a:lnRef idx="1">
+              <a:schemeClr val="accent1"/>
+            </a:lnRef>
+            <a:fillRef idx="0">
+              <a:schemeClr val="accent1"/>
+            </a:fillRef>
+            <a:effectRef idx="0">
+              <a:schemeClr val="accent1"/>
+            </a:effectRef>
+            <a:fontRef idx="minor">
+              <a:schemeClr val="tx1"/>
+            </a:fontRef>
+          </p:style>
+        </p:cxnSp>
+        <p:sp>
+          <p:nvSpPr>
+            <p:cNvPr id="21" name="Rechteck 20"/>
+            <p:cNvSpPr/>
+            <p:nvPr/>
+          </p:nvSpPr>
+          <p:spPr>
+            <a:xfrm>
+              <a:off x="2477277" y="2055518"/>
+              <a:ext cx="2808515" cy="438223"/>
+            </a:xfrm>
+            <a:prstGeom prst="rect">
+              <a:avLst/>
+            </a:prstGeom>
+            <a:solidFill>
+              <a:schemeClr val="accent1">
+                <a:lumMod val="20000"/>
+                <a:lumOff val="80000"/>
+              </a:schemeClr>
+            </a:solidFill>
+          </p:spPr>
+          <p:style>
+            <a:lnRef idx="2">
+              <a:schemeClr val="accent1">
+                <a:shade val="50000"/>
+              </a:schemeClr>
+            </a:lnRef>
+            <a:fillRef idx="1">
+              <a:schemeClr val="accent1"/>
+            </a:fillRef>
+            <a:effectRef idx="0">
+              <a:schemeClr val="accent1"/>
+            </a:effectRef>
+            <a:fontRef idx="minor">
+              <a:schemeClr val="lt1"/>
+            </a:fontRef>
+          </p:style>
+          <p:txBody>
+            <a:bodyPr rtlCol="0" anchor="ctr"/>
+            <a:lstStyle/>
+            <a:p>
+              <a:pPr algn="ctr"/>
+              <a:r>
+                <a:rPr lang="de-DE" sz="1200" dirty="0">
+                  <a:solidFill>
+                    <a:schemeClr val="tx1"/>
+                  </a:solidFill>
+                </a:rPr>
+                <a:t>Split </a:t>
+              </a:r>
+              <a:r>
+                <a:rPr lang="de-DE" sz="1200" dirty="0" err="1">
+                  <a:solidFill>
+                    <a:schemeClr val="tx1"/>
+                  </a:solidFill>
+                </a:rPr>
+                <a:t>data</a:t>
+              </a:r>
+              <a:r>
+                <a:rPr lang="de-DE" sz="1200" dirty="0">
+                  <a:solidFill>
+                    <a:schemeClr val="tx1"/>
+                  </a:solidFill>
+                </a:rPr>
+                <a:t> </a:t>
+              </a:r>
+              <a:r>
+                <a:rPr lang="de-DE" sz="1200" dirty="0" err="1">
+                  <a:solidFill>
+                    <a:schemeClr val="tx1"/>
+                  </a:solidFill>
+                </a:rPr>
+                <a:t>into</a:t>
+              </a:r>
+              <a:r>
+                <a:rPr lang="de-DE" sz="1200" dirty="0">
+                  <a:solidFill>
+                    <a:schemeClr val="tx1"/>
+                  </a:solidFill>
+                </a:rPr>
+                <a:t> </a:t>
+              </a:r>
+              <a:r>
+                <a:rPr lang="de-DE" sz="1200" dirty="0" err="1">
+                  <a:solidFill>
+                    <a:schemeClr val="tx1"/>
+                  </a:solidFill>
+                </a:rPr>
+                <a:t>training</a:t>
+              </a:r>
+              <a:r>
+                <a:rPr lang="de-DE" sz="1200" dirty="0">
+                  <a:solidFill>
+                    <a:schemeClr val="tx1"/>
+                  </a:solidFill>
+                </a:rPr>
+                <a:t> </a:t>
+              </a:r>
+              <a:r>
+                <a:rPr lang="de-DE" sz="1200" dirty="0" err="1">
+                  <a:solidFill>
+                    <a:schemeClr val="tx1"/>
+                  </a:solidFill>
+                </a:rPr>
+                <a:t>and</a:t>
+              </a:r>
+              <a:r>
+                <a:rPr lang="de-DE" sz="1200" dirty="0">
+                  <a:solidFill>
+                    <a:schemeClr val="tx1"/>
+                  </a:solidFill>
+                </a:rPr>
+                <a:t> </a:t>
+              </a:r>
+              <a:r>
+                <a:rPr lang="de-DE" sz="1200" dirty="0" err="1">
+                  <a:solidFill>
+                    <a:schemeClr val="tx1"/>
+                  </a:solidFill>
+                </a:rPr>
+                <a:t>validation</a:t>
+              </a:r>
+              <a:r>
+                <a:rPr lang="de-DE" sz="1200" dirty="0">
+                  <a:solidFill>
+                    <a:schemeClr val="tx1"/>
+                  </a:solidFill>
+                </a:rPr>
+                <a:t> </a:t>
+              </a:r>
+              <a:r>
+                <a:rPr lang="de-DE" sz="1200" dirty="0" err="1">
+                  <a:solidFill>
+                    <a:schemeClr val="tx1"/>
+                  </a:solidFill>
+                </a:rPr>
+                <a:t>set</a:t>
+              </a:r>
+              <a:endParaRPr lang="en-GB" sz="1200" dirty="0">
+                <a:solidFill>
+                  <a:schemeClr val="tx1"/>
+                </a:solidFill>
+              </a:endParaRPr>
+            </a:p>
+            <a:p>
+              <a:pPr algn="ctr"/>
+              <a:r>
+                <a:rPr lang="de-DE" sz="1200" dirty="0">
+                  <a:solidFill>
+                    <a:schemeClr val="tx1"/>
+                  </a:solidFill>
+                </a:rPr>
+                <a:t> k=10 </a:t>
+              </a:r>
+              <a:r>
+                <a:rPr lang="de-DE" sz="1200" dirty="0" err="1">
+                  <a:solidFill>
+                    <a:schemeClr val="tx1"/>
+                  </a:solidFill>
+                </a:rPr>
+                <a:t>times</a:t>
+              </a:r>
+              <a:r>
+                <a:rPr lang="de-DE" sz="1200" dirty="0">
+                  <a:solidFill>
+                    <a:schemeClr val="tx1"/>
+                  </a:solidFill>
+                </a:rPr>
+                <a:t> </a:t>
+              </a:r>
+              <a:r>
+                <a:rPr lang="de-DE" sz="1200" dirty="0" err="1">
+                  <a:solidFill>
+                    <a:schemeClr val="tx1"/>
+                  </a:solidFill>
+                </a:rPr>
+                <a:t>for</a:t>
+              </a:r>
+              <a:r>
+                <a:rPr lang="de-DE" sz="1200" dirty="0">
+                  <a:solidFill>
+                    <a:schemeClr val="tx1"/>
+                  </a:solidFill>
+                </a:rPr>
+                <a:t> </a:t>
+              </a:r>
+              <a:r>
+                <a:rPr lang="de-DE" sz="1200" dirty="0" err="1">
+                  <a:solidFill>
+                    <a:schemeClr val="tx1"/>
+                  </a:solidFill>
+                </a:rPr>
+                <a:t>repeated</a:t>
+              </a:r>
+              <a:r>
+                <a:rPr lang="de-DE" sz="1200" dirty="0">
+                  <a:solidFill>
+                    <a:schemeClr val="tx1"/>
+                  </a:solidFill>
+                </a:rPr>
+                <a:t> k-</a:t>
+              </a:r>
+              <a:r>
+                <a:rPr lang="de-DE" sz="1200" dirty="0" err="1">
+                  <a:solidFill>
+                    <a:schemeClr val="tx1"/>
+                  </a:solidFill>
+                </a:rPr>
+                <a:t>fold</a:t>
+              </a:r>
+              <a:r>
+                <a:rPr lang="de-DE" sz="1200" dirty="0">
+                  <a:solidFill>
+                    <a:schemeClr val="tx1"/>
+                  </a:solidFill>
+                </a:rPr>
+                <a:t> cv</a:t>
+              </a:r>
+              <a:endParaRPr lang="en-GB" sz="1200" dirty="0">
+                <a:solidFill>
+                  <a:schemeClr val="tx1"/>
+                </a:solidFill>
+              </a:endParaRPr>
+            </a:p>
+          </p:txBody>
+        </p:sp>
+        <p:cxnSp>
+          <p:nvCxnSpPr>
+            <p:cNvPr id="22" name="Gerade Verbindung mit Pfeil 21"/>
+            <p:cNvCxnSpPr>
+              <a:cxnSpLocks/>
+              <a:endCxn id="21" idx="0"/>
+            </p:cNvCxnSpPr>
+            <p:nvPr/>
+          </p:nvCxnSpPr>
+          <p:spPr>
+            <a:xfrm>
+              <a:off x="3881535" y="1719220"/>
+              <a:ext cx="0" cy="336298"/>
+            </a:xfrm>
+            <a:prstGeom prst="straightConnector1">
+              <a:avLst/>
+            </a:prstGeom>
+            <a:ln>
+              <a:solidFill>
+                <a:schemeClr val="accent1">
+                  <a:lumMod val="50000"/>
+                </a:schemeClr>
+              </a:solidFill>
+              <a:tailEnd type="triangle"/>
+            </a:ln>
+          </p:spPr>
+          <p:style>
+            <a:lnRef idx="1">
+              <a:schemeClr val="accent1"/>
+            </a:lnRef>
+            <a:fillRef idx="0">
+              <a:schemeClr val="accent1"/>
+            </a:fillRef>
+            <a:effectRef idx="0">
+              <a:schemeClr val="accent1"/>
+            </a:effectRef>
+            <a:fontRef idx="minor">
+              <a:schemeClr val="tx1"/>
+            </a:fontRef>
+          </p:style>
+        </p:cxnSp>
+        <p:sp>
+          <p:nvSpPr>
+            <p:cNvPr id="41" name="Rechteck 40"/>
+            <p:cNvSpPr/>
+            <p:nvPr/>
+          </p:nvSpPr>
+          <p:spPr>
+            <a:xfrm>
+              <a:off x="6445755" y="2055518"/>
+              <a:ext cx="2808515" cy="396000"/>
+            </a:xfrm>
+            <a:prstGeom prst="rect">
+              <a:avLst/>
+            </a:prstGeom>
+            <a:solidFill>
+              <a:schemeClr val="accent1">
+                <a:lumMod val="20000"/>
+                <a:lumOff val="80000"/>
+              </a:schemeClr>
+            </a:solidFill>
+          </p:spPr>
+          <p:style>
+            <a:lnRef idx="2">
+              <a:schemeClr val="accent1">
+                <a:shade val="50000"/>
+              </a:schemeClr>
+            </a:lnRef>
+            <a:fillRef idx="1">
+              <a:schemeClr val="accent1"/>
+            </a:fillRef>
+            <a:effectRef idx="0">
+              <a:schemeClr val="accent1"/>
+            </a:effectRef>
+            <a:fontRef idx="minor">
+              <a:schemeClr val="lt1"/>
+            </a:fontRef>
+          </p:style>
+          <p:txBody>
+            <a:bodyPr rtlCol="0" anchor="ctr"/>
+            <a:lstStyle/>
+            <a:p>
+              <a:pPr algn="ctr"/>
+              <a:r>
+                <a:rPr lang="de-DE" sz="1200" dirty="0">
+                  <a:solidFill>
+                    <a:schemeClr val="tx1"/>
+                  </a:solidFill>
+                </a:rPr>
+                <a:t>Test</a:t>
+              </a:r>
+              <a:endParaRPr lang="en-GB" sz="1200" dirty="0">
+                <a:solidFill>
+                  <a:schemeClr val="tx1"/>
+                </a:solidFill>
+              </a:endParaRPr>
+            </a:p>
+          </p:txBody>
+        </p:sp>
+        <p:sp>
+          <p:nvSpPr>
+            <p:cNvPr id="57" name="Textfeld 56"/>
+            <p:cNvSpPr txBox="1"/>
+            <p:nvPr/>
+          </p:nvSpPr>
+          <p:spPr>
+            <a:xfrm>
+              <a:off x="3493094" y="1692115"/>
+              <a:ext cx="702231" cy="276999"/>
+            </a:xfrm>
+            <a:prstGeom prst="rect">
+              <a:avLst/>
+            </a:prstGeom>
+            <a:noFill/>
+          </p:spPr>
+          <p:txBody>
+            <a:bodyPr wrap="square" rtlCol="0">
+              <a:spAutoFit/>
+            </a:bodyPr>
+            <a:lstStyle/>
+            <a:p>
+              <a:r>
+                <a:rPr lang="de-DE" sz="1200" b="1" dirty="0"/>
+                <a:t>90%</a:t>
+              </a:r>
+              <a:endParaRPr lang="en-GB" sz="1200" b="1" dirty="0"/>
+            </a:p>
+          </p:txBody>
+        </p:sp>
+        <p:sp>
+          <p:nvSpPr>
+            <p:cNvPr id="58" name="Textfeld 57"/>
+            <p:cNvSpPr txBox="1"/>
+            <p:nvPr/>
+          </p:nvSpPr>
+          <p:spPr>
+            <a:xfrm rot="1279007">
+              <a:off x="5617623" y="1829814"/>
+              <a:ext cx="702231" cy="276999"/>
+            </a:xfrm>
+            <a:prstGeom prst="rect">
+              <a:avLst/>
+            </a:prstGeom>
+            <a:noFill/>
+          </p:spPr>
+          <p:txBody>
+            <a:bodyPr wrap="square" rtlCol="0">
+              <a:spAutoFit/>
+            </a:bodyPr>
+            <a:lstStyle/>
+            <a:p>
+              <a:r>
+                <a:rPr lang="de-DE" sz="1200" b="1" dirty="0"/>
+                <a:t>10%</a:t>
+              </a:r>
+              <a:endParaRPr lang="en-GB" sz="1200" b="1" dirty="0"/>
+            </a:p>
+          </p:txBody>
+        </p:sp>
+        <p:sp>
+          <p:nvSpPr>
+            <p:cNvPr id="61" name="Abgerundetes Rechteck 60"/>
+            <p:cNvSpPr/>
+            <p:nvPr/>
+          </p:nvSpPr>
+          <p:spPr>
+            <a:xfrm>
+              <a:off x="2108991" y="1925942"/>
+              <a:ext cx="3485307" cy="4671649"/>
+            </a:xfrm>
+            <a:prstGeom prst="roundRect">
+              <a:avLst/>
+            </a:prstGeom>
+            <a:noFill/>
+            <a:ln>
+              <a:prstDash val="sysDash"/>
+            </a:ln>
+          </p:spPr>
+          <p:style>
+            <a:lnRef idx="2">
+              <a:schemeClr val="accent1">
+                <a:shade val="50000"/>
+              </a:schemeClr>
+            </a:lnRef>
+            <a:fillRef idx="1">
+              <a:schemeClr val="accent1"/>
+            </a:fillRef>
+            <a:effectRef idx="0">
+              <a:schemeClr val="accent1"/>
+            </a:effectRef>
+            <a:fontRef idx="minor">
+              <a:schemeClr val="lt1"/>
+            </a:fontRef>
+          </p:style>
+          <p:txBody>
+            <a:bodyPr rtlCol="0" anchor="ctr"/>
+            <a:lstStyle/>
+            <a:p>
+              <a:pPr algn="ctr"/>
+              <a:endParaRPr lang="en-GB"/>
+            </a:p>
+          </p:txBody>
+        </p:sp>
+        <p:sp>
+          <p:nvSpPr>
+            <p:cNvPr id="62" name="Rechteck 61"/>
+            <p:cNvSpPr/>
+            <p:nvPr/>
+          </p:nvSpPr>
+          <p:spPr>
+            <a:xfrm>
+              <a:off x="2477277" y="2647831"/>
+              <a:ext cx="1260000" cy="382555"/>
+            </a:xfrm>
+            <a:prstGeom prst="rect">
+              <a:avLst/>
+            </a:prstGeom>
+            <a:solidFill>
+              <a:schemeClr val="accent1">
+                <a:lumMod val="20000"/>
+                <a:lumOff val="80000"/>
+              </a:schemeClr>
+            </a:solidFill>
+          </p:spPr>
+          <p:style>
+            <a:lnRef idx="2">
+              <a:schemeClr val="accent1">
+                <a:shade val="50000"/>
+              </a:schemeClr>
+            </a:lnRef>
+            <a:fillRef idx="1">
+              <a:schemeClr val="accent1"/>
+            </a:fillRef>
+            <a:effectRef idx="0">
+              <a:schemeClr val="accent1"/>
+            </a:effectRef>
+            <a:fontRef idx="minor">
+              <a:schemeClr val="lt1"/>
+            </a:fontRef>
+          </p:style>
+          <p:txBody>
+            <a:bodyPr rtlCol="0" anchor="ctr"/>
+            <a:lstStyle/>
+            <a:p>
+              <a:pPr algn="ctr"/>
+              <a:r>
+                <a:rPr lang="de-DE" sz="1200" dirty="0">
+                  <a:solidFill>
+                    <a:schemeClr val="tx1"/>
+                  </a:solidFill>
+                </a:rPr>
+                <a:t>Training</a:t>
+              </a:r>
+              <a:endParaRPr lang="en-GB" sz="1400" dirty="0">
+                <a:solidFill>
+                  <a:schemeClr val="tx1"/>
+                </a:solidFill>
+              </a:endParaRPr>
+            </a:p>
+          </p:txBody>
+        </p:sp>
+        <p:cxnSp>
+          <p:nvCxnSpPr>
+            <p:cNvPr id="63" name="Gerade Verbindung mit Pfeil 62"/>
+            <p:cNvCxnSpPr>
+              <a:cxnSpLocks/>
+            </p:cNvCxnSpPr>
+            <p:nvPr/>
+          </p:nvCxnSpPr>
+          <p:spPr>
+            <a:xfrm>
+              <a:off x="3107277" y="2486100"/>
+              <a:ext cx="0" cy="162000"/>
+            </a:xfrm>
+            <a:prstGeom prst="straightConnector1">
+              <a:avLst/>
+            </a:prstGeom>
+            <a:ln>
+              <a:solidFill>
+                <a:schemeClr val="accent1">
+                  <a:lumMod val="50000"/>
+                </a:schemeClr>
+              </a:solidFill>
+              <a:tailEnd type="triangle"/>
+            </a:ln>
+          </p:spPr>
+          <p:style>
+            <a:lnRef idx="1">
+              <a:schemeClr val="accent1"/>
+            </a:lnRef>
+            <a:fillRef idx="0">
+              <a:schemeClr val="accent1"/>
+            </a:fillRef>
+            <a:effectRef idx="0">
+              <a:schemeClr val="accent1"/>
+            </a:effectRef>
+            <a:fontRef idx="minor">
+              <a:schemeClr val="tx1"/>
+            </a:fontRef>
+          </p:style>
+        </p:cxnSp>
+        <p:sp>
+          <p:nvSpPr>
+            <p:cNvPr id="66" name="Rechteck 65"/>
+            <p:cNvSpPr/>
+            <p:nvPr/>
+          </p:nvSpPr>
+          <p:spPr>
+            <a:xfrm>
+              <a:off x="3931125" y="5029290"/>
+              <a:ext cx="1260000" cy="382555"/>
+            </a:xfrm>
+            <a:prstGeom prst="rect">
+              <a:avLst/>
+            </a:prstGeom>
+            <a:solidFill>
+              <a:schemeClr val="accent1">
+                <a:lumMod val="20000"/>
+                <a:lumOff val="80000"/>
+              </a:schemeClr>
+            </a:solidFill>
+          </p:spPr>
+          <p:style>
+            <a:lnRef idx="2">
+              <a:schemeClr val="accent1">
+                <a:shade val="50000"/>
+              </a:schemeClr>
+            </a:lnRef>
+            <a:fillRef idx="1">
+              <a:schemeClr val="accent1"/>
+            </a:fillRef>
+            <a:effectRef idx="0">
+              <a:schemeClr val="accent1"/>
+            </a:effectRef>
+            <a:fontRef idx="minor">
+              <a:schemeClr val="lt1"/>
+            </a:fontRef>
+          </p:style>
+          <p:txBody>
+            <a:bodyPr rtlCol="0" anchor="ctr"/>
+            <a:lstStyle/>
+            <a:p>
+              <a:pPr algn="ctr"/>
+              <a:r>
+                <a:rPr lang="de-DE" sz="1200" dirty="0">
+                  <a:solidFill>
+                    <a:schemeClr val="tx1"/>
+                  </a:solidFill>
+                </a:rPr>
+                <a:t>Validation</a:t>
+              </a:r>
+              <a:endParaRPr lang="en-GB" sz="1200" dirty="0">
+                <a:solidFill>
+                  <a:schemeClr val="tx1"/>
+                </a:solidFill>
+              </a:endParaRPr>
+            </a:p>
+          </p:txBody>
+        </p:sp>
         <p:grpSp>
           <p:nvGrpSpPr>
-            <p:cNvPr id="183" name="Gruppieren 182"/>
+            <p:cNvPr id="76" name="Gruppieren 75"/>
             <p:cNvGrpSpPr/>
             <p:nvPr/>
           </p:nvGrpSpPr>
           <p:grpSpPr>
             <a:xfrm>
-              <a:off x="466237" y="220730"/>
-              <a:ext cx="11302609" cy="6243237"/>
-              <a:chOff x="132862" y="135005"/>
-              <a:chExt cx="11302609" cy="6243237"/>
+              <a:off x="2217829" y="3100963"/>
+              <a:ext cx="1799691" cy="1800225"/>
+              <a:chOff x="7620267" y="2397974"/>
+              <a:chExt cx="1799691" cy="1800225"/>
             </a:xfrm>
           </p:grpSpPr>
           <p:sp>
             <p:nvSpPr>
-              <p:cNvPr id="4" name="Rechteck 3"/>
+              <p:cNvPr id="75" name="Gestreifter Pfeil nach rechts 74"/>
+              <p:cNvSpPr/>
+              <p:nvPr/>
+            </p:nvSpPr>
+            <p:spPr>
+              <a:xfrm rot="5400000">
+                <a:off x="7620000" y="2398241"/>
+                <a:ext cx="1800225" cy="1799691"/>
+              </a:xfrm>
+              <a:prstGeom prst="stripedRightArrow">
+                <a:avLst>
+                  <a:gd name="adj1" fmla="val 57410"/>
+                  <a:gd name="adj2" fmla="val 46295"/>
+                </a:avLst>
+              </a:prstGeom>
+              <a:solidFill>
+                <a:schemeClr val="accent1">
+                  <a:lumMod val="20000"/>
+                  <a:lumOff val="80000"/>
+                </a:schemeClr>
+              </a:solidFill>
+            </p:spPr>
+            <p:style>
+              <a:lnRef idx="2">
+                <a:schemeClr val="accent1">
+                  <a:shade val="50000"/>
+                </a:schemeClr>
+              </a:lnRef>
+              <a:fillRef idx="1">
+                <a:schemeClr val="accent1"/>
+              </a:fillRef>
+              <a:effectRef idx="0">
+                <a:schemeClr val="accent1"/>
+              </a:effectRef>
+              <a:fontRef idx="minor">
+                <a:schemeClr val="lt1"/>
+              </a:fontRef>
+            </p:style>
+            <p:txBody>
+              <a:bodyPr rtlCol="0" anchor="ctr"/>
+              <a:lstStyle/>
+              <a:p>
+                <a:pPr algn="ctr"/>
+                <a:endParaRPr lang="en-GB"/>
+              </a:p>
+            </p:txBody>
+          </p:sp>
+          <p:sp>
+            <p:nvSpPr>
+              <p:cNvPr id="69" name="Rechteck 68"/>
               <p:cNvSpPr/>
               <p:nvPr/>
             </p:nvSpPr>
             <p:spPr>
               <a:xfrm>
-                <a:off x="2477277" y="135005"/>
-                <a:ext cx="2808515" cy="396000"/>
+                <a:off x="7967509" y="2754578"/>
+                <a:ext cx="1134086" cy="923330"/>
               </a:xfrm>
               <a:prstGeom prst="rect">
+                <a:avLst/>
+              </a:prstGeom>
+            </p:spPr>
+            <p:txBody>
+              <a:bodyPr wrap="square">
+                <a:spAutoFit/>
+              </a:bodyPr>
+              <a:lstStyle/>
+              <a:p>
+                <a:pPr marL="171450" indent="-171450">
+                  <a:buFontTx/>
+                  <a:buChar char="-"/>
+                </a:pPr>
+                <a:r>
+                  <a:rPr lang="de-DE" sz="900" dirty="0"/>
+                  <a:t>Hyperparameter </a:t>
+                </a:r>
+                <a:r>
+                  <a:rPr lang="de-DE" sz="900" dirty="0" err="1"/>
+                  <a:t>tuning</a:t>
+                </a:r>
+                <a:endParaRPr lang="de-DE" sz="900" dirty="0"/>
+              </a:p>
+              <a:p>
+                <a:pPr marL="171450" indent="-171450">
+                  <a:buFontTx/>
+                  <a:buChar char="-"/>
+                </a:pPr>
+                <a:r>
+                  <a:rPr lang="de-DE" sz="900" dirty="0"/>
+                  <a:t>Feature </a:t>
+                </a:r>
+                <a:r>
+                  <a:rPr lang="de-DE" sz="900" dirty="0" err="1"/>
+                  <a:t>selection</a:t>
+                </a:r>
+                <a:r>
+                  <a:rPr lang="de-DE" sz="900" dirty="0"/>
+                  <a:t> </a:t>
+                </a:r>
+                <a:r>
+                  <a:rPr lang="de-DE" sz="900" dirty="0" err="1"/>
+                  <a:t>using</a:t>
+                </a:r>
+                <a:r>
+                  <a:rPr lang="de-DE" sz="900" dirty="0"/>
+                  <a:t> L1 </a:t>
+                </a:r>
+                <a:r>
+                  <a:rPr lang="de-DE" sz="900" dirty="0" err="1"/>
+                  <a:t>regularization</a:t>
+                </a:r>
+                <a:r>
+                  <a:rPr lang="de-DE" sz="900" dirty="0"/>
+                  <a:t> </a:t>
+                </a:r>
+                <a:r>
+                  <a:rPr lang="de-DE" sz="900" dirty="0" err="1"/>
+                  <a:t>if</a:t>
+                </a:r>
+                <a:r>
+                  <a:rPr lang="de-DE" sz="900" dirty="0"/>
+                  <a:t> </a:t>
+                </a:r>
+                <a:r>
+                  <a:rPr lang="de-DE" sz="900" dirty="0" err="1"/>
+                  <a:t>applicable</a:t>
+                </a:r>
+                <a:endParaRPr lang="de-DE" sz="900" dirty="0"/>
+              </a:p>
+            </p:txBody>
+          </p:sp>
+        </p:grpSp>
+        <p:sp>
+          <p:nvSpPr>
+            <p:cNvPr id="77" name="Rechteck 76"/>
+            <p:cNvSpPr/>
+            <p:nvPr/>
+          </p:nvSpPr>
+          <p:spPr>
+            <a:xfrm>
+              <a:off x="2470027" y="5021478"/>
+              <a:ext cx="1260000" cy="382555"/>
+            </a:xfrm>
+            <a:prstGeom prst="rect">
+              <a:avLst/>
+            </a:prstGeom>
+            <a:solidFill>
+              <a:schemeClr val="accent1">
+                <a:lumMod val="20000"/>
+                <a:lumOff val="80000"/>
+              </a:schemeClr>
+            </a:solidFill>
+          </p:spPr>
+          <p:style>
+            <a:lnRef idx="2">
+              <a:schemeClr val="accent1">
+                <a:shade val="50000"/>
+              </a:schemeClr>
+            </a:lnRef>
+            <a:fillRef idx="1">
+              <a:schemeClr val="accent1"/>
+            </a:fillRef>
+            <a:effectRef idx="0">
+              <a:schemeClr val="accent1"/>
+            </a:effectRef>
+            <a:fontRef idx="minor">
+              <a:schemeClr val="lt1"/>
+            </a:fontRef>
+          </p:style>
+          <p:txBody>
+            <a:bodyPr rtlCol="0" anchor="ctr"/>
+            <a:lstStyle/>
+            <a:p>
+              <a:pPr algn="ctr"/>
+              <a:r>
+                <a:rPr lang="de-DE" sz="1200" dirty="0" err="1">
+                  <a:solidFill>
+                    <a:schemeClr val="tx1"/>
+                  </a:solidFill>
+                </a:rPr>
+                <a:t>Trained</a:t>
+              </a:r>
+              <a:r>
+                <a:rPr lang="de-DE" sz="1400" dirty="0">
+                  <a:solidFill>
+                    <a:schemeClr val="tx1"/>
+                  </a:solidFill>
+                </a:rPr>
+                <a:t> </a:t>
+              </a:r>
+              <a:r>
+                <a:rPr lang="de-DE" sz="1200" dirty="0" err="1">
+                  <a:solidFill>
+                    <a:schemeClr val="tx1"/>
+                  </a:solidFill>
+                </a:rPr>
+                <a:t>model</a:t>
+              </a:r>
+              <a:endParaRPr lang="en-GB" sz="1400" dirty="0">
+                <a:solidFill>
+                  <a:schemeClr val="tx1"/>
+                </a:solidFill>
+              </a:endParaRPr>
+            </a:p>
+          </p:txBody>
+        </p:sp>
+        <p:sp>
+          <p:nvSpPr>
+            <p:cNvPr id="78" name="Textfeld 77"/>
+            <p:cNvSpPr txBox="1"/>
+            <p:nvPr/>
+          </p:nvSpPr>
+          <p:spPr>
+            <a:xfrm>
+              <a:off x="2809528" y="5987616"/>
+              <a:ext cx="2247900" cy="646331"/>
+            </a:xfrm>
+            <a:prstGeom prst="rect">
+              <a:avLst/>
+            </a:prstGeom>
+            <a:noFill/>
+          </p:spPr>
+          <p:txBody>
+            <a:bodyPr wrap="square" rtlCol="0">
+              <a:spAutoFit/>
+            </a:bodyPr>
+            <a:lstStyle/>
+            <a:p>
+              <a:pPr algn="ctr"/>
+              <a:r>
+                <a:rPr lang="de-DE" dirty="0" err="1">
+                  <a:solidFill>
+                    <a:schemeClr val="accent1">
+                      <a:lumMod val="50000"/>
+                    </a:schemeClr>
+                  </a:solidFill>
+                </a:rPr>
+                <a:t>Inner</a:t>
+              </a:r>
+              <a:r>
+                <a:rPr lang="de-DE" dirty="0">
+                  <a:solidFill>
+                    <a:schemeClr val="accent1">
+                      <a:lumMod val="50000"/>
+                    </a:schemeClr>
+                  </a:solidFill>
+                </a:rPr>
+                <a:t> Loop </a:t>
+              </a:r>
+            </a:p>
+            <a:p>
+              <a:pPr algn="ctr"/>
+              <a:r>
+                <a:rPr lang="de-DE" dirty="0">
+                  <a:solidFill>
+                    <a:schemeClr val="accent1">
+                      <a:lumMod val="50000"/>
+                    </a:schemeClr>
+                  </a:solidFill>
+                </a:rPr>
+                <a:t>(Model </a:t>
+              </a:r>
+              <a:r>
+                <a:rPr lang="de-DE" dirty="0" err="1">
+                  <a:solidFill>
+                    <a:schemeClr val="accent1">
+                      <a:lumMod val="50000"/>
+                    </a:schemeClr>
+                  </a:solidFill>
+                </a:rPr>
+                <a:t>optimisation</a:t>
+              </a:r>
+              <a:r>
+                <a:rPr lang="de-DE" dirty="0">
+                  <a:solidFill>
+                    <a:schemeClr val="accent1">
+                      <a:lumMod val="50000"/>
+                    </a:schemeClr>
+                  </a:solidFill>
+                </a:rPr>
+                <a:t>)</a:t>
+              </a:r>
+              <a:endParaRPr lang="en-GB" dirty="0">
+                <a:solidFill>
+                  <a:schemeClr val="accent1">
+                    <a:lumMod val="50000"/>
+                  </a:schemeClr>
+                </a:solidFill>
+              </a:endParaRPr>
+            </a:p>
+          </p:txBody>
+        </p:sp>
+        <p:sp>
+          <p:nvSpPr>
+            <p:cNvPr id="79" name="Abgerundetes Rechteck 78"/>
+            <p:cNvSpPr/>
+            <p:nvPr/>
+          </p:nvSpPr>
+          <p:spPr>
+            <a:xfrm>
+              <a:off x="135320" y="4551904"/>
+              <a:ext cx="1837155" cy="1319788"/>
+            </a:xfrm>
+            <a:prstGeom prst="roundRect">
+              <a:avLst/>
+            </a:prstGeom>
+            <a:solidFill>
+              <a:schemeClr val="bg1">
+                <a:lumMod val="85000"/>
+                <a:alpha val="70000"/>
+              </a:schemeClr>
+            </a:solidFill>
+          </p:spPr>
+          <p:style>
+            <a:lnRef idx="2">
+              <a:schemeClr val="accent1">
+                <a:shade val="50000"/>
+              </a:schemeClr>
+            </a:lnRef>
+            <a:fillRef idx="1">
+              <a:schemeClr val="accent1"/>
+            </a:fillRef>
+            <a:effectRef idx="0">
+              <a:schemeClr val="accent1"/>
+            </a:effectRef>
+            <a:fontRef idx="minor">
+              <a:schemeClr val="lt1"/>
+            </a:fontRef>
+          </p:style>
+          <p:txBody>
+            <a:bodyPr rtlCol="0" anchor="ctr"/>
+            <a:lstStyle/>
+            <a:p>
+              <a:pPr marL="285750" indent="-285750">
+                <a:buFont typeface="Wingdings" panose="05000000000000000000" pitchFamily="2" charset="2"/>
+                <a:buChar char="§"/>
+              </a:pPr>
+              <a:r>
+                <a:rPr lang="de-DE" sz="1100" dirty="0">
+                  <a:solidFill>
+                    <a:schemeClr val="tx1"/>
+                  </a:solidFill>
+                </a:rPr>
+                <a:t>Baseline </a:t>
+              </a:r>
+              <a:r>
+                <a:rPr lang="de-DE" sz="1100" dirty="0" err="1">
+                  <a:solidFill>
+                    <a:schemeClr val="tx1"/>
+                  </a:solidFill>
+                </a:rPr>
+                <a:t>model</a:t>
+              </a:r>
+              <a:r>
+                <a:rPr lang="de-DE" sz="1100" dirty="0">
+                  <a:solidFill>
+                    <a:schemeClr val="tx1"/>
+                  </a:solidFill>
+                </a:rPr>
+                <a:t> </a:t>
+              </a:r>
+              <a:r>
+                <a:rPr lang="de-DE" sz="1100" dirty="0" err="1">
+                  <a:solidFill>
+                    <a:schemeClr val="tx1"/>
+                  </a:solidFill>
+                </a:rPr>
+                <a:t>with</a:t>
+              </a:r>
+              <a:r>
+                <a:rPr lang="de-DE" sz="1100" dirty="0">
+                  <a:solidFill>
+                    <a:schemeClr val="tx1"/>
+                  </a:solidFill>
+                </a:rPr>
+                <a:t> </a:t>
+              </a:r>
+              <a:r>
+                <a:rPr lang="de-DE" sz="1100" dirty="0" err="1">
+                  <a:solidFill>
+                    <a:schemeClr val="tx1"/>
+                  </a:solidFill>
+                </a:rPr>
+                <a:t>serum</a:t>
+              </a:r>
+              <a:r>
+                <a:rPr lang="de-DE" sz="1100" dirty="0">
+                  <a:solidFill>
+                    <a:schemeClr val="tx1"/>
+                  </a:solidFill>
+                </a:rPr>
+                <a:t> </a:t>
+              </a:r>
+              <a:r>
+                <a:rPr lang="de-DE" sz="1100" dirty="0" err="1">
+                  <a:solidFill>
+                    <a:schemeClr val="tx1"/>
+                  </a:solidFill>
+                </a:rPr>
+                <a:t>markers</a:t>
+              </a:r>
+              <a:endParaRPr lang="de-DE" sz="1100" dirty="0">
+                <a:solidFill>
+                  <a:schemeClr val="tx1"/>
+                </a:solidFill>
+              </a:endParaRPr>
+            </a:p>
+            <a:p>
+              <a:pPr marL="285750" indent="-285750">
+                <a:buFont typeface="Wingdings" panose="05000000000000000000" pitchFamily="2" charset="2"/>
+                <a:buChar char="§"/>
+              </a:pPr>
+              <a:r>
+                <a:rPr lang="de-DE" sz="1100" dirty="0" err="1">
+                  <a:solidFill>
+                    <a:schemeClr val="tx1"/>
+                  </a:solidFill>
+                </a:rPr>
+                <a:t>miRNA</a:t>
+              </a:r>
+              <a:r>
+                <a:rPr lang="de-DE" sz="1100" dirty="0">
+                  <a:solidFill>
+                    <a:schemeClr val="tx1"/>
+                  </a:solidFill>
+                </a:rPr>
+                <a:t> </a:t>
+              </a:r>
+              <a:r>
+                <a:rPr lang="de-DE" sz="1100" dirty="0" err="1">
+                  <a:solidFill>
+                    <a:schemeClr val="tx1"/>
+                  </a:solidFill>
+                </a:rPr>
+                <a:t>only</a:t>
+              </a:r>
+              <a:r>
+                <a:rPr lang="de-DE" sz="1100" dirty="0">
+                  <a:solidFill>
+                    <a:schemeClr val="tx1"/>
+                  </a:solidFill>
+                </a:rPr>
+                <a:t> </a:t>
+              </a:r>
+              <a:r>
+                <a:rPr lang="de-DE" sz="1100" dirty="0" err="1">
+                  <a:solidFill>
+                    <a:schemeClr val="tx1"/>
+                  </a:solidFill>
+                </a:rPr>
+                <a:t>model</a:t>
+              </a:r>
+              <a:endParaRPr lang="de-DE" sz="1100" dirty="0">
+                <a:solidFill>
+                  <a:schemeClr val="tx1"/>
+                </a:solidFill>
+              </a:endParaRPr>
+            </a:p>
+            <a:p>
+              <a:pPr marL="285750" indent="-285750">
+                <a:buFont typeface="Wingdings" panose="05000000000000000000" pitchFamily="2" charset="2"/>
+                <a:buChar char="§"/>
+              </a:pPr>
+              <a:r>
+                <a:rPr lang="de-DE" sz="1100" dirty="0">
+                  <a:solidFill>
+                    <a:schemeClr val="tx1"/>
+                  </a:solidFill>
+                </a:rPr>
+                <a:t>Model </a:t>
+              </a:r>
+              <a:r>
+                <a:rPr lang="de-DE" sz="1100" dirty="0" err="1">
+                  <a:solidFill>
+                    <a:schemeClr val="tx1"/>
+                  </a:solidFill>
+                </a:rPr>
+                <a:t>with</a:t>
+              </a:r>
+              <a:r>
+                <a:rPr lang="de-DE" sz="1100" dirty="0">
+                  <a:solidFill>
+                    <a:schemeClr val="tx1"/>
+                  </a:solidFill>
+                </a:rPr>
+                <a:t> </a:t>
+              </a:r>
+              <a:r>
+                <a:rPr lang="de-DE" sz="1100" dirty="0" err="1">
+                  <a:solidFill>
+                    <a:schemeClr val="tx1"/>
+                  </a:solidFill>
+                </a:rPr>
+                <a:t>significant</a:t>
+              </a:r>
+              <a:r>
+                <a:rPr lang="de-DE" sz="1100" dirty="0">
+                  <a:solidFill>
+                    <a:schemeClr val="tx1"/>
+                  </a:solidFill>
+                </a:rPr>
+                <a:t> </a:t>
+              </a:r>
+              <a:r>
+                <a:rPr lang="de-DE" sz="1100" dirty="0" err="1">
+                  <a:solidFill>
+                    <a:schemeClr val="tx1"/>
+                  </a:solidFill>
+                </a:rPr>
+                <a:t>features</a:t>
+              </a:r>
+              <a:endParaRPr lang="de-DE" sz="1100" dirty="0">
+                <a:solidFill>
+                  <a:schemeClr val="tx1"/>
+                </a:solidFill>
+              </a:endParaRPr>
+            </a:p>
+            <a:p>
+              <a:pPr marL="285750" indent="-285750">
+                <a:buFont typeface="Wingdings" panose="05000000000000000000" pitchFamily="2" charset="2"/>
+                <a:buChar char="§"/>
+              </a:pPr>
+              <a:r>
+                <a:rPr lang="de-DE" sz="1100" dirty="0" err="1">
+                  <a:solidFill>
+                    <a:schemeClr val="tx1"/>
+                  </a:solidFill>
+                </a:rPr>
+                <a:t>Combined</a:t>
+              </a:r>
+              <a:r>
+                <a:rPr lang="de-DE" sz="1100" dirty="0">
+                  <a:solidFill>
+                    <a:schemeClr val="tx1"/>
+                  </a:solidFill>
+                </a:rPr>
+                <a:t> </a:t>
+              </a:r>
+              <a:r>
+                <a:rPr lang="de-DE" sz="1100" dirty="0" err="1">
+                  <a:solidFill>
+                    <a:schemeClr val="tx1"/>
+                  </a:solidFill>
+                </a:rPr>
+                <a:t>model</a:t>
+              </a:r>
+              <a:endParaRPr lang="en-GB" sz="1400" dirty="0">
+                <a:solidFill>
+                  <a:schemeClr val="tx1"/>
+                </a:solidFill>
+              </a:endParaRPr>
+            </a:p>
+          </p:txBody>
+        </p:sp>
+        <p:cxnSp>
+          <p:nvCxnSpPr>
+            <p:cNvPr id="108" name="Gerade Verbindung mit Pfeil 107"/>
+            <p:cNvCxnSpPr>
+              <a:stCxn id="77" idx="3"/>
+              <a:endCxn id="66" idx="1"/>
+            </p:cNvCxnSpPr>
+            <p:nvPr/>
+          </p:nvCxnSpPr>
+          <p:spPr>
+            <a:xfrm>
+              <a:off x="3730027" y="5212756"/>
+              <a:ext cx="201098" cy="7812"/>
+            </a:xfrm>
+            <a:prstGeom prst="straightConnector1">
+              <a:avLst/>
+            </a:prstGeom>
+            <a:ln>
+              <a:solidFill>
+                <a:schemeClr val="accent1">
+                  <a:lumMod val="50000"/>
+                </a:schemeClr>
+              </a:solidFill>
+              <a:tailEnd type="triangle"/>
+            </a:ln>
+          </p:spPr>
+          <p:style>
+            <a:lnRef idx="1">
+              <a:schemeClr val="accent1"/>
+            </a:lnRef>
+            <a:fillRef idx="0">
+              <a:schemeClr val="accent1"/>
+            </a:fillRef>
+            <a:effectRef idx="0">
+              <a:schemeClr val="accent1"/>
+            </a:effectRef>
+            <a:fontRef idx="minor">
+              <a:schemeClr val="tx1"/>
+            </a:fontRef>
+          </p:style>
+        </p:cxnSp>
+        <p:cxnSp>
+          <p:nvCxnSpPr>
+            <p:cNvPr id="114" name="Gerade Verbindung mit Pfeil 113"/>
+            <p:cNvCxnSpPr>
+              <a:endCxn id="66" idx="0"/>
+            </p:cNvCxnSpPr>
+            <p:nvPr/>
+          </p:nvCxnSpPr>
+          <p:spPr>
+            <a:xfrm>
+              <a:off x="4561125" y="2447600"/>
+              <a:ext cx="0" cy="2581690"/>
+            </a:xfrm>
+            <a:prstGeom prst="straightConnector1">
+              <a:avLst/>
+            </a:prstGeom>
+            <a:ln>
+              <a:solidFill>
+                <a:schemeClr val="accent1">
+                  <a:lumMod val="50000"/>
+                </a:schemeClr>
+              </a:solidFill>
+              <a:tailEnd type="triangle"/>
+            </a:ln>
+          </p:spPr>
+          <p:style>
+            <a:lnRef idx="1">
+              <a:schemeClr val="accent1"/>
+            </a:lnRef>
+            <a:fillRef idx="0">
+              <a:schemeClr val="accent1"/>
+            </a:fillRef>
+            <a:effectRef idx="0">
+              <a:schemeClr val="accent1"/>
+            </a:effectRef>
+            <a:fontRef idx="minor">
+              <a:schemeClr val="tx1"/>
+            </a:fontRef>
+          </p:style>
+        </p:cxnSp>
+        <p:cxnSp>
+          <p:nvCxnSpPr>
+            <p:cNvPr id="120" name="Gerade Verbindung mit Pfeil 119"/>
+            <p:cNvCxnSpPr>
+              <a:endCxn id="41" idx="1"/>
+            </p:cNvCxnSpPr>
+            <p:nvPr/>
+          </p:nvCxnSpPr>
+          <p:spPr>
+            <a:xfrm>
+              <a:off x="5057428" y="1728171"/>
+              <a:ext cx="1388327" cy="525347"/>
+            </a:xfrm>
+            <a:prstGeom prst="straightConnector1">
+              <a:avLst/>
+            </a:prstGeom>
+            <a:ln>
+              <a:solidFill>
+                <a:schemeClr val="accent1">
+                  <a:lumMod val="50000"/>
+                </a:schemeClr>
+              </a:solidFill>
+              <a:tailEnd type="triangle"/>
+            </a:ln>
+          </p:spPr>
+          <p:style>
+            <a:lnRef idx="1">
+              <a:schemeClr val="accent1"/>
+            </a:lnRef>
+            <a:fillRef idx="0">
+              <a:schemeClr val="accent1"/>
+            </a:fillRef>
+            <a:effectRef idx="0">
+              <a:schemeClr val="accent1"/>
+            </a:effectRef>
+            <a:fontRef idx="minor">
+              <a:schemeClr val="tx1"/>
+            </a:fontRef>
+          </p:style>
+        </p:cxnSp>
+        <p:cxnSp>
+          <p:nvCxnSpPr>
+            <p:cNvPr id="125" name="Gerade Verbindung mit Pfeil 124"/>
+            <p:cNvCxnSpPr>
+              <a:cxnSpLocks/>
+              <a:stCxn id="41" idx="2"/>
+              <a:endCxn id="133" idx="0"/>
+            </p:cNvCxnSpPr>
+            <p:nvPr/>
+          </p:nvCxnSpPr>
+          <p:spPr>
+            <a:xfrm>
+              <a:off x="7850013" y="2451518"/>
+              <a:ext cx="0" cy="2569960"/>
+            </a:xfrm>
+            <a:prstGeom prst="straightConnector1">
+              <a:avLst/>
+            </a:prstGeom>
+            <a:ln>
+              <a:solidFill>
+                <a:schemeClr val="accent1">
+                  <a:lumMod val="50000"/>
+                </a:schemeClr>
+              </a:solidFill>
+              <a:tailEnd type="triangle"/>
+            </a:ln>
+          </p:spPr>
+          <p:style>
+            <a:lnRef idx="1">
+              <a:schemeClr val="accent1"/>
+            </a:lnRef>
+            <a:fillRef idx="0">
+              <a:schemeClr val="accent1"/>
+            </a:fillRef>
+            <a:effectRef idx="0">
+              <a:schemeClr val="accent1"/>
+            </a:effectRef>
+            <a:fontRef idx="minor">
+              <a:schemeClr val="tx1"/>
+            </a:fontRef>
+          </p:style>
+        </p:cxnSp>
+        <p:grpSp>
+          <p:nvGrpSpPr>
+            <p:cNvPr id="169" name="Gruppieren 168"/>
+            <p:cNvGrpSpPr/>
+            <p:nvPr/>
+          </p:nvGrpSpPr>
+          <p:grpSpPr>
+            <a:xfrm>
+              <a:off x="5645274" y="3345782"/>
+              <a:ext cx="2393186" cy="585030"/>
+              <a:chOff x="5657756" y="2750577"/>
+              <a:chExt cx="2393186" cy="585030"/>
+            </a:xfrm>
+          </p:grpSpPr>
+          <p:sp>
+            <p:nvSpPr>
+              <p:cNvPr id="132" name="Gestreifter Pfeil nach rechts 131"/>
+              <p:cNvSpPr/>
+              <p:nvPr/>
+            </p:nvSpPr>
+            <p:spPr>
+              <a:xfrm>
+                <a:off x="5657756" y="2750577"/>
+                <a:ext cx="2164822" cy="585030"/>
+              </a:xfrm>
+              <a:prstGeom prst="stripedRightArrow">
                 <a:avLst/>
               </a:prstGeom>
               <a:solidFill>
@@ -3039,818 +4746,20 @@
               <a:lstStyle/>
               <a:p>
                 <a:pPr algn="ctr"/>
-                <a:r>
-                  <a:rPr lang="de-DE" sz="1200" dirty="0" smtClean="0">
-                    <a:solidFill>
-                      <a:schemeClr val="tx1"/>
-                    </a:solidFill>
-                  </a:rPr>
-                  <a:t>Data</a:t>
-                </a:r>
-                <a:endParaRPr lang="en-GB" sz="1200" dirty="0">
-                  <a:solidFill>
-                    <a:schemeClr val="tx1"/>
-                  </a:solidFill>
-                </a:endParaRPr>
+                <a:endParaRPr lang="en-GB"/>
               </a:p>
             </p:txBody>
           </p:sp>
           <p:sp>
             <p:nvSpPr>
-              <p:cNvPr id="5" name="Rechteck 4"/>
-              <p:cNvSpPr/>
-              <p:nvPr/>
-            </p:nvSpPr>
-            <p:spPr>
-              <a:xfrm>
-                <a:off x="2477277" y="729112"/>
-                <a:ext cx="2808515" cy="396000"/>
-              </a:xfrm>
-              <a:prstGeom prst="rect">
-                <a:avLst/>
-              </a:prstGeom>
-              <a:solidFill>
-                <a:schemeClr val="accent1">
-                  <a:lumMod val="20000"/>
-                  <a:lumOff val="80000"/>
-                </a:schemeClr>
-              </a:solidFill>
-            </p:spPr>
-            <p:style>
-              <a:lnRef idx="2">
-                <a:schemeClr val="accent1">
-                  <a:shade val="50000"/>
-                </a:schemeClr>
-              </a:lnRef>
-              <a:fillRef idx="1">
-                <a:schemeClr val="accent1"/>
-              </a:fillRef>
-              <a:effectRef idx="0">
-                <a:schemeClr val="accent1"/>
-              </a:effectRef>
-              <a:fontRef idx="minor">
-                <a:schemeClr val="lt1"/>
-              </a:fontRef>
-            </p:style>
-            <p:txBody>
-              <a:bodyPr rtlCol="0" anchor="ctr"/>
-              <a:lstStyle/>
-              <a:p>
-                <a:pPr algn="ctr"/>
-                <a:r>
-                  <a:rPr lang="de-DE" sz="1200" dirty="0" smtClean="0">
-                    <a:solidFill>
-                      <a:schemeClr val="tx1"/>
-                    </a:solidFill>
-                  </a:rPr>
-                  <a:t>Data </a:t>
-                </a:r>
-                <a:r>
-                  <a:rPr lang="de-DE" sz="1200" dirty="0" err="1" smtClean="0">
-                    <a:solidFill>
-                      <a:schemeClr val="tx1"/>
-                    </a:solidFill>
-                  </a:rPr>
-                  <a:t>preprocessing</a:t>
-                </a:r>
-                <a:endParaRPr lang="en-GB" sz="1200" dirty="0">
-                  <a:solidFill>
-                    <a:schemeClr val="tx1"/>
-                  </a:solidFill>
-                </a:endParaRPr>
-              </a:p>
-            </p:txBody>
-          </p:sp>
-          <p:sp>
-            <p:nvSpPr>
-              <p:cNvPr id="10" name="Abgerundetes Rechteck 9"/>
-              <p:cNvSpPr/>
-              <p:nvPr/>
-            </p:nvSpPr>
-            <p:spPr>
-              <a:xfrm>
-                <a:off x="132862" y="500650"/>
-                <a:ext cx="1880318" cy="858530"/>
-              </a:xfrm>
-              <a:prstGeom prst="roundRect">
-                <a:avLst/>
-              </a:prstGeom>
-              <a:solidFill>
-                <a:schemeClr val="bg1">
-                  <a:lumMod val="95000"/>
-                  <a:alpha val="70000"/>
-                </a:schemeClr>
-              </a:solidFill>
-            </p:spPr>
-            <p:style>
-              <a:lnRef idx="2">
-                <a:schemeClr val="accent1">
-                  <a:shade val="50000"/>
-                </a:schemeClr>
-              </a:lnRef>
-              <a:fillRef idx="1">
-                <a:schemeClr val="accent1"/>
-              </a:fillRef>
-              <a:effectRef idx="0">
-                <a:schemeClr val="accent1"/>
-              </a:effectRef>
-              <a:fontRef idx="minor">
-                <a:schemeClr val="lt1"/>
-              </a:fontRef>
-            </p:style>
-            <p:txBody>
-              <a:bodyPr rtlCol="0" anchor="ctr"/>
-              <a:lstStyle/>
-              <a:p>
-                <a:pPr marL="171450" indent="-171450" algn="ctr">
-                  <a:buFont typeface="Wingdings" panose="05000000000000000000" pitchFamily="2" charset="2"/>
-                  <a:buChar char="Ø"/>
-                </a:pPr>
-                <a:endParaRPr lang="de-DE" sz="1100" b="1" dirty="0" smtClean="0">
-                  <a:solidFill>
-                    <a:schemeClr val="tx1"/>
-                  </a:solidFill>
-                </a:endParaRPr>
-              </a:p>
-              <a:p>
-                <a:pPr marL="285750" indent="-285750">
-                  <a:buFont typeface="Wingdings" panose="05000000000000000000" pitchFamily="2" charset="2"/>
-                  <a:buChar char="§"/>
-                </a:pPr>
-                <a:r>
-                  <a:rPr lang="de-DE" sz="1100" dirty="0" err="1" smtClean="0">
-                    <a:solidFill>
-                      <a:schemeClr val="tx1"/>
-                    </a:solidFill>
-                  </a:rPr>
-                  <a:t>Imputation</a:t>
-                </a:r>
-                <a:r>
-                  <a:rPr lang="de-DE" sz="1100" dirty="0" smtClean="0">
-                    <a:solidFill>
-                      <a:schemeClr val="tx1"/>
-                    </a:solidFill>
-                  </a:rPr>
-                  <a:t> </a:t>
-                </a:r>
-                <a:r>
-                  <a:rPr lang="de-DE" sz="1100" dirty="0" err="1" smtClean="0">
-                    <a:solidFill>
-                      <a:schemeClr val="tx1"/>
-                    </a:solidFill>
-                  </a:rPr>
-                  <a:t>of</a:t>
-                </a:r>
-                <a:r>
-                  <a:rPr lang="de-DE" sz="1100" dirty="0" smtClean="0">
-                    <a:solidFill>
-                      <a:schemeClr val="tx1"/>
-                    </a:solidFill>
-                  </a:rPr>
-                  <a:t> </a:t>
-                </a:r>
-                <a:r>
-                  <a:rPr lang="de-DE" sz="1100" dirty="0" err="1" smtClean="0">
-                    <a:solidFill>
-                      <a:schemeClr val="tx1"/>
-                    </a:solidFill>
-                  </a:rPr>
-                  <a:t>missing</a:t>
-                </a:r>
-                <a:r>
-                  <a:rPr lang="de-DE" sz="1100" dirty="0" smtClean="0">
-                    <a:solidFill>
-                      <a:schemeClr val="tx1"/>
-                    </a:solidFill>
-                  </a:rPr>
-                  <a:t> </a:t>
-                </a:r>
-                <a:r>
-                  <a:rPr lang="de-DE" sz="1100" dirty="0" err="1" smtClean="0">
-                    <a:solidFill>
-                      <a:schemeClr val="tx1"/>
-                    </a:solidFill>
-                  </a:rPr>
-                  <a:t>values</a:t>
-                </a:r>
-                <a:endParaRPr lang="de-DE" sz="1100" dirty="0" smtClean="0">
-                  <a:solidFill>
-                    <a:schemeClr val="tx1"/>
-                  </a:solidFill>
-                </a:endParaRPr>
-              </a:p>
-              <a:p>
-                <a:pPr marL="285750" indent="-285750">
-                  <a:buFont typeface="Wingdings" panose="05000000000000000000" pitchFamily="2" charset="2"/>
-                  <a:buChar char="§"/>
-                </a:pPr>
-                <a:r>
-                  <a:rPr lang="de-DE" sz="1100" dirty="0" smtClean="0">
-                    <a:solidFill>
-                      <a:schemeClr val="tx1"/>
-                    </a:solidFill>
-                  </a:rPr>
-                  <a:t>Log2-transformation</a:t>
-                </a:r>
-              </a:p>
-              <a:p>
-                <a:pPr marL="285750" indent="-285750">
-                  <a:buFont typeface="Wingdings" panose="05000000000000000000" pitchFamily="2" charset="2"/>
-                  <a:buChar char="§"/>
-                </a:pPr>
-                <a:r>
-                  <a:rPr lang="de-DE" sz="1100" dirty="0" err="1" smtClean="0">
-                    <a:solidFill>
-                      <a:schemeClr val="tx1"/>
-                    </a:solidFill>
-                  </a:rPr>
-                  <a:t>Scaling</a:t>
-                </a:r>
-                <a:endParaRPr lang="de-DE" sz="1100" dirty="0" smtClean="0">
-                  <a:solidFill>
-                    <a:schemeClr val="tx1"/>
-                  </a:solidFill>
-                </a:endParaRPr>
-              </a:p>
-              <a:p>
-                <a:pPr marL="285750" indent="-285750">
-                  <a:buFont typeface="Wingdings" panose="05000000000000000000" pitchFamily="2" charset="2"/>
-                  <a:buChar char="§"/>
-                </a:pPr>
-                <a:r>
-                  <a:rPr lang="de-DE" sz="1100" dirty="0" err="1" smtClean="0">
-                    <a:solidFill>
-                      <a:schemeClr val="tx1"/>
-                    </a:solidFill>
-                  </a:rPr>
-                  <a:t>Centering</a:t>
-                </a:r>
-                <a:endParaRPr lang="de-DE" sz="1100" dirty="0" smtClean="0">
-                  <a:solidFill>
-                    <a:schemeClr val="tx1"/>
-                  </a:solidFill>
-                </a:endParaRPr>
-              </a:p>
-              <a:p>
-                <a:pPr marL="285750" indent="-285750" algn="ctr">
-                  <a:buFont typeface="Wingdings" panose="05000000000000000000" pitchFamily="2" charset="2"/>
-                  <a:buChar char="Ø"/>
-                </a:pPr>
-                <a:endParaRPr lang="en-GB" sz="1400" dirty="0">
-                  <a:solidFill>
-                    <a:schemeClr val="tx1"/>
-                  </a:solidFill>
-                </a:endParaRPr>
-              </a:p>
-            </p:txBody>
-          </p:sp>
-          <p:cxnSp>
-            <p:nvCxnSpPr>
-              <p:cNvPr id="14" name="Gerade Verbindung mit Pfeil 13"/>
-              <p:cNvCxnSpPr>
-                <a:stCxn id="4" idx="2"/>
-                <a:endCxn id="5" idx="0"/>
-              </p:cNvCxnSpPr>
-              <p:nvPr/>
-            </p:nvCxnSpPr>
-            <p:spPr>
-              <a:xfrm>
-                <a:off x="3881535" y="531005"/>
-                <a:ext cx="0" cy="198107"/>
-              </a:xfrm>
-              <a:prstGeom prst="straightConnector1">
-                <a:avLst/>
-              </a:prstGeom>
-              <a:ln>
-                <a:solidFill>
-                  <a:schemeClr val="accent1">
-                    <a:lumMod val="50000"/>
-                  </a:schemeClr>
-                </a:solidFill>
-                <a:tailEnd type="triangle"/>
-              </a:ln>
-            </p:spPr>
-            <p:style>
-              <a:lnRef idx="1">
-                <a:schemeClr val="accent1"/>
-              </a:lnRef>
-              <a:fillRef idx="0">
-                <a:schemeClr val="accent1"/>
-              </a:fillRef>
-              <a:effectRef idx="0">
-                <a:schemeClr val="accent1"/>
-              </a:effectRef>
-              <a:fontRef idx="minor">
-                <a:schemeClr val="tx1"/>
-              </a:fontRef>
-            </p:style>
-          </p:cxnSp>
-          <p:sp>
-            <p:nvSpPr>
-              <p:cNvPr id="17" name="Rechteck 16"/>
-              <p:cNvSpPr/>
-              <p:nvPr/>
-            </p:nvSpPr>
-            <p:spPr>
-              <a:xfrm>
-                <a:off x="2477277" y="1323220"/>
-                <a:ext cx="2808515" cy="396000"/>
-              </a:xfrm>
-              <a:prstGeom prst="rect">
-                <a:avLst/>
-              </a:prstGeom>
-              <a:solidFill>
-                <a:schemeClr val="accent1">
-                  <a:lumMod val="20000"/>
-                  <a:lumOff val="80000"/>
-                </a:schemeClr>
-              </a:solidFill>
-            </p:spPr>
-            <p:style>
-              <a:lnRef idx="2">
-                <a:schemeClr val="accent1">
-                  <a:shade val="50000"/>
-                </a:schemeClr>
-              </a:lnRef>
-              <a:fillRef idx="1">
-                <a:schemeClr val="accent1"/>
-              </a:fillRef>
-              <a:effectRef idx="0">
-                <a:schemeClr val="accent1"/>
-              </a:effectRef>
-              <a:fontRef idx="minor">
-                <a:schemeClr val="lt1"/>
-              </a:fontRef>
-            </p:style>
-            <p:txBody>
-              <a:bodyPr rtlCol="0" anchor="ctr"/>
-              <a:lstStyle/>
-              <a:p>
-                <a:pPr algn="ctr"/>
-                <a:r>
-                  <a:rPr lang="de-DE" sz="1200" dirty="0" smtClean="0">
-                    <a:solidFill>
-                      <a:schemeClr val="tx1"/>
-                    </a:solidFill>
-                  </a:rPr>
-                  <a:t>Split </a:t>
-                </a:r>
-                <a:r>
-                  <a:rPr lang="de-DE" sz="1200" dirty="0" err="1" smtClean="0">
-                    <a:solidFill>
-                      <a:schemeClr val="tx1"/>
-                    </a:solidFill>
-                  </a:rPr>
-                  <a:t>data</a:t>
-                </a:r>
-                <a:r>
-                  <a:rPr lang="de-DE" sz="1200" dirty="0" smtClean="0">
-                    <a:solidFill>
-                      <a:schemeClr val="tx1"/>
-                    </a:solidFill>
-                  </a:rPr>
-                  <a:t> </a:t>
-                </a:r>
-                <a:r>
-                  <a:rPr lang="de-DE" sz="1200" dirty="0" err="1" smtClean="0">
-                    <a:solidFill>
-                      <a:schemeClr val="tx1"/>
-                    </a:solidFill>
-                  </a:rPr>
-                  <a:t>into</a:t>
-                </a:r>
-                <a:r>
-                  <a:rPr lang="de-DE" sz="1200" dirty="0" smtClean="0">
-                    <a:solidFill>
-                      <a:schemeClr val="tx1"/>
-                    </a:solidFill>
-                  </a:rPr>
-                  <a:t> </a:t>
-                </a:r>
-                <a:r>
-                  <a:rPr lang="de-DE" sz="1200" dirty="0" err="1" smtClean="0">
-                    <a:solidFill>
-                      <a:schemeClr val="tx1"/>
-                    </a:solidFill>
-                  </a:rPr>
-                  <a:t>training</a:t>
-                </a:r>
-                <a:r>
-                  <a:rPr lang="de-DE" sz="1200" dirty="0" smtClean="0">
-                    <a:solidFill>
-                      <a:schemeClr val="tx1"/>
-                    </a:solidFill>
-                  </a:rPr>
-                  <a:t> </a:t>
-                </a:r>
-                <a:r>
-                  <a:rPr lang="de-DE" sz="1200" dirty="0" err="1" smtClean="0">
-                    <a:solidFill>
-                      <a:schemeClr val="tx1"/>
-                    </a:solidFill>
-                  </a:rPr>
-                  <a:t>and</a:t>
-                </a:r>
-                <a:r>
-                  <a:rPr lang="de-DE" sz="1200" dirty="0" smtClean="0">
-                    <a:solidFill>
-                      <a:schemeClr val="tx1"/>
-                    </a:solidFill>
-                  </a:rPr>
-                  <a:t> </a:t>
-                </a:r>
-                <a:r>
-                  <a:rPr lang="de-DE" sz="1200" dirty="0" err="1" smtClean="0">
-                    <a:solidFill>
-                      <a:schemeClr val="tx1"/>
-                    </a:solidFill>
-                  </a:rPr>
-                  <a:t>test</a:t>
-                </a:r>
-                <a:r>
-                  <a:rPr lang="de-DE" sz="1200" dirty="0" smtClean="0">
-                    <a:solidFill>
-                      <a:schemeClr val="tx1"/>
-                    </a:solidFill>
-                  </a:rPr>
-                  <a:t> </a:t>
-                </a:r>
-                <a:r>
-                  <a:rPr lang="de-DE" sz="1200" dirty="0" err="1" smtClean="0">
-                    <a:solidFill>
-                      <a:schemeClr val="tx1"/>
-                    </a:solidFill>
-                  </a:rPr>
-                  <a:t>set</a:t>
-                </a:r>
-                <a:endParaRPr lang="en-GB" sz="1200" dirty="0">
-                  <a:solidFill>
-                    <a:schemeClr val="tx1"/>
-                  </a:solidFill>
-                </a:endParaRPr>
-              </a:p>
-            </p:txBody>
-          </p:sp>
-          <p:cxnSp>
-            <p:nvCxnSpPr>
-              <p:cNvPr id="18" name="Gerade Verbindung mit Pfeil 17"/>
-              <p:cNvCxnSpPr>
-                <a:stCxn id="5" idx="2"/>
-                <a:endCxn id="17" idx="0"/>
-              </p:cNvCxnSpPr>
-              <p:nvPr/>
-            </p:nvCxnSpPr>
-            <p:spPr>
-              <a:xfrm>
-                <a:off x="3881535" y="1125112"/>
-                <a:ext cx="0" cy="198108"/>
-              </a:xfrm>
-              <a:prstGeom prst="straightConnector1">
-                <a:avLst/>
-              </a:prstGeom>
-              <a:ln>
-                <a:solidFill>
-                  <a:schemeClr val="accent1">
-                    <a:lumMod val="50000"/>
-                  </a:schemeClr>
-                </a:solidFill>
-                <a:tailEnd type="triangle"/>
-              </a:ln>
-            </p:spPr>
-            <p:style>
-              <a:lnRef idx="1">
-                <a:schemeClr val="accent1"/>
-              </a:lnRef>
-              <a:fillRef idx="0">
-                <a:schemeClr val="accent1"/>
-              </a:fillRef>
-              <a:effectRef idx="0">
-                <a:schemeClr val="accent1"/>
-              </a:effectRef>
-              <a:fontRef idx="minor">
-                <a:schemeClr val="tx1"/>
-              </a:fontRef>
-            </p:style>
-          </p:cxnSp>
-          <p:sp>
-            <p:nvSpPr>
-              <p:cNvPr id="21" name="Rechteck 20"/>
-              <p:cNvSpPr/>
-              <p:nvPr/>
-            </p:nvSpPr>
-            <p:spPr>
-              <a:xfrm>
-                <a:off x="2477277" y="2055518"/>
-                <a:ext cx="2808515" cy="438223"/>
-              </a:xfrm>
-              <a:prstGeom prst="rect">
-                <a:avLst/>
-              </a:prstGeom>
-              <a:solidFill>
-                <a:schemeClr val="accent1">
-                  <a:lumMod val="20000"/>
-                  <a:lumOff val="80000"/>
-                </a:schemeClr>
-              </a:solidFill>
-            </p:spPr>
-            <p:style>
-              <a:lnRef idx="2">
-                <a:schemeClr val="accent1">
-                  <a:shade val="50000"/>
-                </a:schemeClr>
-              </a:lnRef>
-              <a:fillRef idx="1">
-                <a:schemeClr val="accent1"/>
-              </a:fillRef>
-              <a:effectRef idx="0">
-                <a:schemeClr val="accent1"/>
-              </a:effectRef>
-              <a:fontRef idx="minor">
-                <a:schemeClr val="lt1"/>
-              </a:fontRef>
-            </p:style>
-            <p:txBody>
-              <a:bodyPr rtlCol="0" anchor="ctr"/>
-              <a:lstStyle/>
-              <a:p>
-                <a:pPr algn="ctr"/>
-                <a:r>
-                  <a:rPr lang="de-DE" sz="1200" dirty="0" smtClean="0">
-                    <a:solidFill>
-                      <a:schemeClr val="tx1"/>
-                    </a:solidFill>
-                  </a:rPr>
-                  <a:t>Split </a:t>
-                </a:r>
-                <a:r>
-                  <a:rPr lang="de-DE" sz="1200" dirty="0" err="1" smtClean="0">
-                    <a:solidFill>
-                      <a:schemeClr val="tx1"/>
-                    </a:solidFill>
-                  </a:rPr>
-                  <a:t>data</a:t>
-                </a:r>
-                <a:r>
-                  <a:rPr lang="de-DE" sz="1200" dirty="0" smtClean="0">
-                    <a:solidFill>
-                      <a:schemeClr val="tx1"/>
-                    </a:solidFill>
-                  </a:rPr>
-                  <a:t> </a:t>
-                </a:r>
-                <a:r>
-                  <a:rPr lang="de-DE" sz="1200" dirty="0" err="1" smtClean="0">
-                    <a:solidFill>
-                      <a:schemeClr val="tx1"/>
-                    </a:solidFill>
-                  </a:rPr>
-                  <a:t>into</a:t>
-                </a:r>
-                <a:r>
-                  <a:rPr lang="de-DE" sz="1200" dirty="0" smtClean="0">
-                    <a:solidFill>
-                      <a:schemeClr val="tx1"/>
-                    </a:solidFill>
-                  </a:rPr>
-                  <a:t> </a:t>
-                </a:r>
-                <a:r>
-                  <a:rPr lang="de-DE" sz="1200" dirty="0" err="1" smtClean="0">
-                    <a:solidFill>
-                      <a:schemeClr val="tx1"/>
-                    </a:solidFill>
-                  </a:rPr>
-                  <a:t>training</a:t>
-                </a:r>
-                <a:r>
-                  <a:rPr lang="de-DE" sz="1200" dirty="0" smtClean="0">
-                    <a:solidFill>
-                      <a:schemeClr val="tx1"/>
-                    </a:solidFill>
-                  </a:rPr>
-                  <a:t> </a:t>
-                </a:r>
-                <a:r>
-                  <a:rPr lang="de-DE" sz="1200" dirty="0" err="1" smtClean="0">
-                    <a:solidFill>
-                      <a:schemeClr val="tx1"/>
-                    </a:solidFill>
-                  </a:rPr>
-                  <a:t>and</a:t>
-                </a:r>
-                <a:r>
-                  <a:rPr lang="de-DE" sz="1200" dirty="0">
-                    <a:solidFill>
-                      <a:schemeClr val="tx1"/>
-                    </a:solidFill>
-                  </a:rPr>
-                  <a:t> </a:t>
-                </a:r>
-                <a:r>
-                  <a:rPr lang="de-DE" sz="1200" dirty="0" err="1">
-                    <a:solidFill>
-                      <a:schemeClr val="tx1"/>
-                    </a:solidFill>
-                  </a:rPr>
-                  <a:t>validation</a:t>
-                </a:r>
-                <a:r>
-                  <a:rPr lang="de-DE" sz="1200" dirty="0">
-                    <a:solidFill>
-                      <a:schemeClr val="tx1"/>
-                    </a:solidFill>
-                  </a:rPr>
-                  <a:t> </a:t>
-                </a:r>
-                <a:r>
-                  <a:rPr lang="de-DE" sz="1200" dirty="0" err="1">
-                    <a:solidFill>
-                      <a:schemeClr val="tx1"/>
-                    </a:solidFill>
-                  </a:rPr>
-                  <a:t>set</a:t>
-                </a:r>
-                <a:endParaRPr lang="en-GB" sz="1200" dirty="0">
-                  <a:solidFill>
-                    <a:schemeClr val="tx1"/>
-                  </a:solidFill>
-                </a:endParaRPr>
-              </a:p>
-              <a:p>
-                <a:pPr algn="ctr"/>
-                <a:r>
-                  <a:rPr lang="de-DE" sz="1200" dirty="0" smtClean="0">
-                    <a:solidFill>
-                      <a:schemeClr val="tx1"/>
-                    </a:solidFill>
-                  </a:rPr>
-                  <a:t> k=10 </a:t>
-                </a:r>
-                <a:r>
-                  <a:rPr lang="de-DE" sz="1200" dirty="0" err="1" smtClean="0">
-                    <a:solidFill>
-                      <a:schemeClr val="tx1"/>
-                    </a:solidFill>
-                  </a:rPr>
-                  <a:t>times</a:t>
-                </a:r>
-                <a:r>
-                  <a:rPr lang="de-DE" sz="1200" dirty="0" smtClean="0">
-                    <a:solidFill>
-                      <a:schemeClr val="tx1"/>
-                    </a:solidFill>
-                  </a:rPr>
-                  <a:t> </a:t>
-                </a:r>
-                <a:r>
-                  <a:rPr lang="de-DE" sz="1200" dirty="0" err="1" smtClean="0">
-                    <a:solidFill>
-                      <a:schemeClr val="tx1"/>
-                    </a:solidFill>
-                  </a:rPr>
-                  <a:t>for</a:t>
-                </a:r>
-                <a:r>
-                  <a:rPr lang="de-DE" sz="1200" dirty="0" smtClean="0">
-                    <a:solidFill>
-                      <a:schemeClr val="tx1"/>
-                    </a:solidFill>
-                  </a:rPr>
-                  <a:t> k-</a:t>
-                </a:r>
-                <a:r>
-                  <a:rPr lang="de-DE" sz="1200" dirty="0" err="1" smtClean="0">
-                    <a:solidFill>
-                      <a:schemeClr val="tx1"/>
-                    </a:solidFill>
-                  </a:rPr>
-                  <a:t>fold</a:t>
-                </a:r>
-                <a:r>
-                  <a:rPr lang="de-DE" sz="1200" dirty="0" smtClean="0">
-                    <a:solidFill>
-                      <a:schemeClr val="tx1"/>
-                    </a:solidFill>
-                  </a:rPr>
-                  <a:t> cv</a:t>
-                </a:r>
-                <a:endParaRPr lang="en-GB" sz="1200" dirty="0">
-                  <a:solidFill>
-                    <a:schemeClr val="tx1"/>
-                  </a:solidFill>
-                </a:endParaRPr>
-              </a:p>
-            </p:txBody>
-          </p:sp>
-          <p:cxnSp>
-            <p:nvCxnSpPr>
-              <p:cNvPr id="22" name="Gerade Verbindung mit Pfeil 21"/>
-              <p:cNvCxnSpPr>
-                <a:stCxn id="17" idx="2"/>
-                <a:endCxn id="21" idx="0"/>
-              </p:cNvCxnSpPr>
-              <p:nvPr/>
-            </p:nvCxnSpPr>
-            <p:spPr>
-              <a:xfrm>
-                <a:off x="3881535" y="1719220"/>
-                <a:ext cx="0" cy="336298"/>
-              </a:xfrm>
-              <a:prstGeom prst="straightConnector1">
-                <a:avLst/>
-              </a:prstGeom>
-              <a:ln>
-                <a:solidFill>
-                  <a:schemeClr val="accent1">
-                    <a:lumMod val="50000"/>
-                  </a:schemeClr>
-                </a:solidFill>
-                <a:tailEnd type="triangle"/>
-              </a:ln>
-            </p:spPr>
-            <p:style>
-              <a:lnRef idx="1">
-                <a:schemeClr val="accent1"/>
-              </a:lnRef>
-              <a:fillRef idx="0">
-                <a:schemeClr val="accent1"/>
-              </a:fillRef>
-              <a:effectRef idx="0">
-                <a:schemeClr val="accent1"/>
-              </a:effectRef>
-              <a:fontRef idx="minor">
-                <a:schemeClr val="tx1"/>
-              </a:fontRef>
-            </p:style>
-          </p:cxnSp>
-          <p:sp>
-            <p:nvSpPr>
-              <p:cNvPr id="41" name="Rechteck 40"/>
-              <p:cNvSpPr/>
-              <p:nvPr/>
-            </p:nvSpPr>
-            <p:spPr>
-              <a:xfrm>
-                <a:off x="6445755" y="2055518"/>
-                <a:ext cx="2808515" cy="396000"/>
-              </a:xfrm>
-              <a:prstGeom prst="rect">
-                <a:avLst/>
-              </a:prstGeom>
-              <a:solidFill>
-                <a:schemeClr val="accent1">
-                  <a:lumMod val="20000"/>
-                  <a:lumOff val="80000"/>
-                </a:schemeClr>
-              </a:solidFill>
-            </p:spPr>
-            <p:style>
-              <a:lnRef idx="2">
-                <a:schemeClr val="accent1">
-                  <a:shade val="50000"/>
-                </a:schemeClr>
-              </a:lnRef>
-              <a:fillRef idx="1">
-                <a:schemeClr val="accent1"/>
-              </a:fillRef>
-              <a:effectRef idx="0">
-                <a:schemeClr val="accent1"/>
-              </a:effectRef>
-              <a:fontRef idx="minor">
-                <a:schemeClr val="lt1"/>
-              </a:fontRef>
-            </p:style>
-            <p:txBody>
-              <a:bodyPr rtlCol="0" anchor="ctr"/>
-              <a:lstStyle/>
-              <a:p>
-                <a:pPr algn="ctr"/>
-                <a:r>
-                  <a:rPr lang="de-DE" sz="1200" dirty="0" smtClean="0">
-                    <a:solidFill>
-                      <a:schemeClr val="tx1"/>
-                    </a:solidFill>
-                  </a:rPr>
-                  <a:t>Test</a:t>
-                </a:r>
-                <a:endParaRPr lang="en-GB" sz="1200" dirty="0">
-                  <a:solidFill>
-                    <a:schemeClr val="tx1"/>
-                  </a:solidFill>
-                </a:endParaRPr>
-              </a:p>
-            </p:txBody>
-          </p:sp>
-          <p:sp>
-            <p:nvSpPr>
-              <p:cNvPr id="57" name="Textfeld 56"/>
+              <p:cNvPr id="130" name="Textfeld 129"/>
               <p:cNvSpPr txBox="1"/>
               <p:nvPr/>
             </p:nvSpPr>
             <p:spPr>
               <a:xfrm>
-                <a:off x="3493094" y="1682490"/>
-                <a:ext cx="702231" cy="276999"/>
+                <a:off x="5684371" y="2899581"/>
+                <a:ext cx="2366571" cy="261610"/>
               </a:xfrm>
               <a:prstGeom prst="rect">
                 <a:avLst/>
@@ -3864,1668 +4773,74 @@
               <a:lstStyle/>
               <a:p>
                 <a:r>
-                  <a:rPr lang="de-DE" sz="1200" b="1" dirty="0" smtClean="0"/>
-                  <a:t>70%</a:t>
+                  <a:rPr lang="de-DE" sz="1100" dirty="0" err="1"/>
+                  <a:t>Apply</a:t>
                 </a:r>
-                <a:endParaRPr lang="en-GB" sz="1200" b="1" dirty="0"/>
+                <a:r>
+                  <a:rPr lang="de-DE" sz="1100" dirty="0"/>
+                  <a:t> </a:t>
+                </a:r>
+                <a:r>
+                  <a:rPr lang="de-DE" sz="1100" dirty="0" err="1"/>
+                  <a:t>optimised</a:t>
+                </a:r>
+                <a:r>
+                  <a:rPr lang="de-DE" sz="1100" dirty="0"/>
+                  <a:t> </a:t>
+                </a:r>
+                <a:r>
+                  <a:rPr lang="de-DE" sz="1100" dirty="0" err="1"/>
+                  <a:t>model</a:t>
+                </a:r>
+                <a:r>
+                  <a:rPr lang="de-DE" sz="1100" dirty="0"/>
+                  <a:t> </a:t>
+                </a:r>
+                <a:r>
+                  <a:rPr lang="de-DE" sz="1100" dirty="0" err="1"/>
+                  <a:t>to</a:t>
+                </a:r>
+                <a:r>
+                  <a:rPr lang="de-DE" sz="1100" dirty="0"/>
+                  <a:t> </a:t>
+                </a:r>
+                <a:r>
+                  <a:rPr lang="de-DE" sz="1100" dirty="0" err="1"/>
+                  <a:t>test</a:t>
+                </a:r>
+                <a:r>
+                  <a:rPr lang="de-DE" sz="1100" dirty="0"/>
+                  <a:t> </a:t>
+                </a:r>
+                <a:r>
+                  <a:rPr lang="de-DE" sz="1100" dirty="0" err="1"/>
+                  <a:t>set</a:t>
+                </a:r>
+                <a:endParaRPr lang="en-GB" sz="1100" dirty="0"/>
               </a:p>
             </p:txBody>
           </p:sp>
-          <p:sp>
-            <p:nvSpPr>
-              <p:cNvPr id="58" name="Textfeld 57"/>
-              <p:cNvSpPr txBox="1"/>
-              <p:nvPr/>
-            </p:nvSpPr>
-            <p:spPr>
-              <a:xfrm rot="1279007">
-                <a:off x="5617623" y="1829814"/>
-                <a:ext cx="702231" cy="276999"/>
-              </a:xfrm>
-              <a:prstGeom prst="rect">
-                <a:avLst/>
-              </a:prstGeom>
-              <a:noFill/>
-            </p:spPr>
-            <p:txBody>
-              <a:bodyPr wrap="square" rtlCol="0">
-                <a:spAutoFit/>
-              </a:bodyPr>
-              <a:lstStyle/>
-              <a:p>
-                <a:r>
-                  <a:rPr lang="de-DE" sz="1200" b="1" dirty="0" smtClean="0"/>
-                  <a:t>30%</a:t>
-                </a:r>
-                <a:endParaRPr lang="en-GB" sz="1200" b="1" dirty="0"/>
-              </a:p>
-            </p:txBody>
-          </p:sp>
-          <p:sp>
-            <p:nvSpPr>
-              <p:cNvPr id="61" name="Abgerundetes Rechteck 60"/>
-              <p:cNvSpPr/>
-              <p:nvPr/>
-            </p:nvSpPr>
-            <p:spPr>
-              <a:xfrm>
-                <a:off x="2108991" y="1925942"/>
-                <a:ext cx="3485307" cy="4371039"/>
-              </a:xfrm>
-              <a:prstGeom prst="roundRect">
-                <a:avLst/>
-              </a:prstGeom>
-              <a:noFill/>
-              <a:ln>
-                <a:prstDash val="sysDash"/>
-              </a:ln>
-            </p:spPr>
-            <p:style>
-              <a:lnRef idx="2">
-                <a:schemeClr val="accent1">
-                  <a:shade val="50000"/>
-                </a:schemeClr>
-              </a:lnRef>
-              <a:fillRef idx="1">
-                <a:schemeClr val="accent1"/>
-              </a:fillRef>
-              <a:effectRef idx="0">
-                <a:schemeClr val="accent1"/>
-              </a:effectRef>
-              <a:fontRef idx="minor">
-                <a:schemeClr val="lt1"/>
-              </a:fontRef>
-            </p:style>
-            <p:txBody>
-              <a:bodyPr rtlCol="0" anchor="ctr"/>
-              <a:lstStyle/>
-              <a:p>
-                <a:pPr algn="ctr"/>
-                <a:endParaRPr lang="en-GB"/>
-              </a:p>
-            </p:txBody>
-          </p:sp>
-          <p:sp>
-            <p:nvSpPr>
-              <p:cNvPr id="62" name="Rechteck 61"/>
-              <p:cNvSpPr/>
-              <p:nvPr/>
-            </p:nvSpPr>
-            <p:spPr>
-              <a:xfrm>
-                <a:off x="2477277" y="2647831"/>
-                <a:ext cx="1260000" cy="382555"/>
-              </a:xfrm>
-              <a:prstGeom prst="rect">
-                <a:avLst/>
-              </a:prstGeom>
-              <a:solidFill>
-                <a:schemeClr val="accent1">
-                  <a:lumMod val="20000"/>
-                  <a:lumOff val="80000"/>
-                </a:schemeClr>
-              </a:solidFill>
-            </p:spPr>
-            <p:style>
-              <a:lnRef idx="2">
-                <a:schemeClr val="accent1">
-                  <a:shade val="50000"/>
-                </a:schemeClr>
-              </a:lnRef>
-              <a:fillRef idx="1">
-                <a:schemeClr val="accent1"/>
-              </a:fillRef>
-              <a:effectRef idx="0">
-                <a:schemeClr val="accent1"/>
-              </a:effectRef>
-              <a:fontRef idx="minor">
-                <a:schemeClr val="lt1"/>
-              </a:fontRef>
-            </p:style>
-            <p:txBody>
-              <a:bodyPr rtlCol="0" anchor="ctr"/>
-              <a:lstStyle/>
-              <a:p>
-                <a:pPr algn="ctr"/>
-                <a:r>
-                  <a:rPr lang="de-DE" sz="1200" dirty="0" smtClean="0">
-                    <a:solidFill>
-                      <a:schemeClr val="tx1"/>
-                    </a:solidFill>
-                  </a:rPr>
-                  <a:t>Training</a:t>
-                </a:r>
-                <a:endParaRPr lang="en-GB" sz="1400" dirty="0">
-                  <a:solidFill>
-                    <a:schemeClr val="tx1"/>
-                  </a:solidFill>
-                </a:endParaRPr>
-              </a:p>
-            </p:txBody>
-          </p:sp>
-          <p:cxnSp>
-            <p:nvCxnSpPr>
-              <p:cNvPr id="63" name="Gerade Verbindung mit Pfeil 62"/>
-              <p:cNvCxnSpPr>
-                <a:endCxn id="62" idx="0"/>
-              </p:cNvCxnSpPr>
-              <p:nvPr/>
-            </p:nvCxnSpPr>
-            <p:spPr>
-              <a:xfrm>
-                <a:off x="3107277" y="2447600"/>
-                <a:ext cx="0" cy="200231"/>
-              </a:xfrm>
-              <a:prstGeom prst="straightConnector1">
-                <a:avLst/>
-              </a:prstGeom>
-              <a:ln>
-                <a:solidFill>
-                  <a:schemeClr val="accent1">
-                    <a:lumMod val="50000"/>
-                  </a:schemeClr>
-                </a:solidFill>
-                <a:tailEnd type="triangle"/>
-              </a:ln>
-            </p:spPr>
-            <p:style>
-              <a:lnRef idx="1">
-                <a:schemeClr val="accent1"/>
-              </a:lnRef>
-              <a:fillRef idx="0">
-                <a:schemeClr val="accent1"/>
-              </a:fillRef>
-              <a:effectRef idx="0">
-                <a:schemeClr val="accent1"/>
-              </a:effectRef>
-              <a:fontRef idx="minor">
-                <a:schemeClr val="tx1"/>
-              </a:fontRef>
-            </p:style>
-          </p:cxnSp>
-          <p:sp>
-            <p:nvSpPr>
-              <p:cNvPr id="66" name="Rechteck 65"/>
-              <p:cNvSpPr/>
-              <p:nvPr/>
-            </p:nvSpPr>
-            <p:spPr>
-              <a:xfrm>
-                <a:off x="3931125" y="5029290"/>
-                <a:ext cx="1260000" cy="382555"/>
-              </a:xfrm>
-              <a:prstGeom prst="rect">
-                <a:avLst/>
-              </a:prstGeom>
-              <a:solidFill>
-                <a:schemeClr val="accent1">
-                  <a:lumMod val="20000"/>
-                  <a:lumOff val="80000"/>
-                </a:schemeClr>
-              </a:solidFill>
-            </p:spPr>
-            <p:style>
-              <a:lnRef idx="2">
-                <a:schemeClr val="accent1">
-                  <a:shade val="50000"/>
-                </a:schemeClr>
-              </a:lnRef>
-              <a:fillRef idx="1">
-                <a:schemeClr val="accent1"/>
-              </a:fillRef>
-              <a:effectRef idx="0">
-                <a:schemeClr val="accent1"/>
-              </a:effectRef>
-              <a:fontRef idx="minor">
-                <a:schemeClr val="lt1"/>
-              </a:fontRef>
-            </p:style>
-            <p:txBody>
-              <a:bodyPr rtlCol="0" anchor="ctr"/>
-              <a:lstStyle/>
-              <a:p>
-                <a:pPr algn="ctr"/>
-                <a:r>
-                  <a:rPr lang="de-DE" sz="1200" dirty="0" smtClean="0">
-                    <a:solidFill>
-                      <a:schemeClr val="tx1"/>
-                    </a:solidFill>
-                  </a:rPr>
-                  <a:t>Validation</a:t>
-                </a:r>
-                <a:endParaRPr lang="en-GB" sz="1200" dirty="0">
-                  <a:solidFill>
-                    <a:schemeClr val="tx1"/>
-                  </a:solidFill>
-                </a:endParaRPr>
-              </a:p>
-            </p:txBody>
-          </p:sp>
-          <p:grpSp>
-            <p:nvGrpSpPr>
-              <p:cNvPr id="76" name="Gruppieren 75"/>
-              <p:cNvGrpSpPr/>
-              <p:nvPr/>
-            </p:nvGrpSpPr>
-            <p:grpSpPr>
-              <a:xfrm>
-                <a:off x="2217829" y="3100963"/>
-                <a:ext cx="1799691" cy="1800225"/>
-                <a:chOff x="7620267" y="2397974"/>
-                <a:chExt cx="1799691" cy="1800225"/>
-              </a:xfrm>
-            </p:grpSpPr>
-            <p:sp>
-              <p:nvSpPr>
-                <p:cNvPr id="75" name="Gestreifter Pfeil nach rechts 74"/>
-                <p:cNvSpPr/>
-                <p:nvPr/>
-              </p:nvSpPr>
-              <p:spPr>
-                <a:xfrm rot="5400000">
-                  <a:off x="7620000" y="2398241"/>
-                  <a:ext cx="1800225" cy="1799691"/>
-                </a:xfrm>
-                <a:prstGeom prst="stripedRightArrow">
-                  <a:avLst>
-                    <a:gd name="adj1" fmla="val 57410"/>
-                    <a:gd name="adj2" fmla="val 46295"/>
-                  </a:avLst>
-                </a:prstGeom>
-                <a:solidFill>
-                  <a:schemeClr val="accent1">
-                    <a:lumMod val="20000"/>
-                    <a:lumOff val="80000"/>
-                  </a:schemeClr>
-                </a:solidFill>
-              </p:spPr>
-              <p:style>
-                <a:lnRef idx="2">
-                  <a:schemeClr val="accent1">
-                    <a:shade val="50000"/>
-                  </a:schemeClr>
-                </a:lnRef>
-                <a:fillRef idx="1">
-                  <a:schemeClr val="accent1"/>
-                </a:fillRef>
-                <a:effectRef idx="0">
-                  <a:schemeClr val="accent1"/>
-                </a:effectRef>
-                <a:fontRef idx="minor">
-                  <a:schemeClr val="lt1"/>
-                </a:fontRef>
-              </p:style>
-              <p:txBody>
-                <a:bodyPr rtlCol="0" anchor="ctr"/>
-                <a:lstStyle/>
-                <a:p>
-                  <a:pPr algn="ctr"/>
-                  <a:endParaRPr lang="en-GB"/>
-                </a:p>
-              </p:txBody>
-            </p:sp>
-            <p:sp>
-              <p:nvSpPr>
-                <p:cNvPr id="69" name="Rechteck 68"/>
-                <p:cNvSpPr/>
-                <p:nvPr/>
-              </p:nvSpPr>
-              <p:spPr>
-                <a:xfrm>
-                  <a:off x="7967509" y="2754578"/>
-                  <a:ext cx="1134086" cy="923330"/>
-                </a:xfrm>
-                <a:prstGeom prst="rect">
-                  <a:avLst/>
-                </a:prstGeom>
-              </p:spPr>
-              <p:txBody>
-                <a:bodyPr wrap="square">
-                  <a:spAutoFit/>
-                </a:bodyPr>
-                <a:lstStyle/>
-                <a:p>
-                  <a:pPr marL="171450" indent="-171450">
-                    <a:buFontTx/>
-                    <a:buChar char="-"/>
-                  </a:pPr>
-                  <a:r>
-                    <a:rPr lang="de-DE" sz="900" dirty="0"/>
-                    <a:t>Hyperparameter </a:t>
-                  </a:r>
-                  <a:r>
-                    <a:rPr lang="de-DE" sz="900" dirty="0" err="1"/>
-                    <a:t>tuning</a:t>
-                  </a:r>
-                  <a:endParaRPr lang="de-DE" sz="900" dirty="0"/>
-                </a:p>
-                <a:p>
-                  <a:pPr marL="171450" indent="-171450">
-                    <a:buFontTx/>
-                    <a:buChar char="-"/>
-                  </a:pPr>
-                  <a:r>
-                    <a:rPr lang="de-DE" sz="900" dirty="0"/>
-                    <a:t>Feature </a:t>
-                  </a:r>
-                  <a:r>
-                    <a:rPr lang="de-DE" sz="900" dirty="0" err="1"/>
-                    <a:t>selection</a:t>
-                  </a:r>
-                  <a:r>
-                    <a:rPr lang="de-DE" sz="900" dirty="0"/>
-                    <a:t> </a:t>
-                  </a:r>
-                  <a:r>
-                    <a:rPr lang="de-DE" sz="900" dirty="0" err="1"/>
-                    <a:t>using</a:t>
-                  </a:r>
-                  <a:r>
-                    <a:rPr lang="de-DE" sz="900" dirty="0"/>
-                    <a:t> </a:t>
-                  </a:r>
-                  <a:r>
-                    <a:rPr lang="de-DE" sz="900" dirty="0" smtClean="0"/>
-                    <a:t>L1 </a:t>
-                  </a:r>
-                  <a:r>
-                    <a:rPr lang="de-DE" sz="900" dirty="0" err="1" smtClean="0"/>
-                    <a:t>regularization</a:t>
-                  </a:r>
-                  <a:r>
-                    <a:rPr lang="de-DE" sz="900" dirty="0" smtClean="0"/>
-                    <a:t> </a:t>
-                  </a:r>
-                  <a:r>
-                    <a:rPr lang="de-DE" sz="900" dirty="0" err="1" smtClean="0"/>
-                    <a:t>if</a:t>
-                  </a:r>
-                  <a:r>
-                    <a:rPr lang="de-DE" sz="900" dirty="0" smtClean="0"/>
-                    <a:t> </a:t>
-                  </a:r>
-                  <a:r>
-                    <a:rPr lang="de-DE" sz="900" dirty="0" err="1" smtClean="0"/>
-                    <a:t>applicable</a:t>
-                  </a:r>
-                  <a:endParaRPr lang="de-DE" sz="900" dirty="0"/>
-                </a:p>
-              </p:txBody>
-            </p:sp>
-          </p:grpSp>
-          <p:sp>
-            <p:nvSpPr>
-              <p:cNvPr id="77" name="Rechteck 76"/>
-              <p:cNvSpPr/>
-              <p:nvPr/>
-            </p:nvSpPr>
-            <p:spPr>
-              <a:xfrm>
-                <a:off x="2470027" y="5021478"/>
-                <a:ext cx="1260000" cy="382555"/>
-              </a:xfrm>
-              <a:prstGeom prst="rect">
-                <a:avLst/>
-              </a:prstGeom>
-              <a:solidFill>
-                <a:schemeClr val="accent1">
-                  <a:lumMod val="20000"/>
-                  <a:lumOff val="80000"/>
-                </a:schemeClr>
-              </a:solidFill>
-            </p:spPr>
-            <p:style>
-              <a:lnRef idx="2">
-                <a:schemeClr val="accent1">
-                  <a:shade val="50000"/>
-                </a:schemeClr>
-              </a:lnRef>
-              <a:fillRef idx="1">
-                <a:schemeClr val="accent1"/>
-              </a:fillRef>
-              <a:effectRef idx="0">
-                <a:schemeClr val="accent1"/>
-              </a:effectRef>
-              <a:fontRef idx="minor">
-                <a:schemeClr val="lt1"/>
-              </a:fontRef>
-            </p:style>
-            <p:txBody>
-              <a:bodyPr rtlCol="0" anchor="ctr"/>
-              <a:lstStyle/>
-              <a:p>
-                <a:pPr algn="ctr"/>
-                <a:r>
-                  <a:rPr lang="de-DE" sz="1200" dirty="0" err="1" smtClean="0">
-                    <a:solidFill>
-                      <a:schemeClr val="tx1"/>
-                    </a:solidFill>
-                  </a:rPr>
-                  <a:t>Trained</a:t>
-                </a:r>
-                <a:r>
-                  <a:rPr lang="de-DE" sz="1400" dirty="0" smtClean="0">
-                    <a:solidFill>
-                      <a:schemeClr val="tx1"/>
-                    </a:solidFill>
-                  </a:rPr>
-                  <a:t> </a:t>
-                </a:r>
-                <a:r>
-                  <a:rPr lang="de-DE" sz="1200" dirty="0" err="1" smtClean="0">
-                    <a:solidFill>
-                      <a:schemeClr val="tx1"/>
-                    </a:solidFill>
-                  </a:rPr>
-                  <a:t>model</a:t>
-                </a:r>
-                <a:endParaRPr lang="en-GB" sz="1400" dirty="0">
-                  <a:solidFill>
-                    <a:schemeClr val="tx1"/>
-                  </a:solidFill>
-                </a:endParaRPr>
-              </a:p>
-            </p:txBody>
-          </p:sp>
-          <p:sp>
-            <p:nvSpPr>
-              <p:cNvPr id="78" name="Textfeld 77"/>
-              <p:cNvSpPr txBox="1"/>
-              <p:nvPr/>
-            </p:nvSpPr>
-            <p:spPr>
-              <a:xfrm>
-                <a:off x="2943225" y="5922504"/>
-                <a:ext cx="2247900" cy="369332"/>
-              </a:xfrm>
-              <a:prstGeom prst="rect">
-                <a:avLst/>
-              </a:prstGeom>
-              <a:noFill/>
-            </p:spPr>
-            <p:txBody>
-              <a:bodyPr wrap="square" rtlCol="0">
-                <a:spAutoFit/>
-              </a:bodyPr>
-              <a:lstStyle/>
-              <a:p>
-                <a:r>
-                  <a:rPr lang="de-DE" dirty="0" smtClean="0">
-                    <a:solidFill>
-                      <a:schemeClr val="accent1">
-                        <a:lumMod val="50000"/>
-                      </a:schemeClr>
-                    </a:solidFill>
-                  </a:rPr>
-                  <a:t>Model </a:t>
-                </a:r>
-                <a:r>
-                  <a:rPr lang="de-DE" dirty="0" err="1" smtClean="0">
-                    <a:solidFill>
-                      <a:schemeClr val="accent1">
-                        <a:lumMod val="50000"/>
-                      </a:schemeClr>
-                    </a:solidFill>
-                  </a:rPr>
-                  <a:t>optimisation</a:t>
-                </a:r>
-                <a:endParaRPr lang="en-GB" dirty="0">
-                  <a:solidFill>
-                    <a:schemeClr val="accent1">
-                      <a:lumMod val="50000"/>
-                    </a:schemeClr>
-                  </a:solidFill>
-                </a:endParaRPr>
-              </a:p>
-            </p:txBody>
-          </p:sp>
-          <p:sp>
-            <p:nvSpPr>
-              <p:cNvPr id="79" name="Abgerundetes Rechteck 78"/>
-              <p:cNvSpPr/>
-              <p:nvPr/>
-            </p:nvSpPr>
-            <p:spPr>
-              <a:xfrm>
-                <a:off x="135320" y="4477901"/>
-                <a:ext cx="1837155" cy="1461166"/>
-              </a:xfrm>
-              <a:prstGeom prst="roundRect">
-                <a:avLst/>
-              </a:prstGeom>
-              <a:solidFill>
-                <a:schemeClr val="accent3">
-                  <a:lumMod val="20000"/>
-                  <a:lumOff val="80000"/>
-                  <a:alpha val="70000"/>
-                </a:schemeClr>
-              </a:solidFill>
-            </p:spPr>
-            <p:style>
-              <a:lnRef idx="2">
-                <a:schemeClr val="accent1">
-                  <a:shade val="50000"/>
-                </a:schemeClr>
-              </a:lnRef>
-              <a:fillRef idx="1">
-                <a:schemeClr val="accent1"/>
-              </a:fillRef>
-              <a:effectRef idx="0">
-                <a:schemeClr val="accent1"/>
-              </a:effectRef>
-              <a:fontRef idx="minor">
-                <a:schemeClr val="lt1"/>
-              </a:fontRef>
-            </p:style>
-            <p:txBody>
-              <a:bodyPr rtlCol="0" anchor="ctr"/>
-              <a:lstStyle/>
-              <a:p>
-                <a:pPr marL="285750" indent="-285750">
-                  <a:buFont typeface="Wingdings" panose="05000000000000000000" pitchFamily="2" charset="2"/>
-                  <a:buChar char="§"/>
-                </a:pPr>
-                <a:r>
-                  <a:rPr lang="de-DE" sz="1100" dirty="0">
-                    <a:solidFill>
-                      <a:schemeClr val="tx1"/>
-                    </a:solidFill>
-                  </a:rPr>
-                  <a:t>Baseline </a:t>
-                </a:r>
-                <a:r>
-                  <a:rPr lang="de-DE" sz="1100" dirty="0" err="1">
-                    <a:solidFill>
-                      <a:schemeClr val="tx1"/>
-                    </a:solidFill>
-                  </a:rPr>
-                  <a:t>model</a:t>
-                </a:r>
-                <a:r>
-                  <a:rPr lang="de-DE" sz="1100" dirty="0">
-                    <a:solidFill>
-                      <a:schemeClr val="tx1"/>
-                    </a:solidFill>
-                  </a:rPr>
-                  <a:t> </a:t>
-                </a:r>
-                <a:r>
-                  <a:rPr lang="de-DE" sz="1100" dirty="0" err="1">
-                    <a:solidFill>
-                      <a:schemeClr val="tx1"/>
-                    </a:solidFill>
-                  </a:rPr>
-                  <a:t>with</a:t>
-                </a:r>
-                <a:r>
-                  <a:rPr lang="de-DE" sz="1100" dirty="0">
-                    <a:solidFill>
-                      <a:schemeClr val="tx1"/>
-                    </a:solidFill>
-                  </a:rPr>
-                  <a:t> </a:t>
-                </a:r>
-                <a:r>
-                  <a:rPr lang="de-DE" sz="1100" dirty="0" err="1">
-                    <a:solidFill>
-                      <a:schemeClr val="tx1"/>
-                    </a:solidFill>
-                  </a:rPr>
-                  <a:t>serum</a:t>
-                </a:r>
-                <a:r>
-                  <a:rPr lang="de-DE" sz="1100" dirty="0">
-                    <a:solidFill>
-                      <a:schemeClr val="tx1"/>
-                    </a:solidFill>
-                  </a:rPr>
-                  <a:t> </a:t>
-                </a:r>
-                <a:r>
-                  <a:rPr lang="de-DE" sz="1100" dirty="0" err="1">
-                    <a:solidFill>
-                      <a:schemeClr val="tx1"/>
-                    </a:solidFill>
-                  </a:rPr>
-                  <a:t>markers</a:t>
-                </a:r>
-                <a:endParaRPr lang="de-DE" sz="1100" dirty="0">
-                  <a:solidFill>
-                    <a:schemeClr val="tx1"/>
-                  </a:solidFill>
-                </a:endParaRPr>
-              </a:p>
-              <a:p>
-                <a:pPr marL="285750" indent="-285750">
-                  <a:buFont typeface="Wingdings" panose="05000000000000000000" pitchFamily="2" charset="2"/>
-                  <a:buChar char="§"/>
-                </a:pPr>
-                <a:r>
-                  <a:rPr lang="de-DE" sz="1100" dirty="0" err="1" smtClean="0">
-                    <a:solidFill>
-                      <a:schemeClr val="tx1"/>
-                    </a:solidFill>
-                  </a:rPr>
-                  <a:t>glmnet</a:t>
-                </a:r>
-                <a:r>
-                  <a:rPr lang="de-DE" sz="1100" dirty="0" smtClean="0">
-                    <a:solidFill>
-                      <a:schemeClr val="tx1"/>
-                    </a:solidFill>
-                  </a:rPr>
-                  <a:t> </a:t>
-                </a:r>
-                <a:r>
-                  <a:rPr lang="de-DE" sz="1100" dirty="0" err="1" smtClean="0">
-                    <a:solidFill>
-                      <a:schemeClr val="tx1"/>
-                    </a:solidFill>
-                  </a:rPr>
-                  <a:t>with</a:t>
-                </a:r>
-                <a:r>
-                  <a:rPr lang="de-DE" sz="1100" dirty="0" smtClean="0">
-                    <a:solidFill>
-                      <a:schemeClr val="tx1"/>
-                    </a:solidFill>
-                  </a:rPr>
-                  <a:t> L1 </a:t>
-                </a:r>
-                <a:r>
-                  <a:rPr lang="de-DE" sz="1100" dirty="0" err="1" smtClean="0">
-                    <a:solidFill>
-                      <a:schemeClr val="tx1"/>
-                    </a:solidFill>
-                  </a:rPr>
-                  <a:t>regularization</a:t>
-                </a:r>
-                <a:endParaRPr lang="de-DE" sz="1100" dirty="0" smtClean="0">
-                  <a:solidFill>
-                    <a:schemeClr val="tx1"/>
-                  </a:solidFill>
-                </a:endParaRPr>
-              </a:p>
-              <a:p>
-                <a:pPr marL="742950" lvl="1" indent="-285750">
-                  <a:buFont typeface="Wingdings" panose="05000000000000000000" pitchFamily="2" charset="2"/>
-                  <a:buChar char="§"/>
-                </a:pPr>
-                <a:r>
-                  <a:rPr lang="de-DE" sz="1100" dirty="0" err="1" smtClean="0">
-                    <a:solidFill>
-                      <a:schemeClr val="tx1"/>
-                    </a:solidFill>
-                  </a:rPr>
-                  <a:t>only</a:t>
-                </a:r>
-                <a:r>
-                  <a:rPr lang="de-DE" sz="1100" dirty="0" smtClean="0">
-                    <a:solidFill>
-                      <a:schemeClr val="tx1"/>
-                    </a:solidFill>
-                  </a:rPr>
-                  <a:t> </a:t>
-                </a:r>
-                <a:r>
-                  <a:rPr lang="de-DE" sz="1100" dirty="0" err="1" smtClean="0">
-                    <a:solidFill>
-                      <a:schemeClr val="tx1"/>
-                    </a:solidFill>
-                  </a:rPr>
-                  <a:t>miRNAs</a:t>
-                </a:r>
-                <a:endParaRPr lang="de-DE" sz="1100" dirty="0" smtClean="0">
-                  <a:solidFill>
-                    <a:schemeClr val="tx1"/>
-                  </a:solidFill>
-                </a:endParaRPr>
-              </a:p>
-              <a:p>
-                <a:pPr marL="742950" lvl="1" indent="-285750">
-                  <a:buFont typeface="Wingdings" panose="05000000000000000000" pitchFamily="2" charset="2"/>
-                  <a:buChar char="§"/>
-                </a:pPr>
-                <a:r>
-                  <a:rPr lang="de-DE" sz="1100" dirty="0" smtClean="0">
-                    <a:solidFill>
-                      <a:schemeClr val="tx1"/>
-                    </a:solidFill>
-                  </a:rPr>
-                  <a:t>all </a:t>
-                </a:r>
-                <a:r>
-                  <a:rPr lang="de-DE" sz="1100" dirty="0" err="1" smtClean="0">
-                    <a:solidFill>
-                      <a:schemeClr val="tx1"/>
-                    </a:solidFill>
-                  </a:rPr>
-                  <a:t>features</a:t>
-                </a:r>
-                <a:endParaRPr lang="de-DE" sz="1100" dirty="0" smtClean="0">
-                  <a:solidFill>
-                    <a:schemeClr val="tx1"/>
-                  </a:solidFill>
-                </a:endParaRPr>
-              </a:p>
-              <a:p>
-                <a:pPr marL="285750" indent="-285750">
-                  <a:buFont typeface="Wingdings" panose="05000000000000000000" pitchFamily="2" charset="2"/>
-                  <a:buChar char="§"/>
-                </a:pPr>
-                <a:r>
-                  <a:rPr lang="de-DE" sz="1100" dirty="0" err="1" smtClean="0">
-                    <a:solidFill>
-                      <a:schemeClr val="tx1"/>
-                    </a:solidFill>
-                  </a:rPr>
-                  <a:t>glm</a:t>
-                </a:r>
-                <a:r>
-                  <a:rPr lang="de-DE" sz="1100" dirty="0" smtClean="0">
-                    <a:solidFill>
-                      <a:schemeClr val="tx1"/>
-                    </a:solidFill>
-                  </a:rPr>
-                  <a:t> </a:t>
-                </a:r>
-                <a:r>
-                  <a:rPr lang="de-DE" sz="1100" dirty="0" err="1" smtClean="0">
-                    <a:solidFill>
-                      <a:schemeClr val="tx1"/>
-                    </a:solidFill>
-                  </a:rPr>
-                  <a:t>with</a:t>
-                </a:r>
-                <a:r>
-                  <a:rPr lang="de-DE" sz="1100" dirty="0" smtClean="0">
-                    <a:solidFill>
-                      <a:schemeClr val="tx1"/>
-                    </a:solidFill>
-                  </a:rPr>
-                  <a:t> </a:t>
-                </a:r>
-                <a:r>
-                  <a:rPr lang="de-DE" sz="1100" dirty="0" err="1" smtClean="0">
-                    <a:solidFill>
-                      <a:schemeClr val="tx1"/>
-                    </a:solidFill>
-                  </a:rPr>
-                  <a:t>significant</a:t>
-                </a:r>
-                <a:r>
-                  <a:rPr lang="de-DE" sz="1100" dirty="0" smtClean="0">
-                    <a:solidFill>
-                      <a:schemeClr val="tx1"/>
-                    </a:solidFill>
-                  </a:rPr>
-                  <a:t> </a:t>
-                </a:r>
-                <a:r>
-                  <a:rPr lang="de-DE" sz="1100" dirty="0" err="1" smtClean="0">
-                    <a:solidFill>
-                      <a:schemeClr val="tx1"/>
-                    </a:solidFill>
-                  </a:rPr>
-                  <a:t>features</a:t>
-                </a:r>
-                <a:endParaRPr lang="en-GB" sz="1400" dirty="0">
-                  <a:solidFill>
-                    <a:schemeClr val="tx1"/>
-                  </a:solidFill>
-                </a:endParaRPr>
-              </a:p>
-            </p:txBody>
-          </p:sp>
-          <p:cxnSp>
-            <p:nvCxnSpPr>
-              <p:cNvPr id="108" name="Gerade Verbindung mit Pfeil 107"/>
-              <p:cNvCxnSpPr>
-                <a:stCxn id="77" idx="3"/>
-                <a:endCxn id="66" idx="1"/>
-              </p:cNvCxnSpPr>
-              <p:nvPr/>
-            </p:nvCxnSpPr>
-            <p:spPr>
-              <a:xfrm>
-                <a:off x="3730027" y="5212756"/>
-                <a:ext cx="201098" cy="7812"/>
-              </a:xfrm>
-              <a:prstGeom prst="straightConnector1">
-                <a:avLst/>
-              </a:prstGeom>
-              <a:ln>
-                <a:solidFill>
-                  <a:schemeClr val="accent1">
-                    <a:lumMod val="50000"/>
-                  </a:schemeClr>
-                </a:solidFill>
-                <a:tailEnd type="triangle"/>
-              </a:ln>
-            </p:spPr>
-            <p:style>
-              <a:lnRef idx="1">
-                <a:schemeClr val="accent1"/>
-              </a:lnRef>
-              <a:fillRef idx="0">
-                <a:schemeClr val="accent1"/>
-              </a:fillRef>
-              <a:effectRef idx="0">
-                <a:schemeClr val="accent1"/>
-              </a:effectRef>
-              <a:fontRef idx="minor">
-                <a:schemeClr val="tx1"/>
-              </a:fontRef>
-            </p:style>
-          </p:cxnSp>
-          <p:cxnSp>
-            <p:nvCxnSpPr>
-              <p:cNvPr id="114" name="Gerade Verbindung mit Pfeil 113"/>
-              <p:cNvCxnSpPr>
-                <a:endCxn id="66" idx="0"/>
-              </p:cNvCxnSpPr>
-              <p:nvPr/>
-            </p:nvCxnSpPr>
-            <p:spPr>
-              <a:xfrm>
-                <a:off x="4561125" y="2447600"/>
-                <a:ext cx="0" cy="2581690"/>
-              </a:xfrm>
-              <a:prstGeom prst="straightConnector1">
-                <a:avLst/>
-              </a:prstGeom>
-              <a:ln>
-                <a:solidFill>
-                  <a:schemeClr val="accent1">
-                    <a:lumMod val="50000"/>
-                  </a:schemeClr>
-                </a:solidFill>
-                <a:tailEnd type="triangle"/>
-              </a:ln>
-            </p:spPr>
-            <p:style>
-              <a:lnRef idx="1">
-                <a:schemeClr val="accent1"/>
-              </a:lnRef>
-              <a:fillRef idx="0">
-                <a:schemeClr val="accent1"/>
-              </a:fillRef>
-              <a:effectRef idx="0">
-                <a:schemeClr val="accent1"/>
-              </a:effectRef>
-              <a:fontRef idx="minor">
-                <a:schemeClr val="tx1"/>
-              </a:fontRef>
-            </p:style>
-          </p:cxnSp>
-          <p:cxnSp>
-            <p:nvCxnSpPr>
-              <p:cNvPr id="120" name="Gerade Verbindung mit Pfeil 119"/>
-              <p:cNvCxnSpPr>
-                <a:endCxn id="41" idx="1"/>
-              </p:cNvCxnSpPr>
-              <p:nvPr/>
-            </p:nvCxnSpPr>
-            <p:spPr>
-              <a:xfrm>
-                <a:off x="5057428" y="1728171"/>
-                <a:ext cx="1388327" cy="525347"/>
-              </a:xfrm>
-              <a:prstGeom prst="straightConnector1">
-                <a:avLst/>
-              </a:prstGeom>
-              <a:ln>
-                <a:solidFill>
-                  <a:schemeClr val="accent1">
-                    <a:lumMod val="50000"/>
-                  </a:schemeClr>
-                </a:solidFill>
-                <a:tailEnd type="triangle"/>
-              </a:ln>
-            </p:spPr>
-            <p:style>
-              <a:lnRef idx="1">
-                <a:schemeClr val="accent1"/>
-              </a:lnRef>
-              <a:fillRef idx="0">
-                <a:schemeClr val="accent1"/>
-              </a:fillRef>
-              <a:effectRef idx="0">
-                <a:schemeClr val="accent1"/>
-              </a:effectRef>
-              <a:fontRef idx="minor">
-                <a:schemeClr val="tx1"/>
-              </a:fontRef>
-            </p:style>
-          </p:cxnSp>
-          <p:cxnSp>
-            <p:nvCxnSpPr>
-              <p:cNvPr id="125" name="Gerade Verbindung mit Pfeil 124"/>
-              <p:cNvCxnSpPr>
-                <a:stCxn id="41" idx="2"/>
-                <a:endCxn id="133" idx="0"/>
-              </p:cNvCxnSpPr>
-              <p:nvPr/>
-            </p:nvCxnSpPr>
-            <p:spPr>
-              <a:xfrm>
-                <a:off x="7850013" y="2451518"/>
-                <a:ext cx="0" cy="2569960"/>
-              </a:xfrm>
-              <a:prstGeom prst="straightConnector1">
-                <a:avLst/>
-              </a:prstGeom>
-              <a:ln>
-                <a:solidFill>
-                  <a:schemeClr val="accent1">
-                    <a:lumMod val="50000"/>
-                  </a:schemeClr>
-                </a:solidFill>
-                <a:tailEnd type="triangle"/>
-              </a:ln>
-            </p:spPr>
-            <p:style>
-              <a:lnRef idx="1">
-                <a:schemeClr val="accent1"/>
-              </a:lnRef>
-              <a:fillRef idx="0">
-                <a:schemeClr val="accent1"/>
-              </a:fillRef>
-              <a:effectRef idx="0">
-                <a:schemeClr val="accent1"/>
-              </a:effectRef>
-              <a:fontRef idx="minor">
-                <a:schemeClr val="tx1"/>
-              </a:fontRef>
-            </p:style>
-          </p:cxnSp>
-          <p:grpSp>
-            <p:nvGrpSpPr>
-              <p:cNvPr id="169" name="Gruppieren 168"/>
-              <p:cNvGrpSpPr/>
-              <p:nvPr/>
-            </p:nvGrpSpPr>
-            <p:grpSpPr>
-              <a:xfrm>
-                <a:off x="5645274" y="3345782"/>
-                <a:ext cx="2393186" cy="585030"/>
-                <a:chOff x="5657756" y="2750577"/>
-                <a:chExt cx="2393186" cy="585030"/>
-              </a:xfrm>
-            </p:grpSpPr>
-            <p:sp>
-              <p:nvSpPr>
-                <p:cNvPr id="132" name="Gestreifter Pfeil nach rechts 131"/>
-                <p:cNvSpPr/>
-                <p:nvPr/>
-              </p:nvSpPr>
-              <p:spPr>
-                <a:xfrm>
-                  <a:off x="5657756" y="2750577"/>
-                  <a:ext cx="2164822" cy="585030"/>
-                </a:xfrm>
-                <a:prstGeom prst="stripedRightArrow">
-                  <a:avLst/>
-                </a:prstGeom>
-                <a:solidFill>
-                  <a:schemeClr val="accent1">
-                    <a:lumMod val="20000"/>
-                    <a:lumOff val="80000"/>
-                  </a:schemeClr>
-                </a:solidFill>
-              </p:spPr>
-              <p:style>
-                <a:lnRef idx="2">
-                  <a:schemeClr val="accent1">
-                    <a:shade val="50000"/>
-                  </a:schemeClr>
-                </a:lnRef>
-                <a:fillRef idx="1">
-                  <a:schemeClr val="accent1"/>
-                </a:fillRef>
-                <a:effectRef idx="0">
-                  <a:schemeClr val="accent1"/>
-                </a:effectRef>
-                <a:fontRef idx="minor">
-                  <a:schemeClr val="lt1"/>
-                </a:fontRef>
-              </p:style>
-              <p:txBody>
-                <a:bodyPr rtlCol="0" anchor="ctr"/>
-                <a:lstStyle/>
-                <a:p>
-                  <a:pPr algn="ctr"/>
-                  <a:endParaRPr lang="en-GB"/>
-                </a:p>
-              </p:txBody>
-            </p:sp>
-            <p:sp>
-              <p:nvSpPr>
-                <p:cNvPr id="130" name="Textfeld 129"/>
-                <p:cNvSpPr txBox="1"/>
-                <p:nvPr/>
-              </p:nvSpPr>
-              <p:spPr>
-                <a:xfrm>
-                  <a:off x="5684371" y="2899581"/>
-                  <a:ext cx="2366571" cy="261610"/>
-                </a:xfrm>
-                <a:prstGeom prst="rect">
-                  <a:avLst/>
-                </a:prstGeom>
-                <a:noFill/>
-              </p:spPr>
-              <p:txBody>
-                <a:bodyPr wrap="square" rtlCol="0">
-                  <a:spAutoFit/>
-                </a:bodyPr>
-                <a:lstStyle/>
-                <a:p>
-                  <a:r>
-                    <a:rPr lang="de-DE" sz="1100" dirty="0" err="1" smtClean="0"/>
-                    <a:t>Apply</a:t>
-                  </a:r>
-                  <a:r>
-                    <a:rPr lang="de-DE" sz="1100" dirty="0" smtClean="0"/>
-                    <a:t> </a:t>
-                  </a:r>
-                  <a:r>
-                    <a:rPr lang="de-DE" sz="1100" dirty="0" err="1" smtClean="0"/>
-                    <a:t>optimised</a:t>
-                  </a:r>
-                  <a:r>
-                    <a:rPr lang="de-DE" sz="1100" dirty="0" smtClean="0"/>
-                    <a:t> </a:t>
-                  </a:r>
-                  <a:r>
-                    <a:rPr lang="de-DE" sz="1100" dirty="0" err="1" smtClean="0"/>
-                    <a:t>model</a:t>
-                  </a:r>
-                  <a:r>
-                    <a:rPr lang="de-DE" sz="1100" dirty="0" smtClean="0"/>
-                    <a:t> </a:t>
-                  </a:r>
-                  <a:r>
-                    <a:rPr lang="de-DE" sz="1100" dirty="0" err="1" smtClean="0"/>
-                    <a:t>to</a:t>
-                  </a:r>
-                  <a:r>
-                    <a:rPr lang="de-DE" sz="1100" dirty="0" smtClean="0"/>
-                    <a:t> </a:t>
-                  </a:r>
-                  <a:r>
-                    <a:rPr lang="de-DE" sz="1100" dirty="0" err="1" smtClean="0"/>
-                    <a:t>test</a:t>
-                  </a:r>
-                  <a:r>
-                    <a:rPr lang="de-DE" sz="1100" dirty="0" smtClean="0"/>
-                    <a:t> </a:t>
-                  </a:r>
-                  <a:r>
-                    <a:rPr lang="de-DE" sz="1100" dirty="0" err="1" smtClean="0"/>
-                    <a:t>set</a:t>
-                  </a:r>
-                  <a:endParaRPr lang="en-GB" sz="1100" dirty="0"/>
-                </a:p>
-              </p:txBody>
-            </p:sp>
-          </p:grpSp>
-          <p:sp>
-            <p:nvSpPr>
-              <p:cNvPr id="133" name="Rechteck 132"/>
-              <p:cNvSpPr/>
-              <p:nvPr/>
-            </p:nvSpPr>
-            <p:spPr>
-              <a:xfrm>
-                <a:off x="6445755" y="5021478"/>
-                <a:ext cx="2808515" cy="396000"/>
-              </a:xfrm>
-              <a:prstGeom prst="rect">
-                <a:avLst/>
-              </a:prstGeom>
-              <a:solidFill>
-                <a:schemeClr val="accent1">
-                  <a:lumMod val="20000"/>
-                  <a:lumOff val="80000"/>
-                </a:schemeClr>
-              </a:solidFill>
-            </p:spPr>
-            <p:style>
-              <a:lnRef idx="2">
-                <a:schemeClr val="accent1">
-                  <a:shade val="50000"/>
-                </a:schemeClr>
-              </a:lnRef>
-              <a:fillRef idx="1">
-                <a:schemeClr val="accent1"/>
-              </a:fillRef>
-              <a:effectRef idx="0">
-                <a:schemeClr val="accent1"/>
-              </a:effectRef>
-              <a:fontRef idx="minor">
-                <a:schemeClr val="lt1"/>
-              </a:fontRef>
-            </p:style>
-            <p:txBody>
-              <a:bodyPr rtlCol="0" anchor="ctr"/>
-              <a:lstStyle/>
-              <a:p>
-                <a:pPr algn="ctr"/>
-                <a:r>
-                  <a:rPr lang="de-DE" sz="1200" dirty="0" err="1" smtClean="0">
-                    <a:solidFill>
-                      <a:schemeClr val="tx1"/>
-                    </a:solidFill>
-                  </a:rPr>
-                  <a:t>Calculation</a:t>
-                </a:r>
-                <a:r>
-                  <a:rPr lang="de-DE" sz="1200" dirty="0" smtClean="0">
-                    <a:solidFill>
-                      <a:schemeClr val="tx1"/>
-                    </a:solidFill>
-                  </a:rPr>
-                  <a:t> </a:t>
-                </a:r>
-                <a:r>
-                  <a:rPr lang="de-DE" sz="1200" dirty="0" err="1" smtClean="0">
-                    <a:solidFill>
-                      <a:schemeClr val="tx1"/>
-                    </a:solidFill>
-                  </a:rPr>
-                  <a:t>of</a:t>
-                </a:r>
-                <a:r>
-                  <a:rPr lang="de-DE" sz="1200" dirty="0" smtClean="0">
-                    <a:solidFill>
-                      <a:schemeClr val="tx1"/>
-                    </a:solidFill>
-                  </a:rPr>
-                  <a:t> </a:t>
-                </a:r>
-                <a:r>
-                  <a:rPr lang="de-DE" sz="1200" dirty="0" err="1" smtClean="0">
-                    <a:solidFill>
-                      <a:schemeClr val="tx1"/>
-                    </a:solidFill>
-                  </a:rPr>
-                  <a:t>performance</a:t>
-                </a:r>
-                <a:r>
-                  <a:rPr lang="de-DE" sz="1200" dirty="0" smtClean="0">
-                    <a:solidFill>
-                      <a:schemeClr val="tx1"/>
-                    </a:solidFill>
-                  </a:rPr>
-                  <a:t> </a:t>
-                </a:r>
-                <a:r>
-                  <a:rPr lang="de-DE" sz="1200" dirty="0" err="1" smtClean="0">
-                    <a:solidFill>
-                      <a:schemeClr val="tx1"/>
-                    </a:solidFill>
-                  </a:rPr>
-                  <a:t>metrics</a:t>
-                </a:r>
-                <a:endParaRPr lang="en-GB" sz="1200" dirty="0">
-                  <a:solidFill>
-                    <a:schemeClr val="tx1"/>
-                  </a:solidFill>
-                </a:endParaRPr>
-              </a:p>
-            </p:txBody>
-          </p:sp>
-          <p:sp>
-            <p:nvSpPr>
-              <p:cNvPr id="137" name="Abgerundetes Rechteck 136"/>
-              <p:cNvSpPr/>
-              <p:nvPr/>
-            </p:nvSpPr>
-            <p:spPr>
-              <a:xfrm>
-                <a:off x="10138980" y="4619279"/>
-                <a:ext cx="1296491" cy="1758963"/>
-              </a:xfrm>
-              <a:prstGeom prst="roundRect">
-                <a:avLst/>
-              </a:prstGeom>
-              <a:solidFill>
-                <a:schemeClr val="accent3">
-                  <a:lumMod val="20000"/>
-                  <a:lumOff val="80000"/>
-                  <a:alpha val="70000"/>
-                </a:schemeClr>
-              </a:solidFill>
-            </p:spPr>
-            <p:style>
-              <a:lnRef idx="2">
-                <a:schemeClr val="accent1">
-                  <a:shade val="50000"/>
-                </a:schemeClr>
-              </a:lnRef>
-              <a:fillRef idx="1">
-                <a:schemeClr val="accent1"/>
-              </a:fillRef>
-              <a:effectRef idx="0">
-                <a:schemeClr val="accent1"/>
-              </a:effectRef>
-              <a:fontRef idx="minor">
-                <a:schemeClr val="lt1"/>
-              </a:fontRef>
-            </p:style>
-            <p:txBody>
-              <a:bodyPr rtlCol="0" anchor="ctr"/>
-              <a:lstStyle/>
-              <a:p>
-                <a:pPr algn="ctr"/>
-                <a:endParaRPr lang="de-DE" sz="1100" b="1" dirty="0" smtClean="0">
-                  <a:solidFill>
-                    <a:schemeClr val="tx1"/>
-                  </a:solidFill>
-                </a:endParaRPr>
-              </a:p>
-              <a:p>
-                <a:pPr marL="285750" indent="-285750">
-                  <a:buFont typeface="Wingdings" panose="05000000000000000000" pitchFamily="2" charset="2"/>
-                  <a:buChar char="§"/>
-                </a:pPr>
-                <a:r>
-                  <a:rPr lang="de-DE" sz="1100" dirty="0" smtClean="0">
-                    <a:solidFill>
-                      <a:schemeClr val="tx1"/>
-                    </a:solidFill>
-                  </a:rPr>
-                  <a:t>AUROC</a:t>
-                </a:r>
-              </a:p>
-              <a:p>
-                <a:pPr marL="285750" indent="-285750">
-                  <a:buFont typeface="Wingdings" panose="05000000000000000000" pitchFamily="2" charset="2"/>
-                  <a:buChar char="§"/>
-                </a:pPr>
-                <a:r>
-                  <a:rPr lang="de-DE" sz="1100" dirty="0" err="1" smtClean="0">
-                    <a:solidFill>
-                      <a:schemeClr val="tx1"/>
-                    </a:solidFill>
-                  </a:rPr>
-                  <a:t>Balanced</a:t>
-                </a:r>
-                <a:r>
-                  <a:rPr lang="de-DE" sz="1100" dirty="0" smtClean="0">
-                    <a:solidFill>
-                      <a:schemeClr val="tx1"/>
-                    </a:solidFill>
-                  </a:rPr>
-                  <a:t> </a:t>
-                </a:r>
-                <a:r>
-                  <a:rPr lang="de-DE" sz="1100" dirty="0" err="1" smtClean="0">
-                    <a:solidFill>
-                      <a:schemeClr val="tx1"/>
-                    </a:solidFill>
-                  </a:rPr>
-                  <a:t>Accuracy</a:t>
-                </a:r>
-                <a:endParaRPr lang="de-DE" sz="1100" dirty="0" smtClean="0">
-                  <a:solidFill>
-                    <a:schemeClr val="tx1"/>
-                  </a:solidFill>
-                </a:endParaRPr>
-              </a:p>
-              <a:p>
-                <a:pPr marL="285750" indent="-285750">
-                  <a:buFont typeface="Wingdings" panose="05000000000000000000" pitchFamily="2" charset="2"/>
-                  <a:buChar char="§"/>
-                </a:pPr>
-                <a:r>
-                  <a:rPr lang="de-DE" sz="1100" dirty="0" err="1" smtClean="0">
-                    <a:solidFill>
-                      <a:schemeClr val="tx1"/>
-                    </a:solidFill>
-                  </a:rPr>
-                  <a:t>Sensitivity</a:t>
-                </a:r>
-                <a:endParaRPr lang="de-DE" sz="1100" dirty="0" smtClean="0">
-                  <a:solidFill>
-                    <a:schemeClr val="tx1"/>
-                  </a:solidFill>
-                </a:endParaRPr>
-              </a:p>
-              <a:p>
-                <a:pPr marL="285750" indent="-285750">
-                  <a:buFont typeface="Wingdings" panose="05000000000000000000" pitchFamily="2" charset="2"/>
-                  <a:buChar char="§"/>
-                </a:pPr>
-                <a:r>
-                  <a:rPr lang="de-DE" sz="1100" dirty="0" err="1" smtClean="0">
-                    <a:solidFill>
-                      <a:schemeClr val="tx1"/>
-                    </a:solidFill>
-                  </a:rPr>
-                  <a:t>Specificity</a:t>
-                </a:r>
-                <a:endParaRPr lang="de-DE" sz="1100" dirty="0" smtClean="0">
-                  <a:solidFill>
-                    <a:schemeClr val="tx1"/>
-                  </a:solidFill>
-                </a:endParaRPr>
-              </a:p>
-              <a:p>
-                <a:pPr marL="285750" indent="-285750">
-                  <a:buFont typeface="Wingdings" panose="05000000000000000000" pitchFamily="2" charset="2"/>
-                  <a:buChar char="§"/>
-                </a:pPr>
-                <a:r>
-                  <a:rPr lang="de-DE" sz="1100" dirty="0" smtClean="0">
-                    <a:solidFill>
-                      <a:schemeClr val="tx1"/>
-                    </a:solidFill>
-                  </a:rPr>
-                  <a:t>Precision</a:t>
-                </a:r>
-              </a:p>
-              <a:p>
-                <a:pPr marL="285750" indent="-285750">
-                  <a:buFont typeface="Wingdings" panose="05000000000000000000" pitchFamily="2" charset="2"/>
-                  <a:buChar char="§"/>
-                </a:pPr>
-                <a:r>
-                  <a:rPr lang="de-DE" sz="1100" dirty="0" smtClean="0">
-                    <a:solidFill>
-                      <a:schemeClr val="tx1"/>
-                    </a:solidFill>
-                  </a:rPr>
-                  <a:t>F1-score</a:t>
-                </a:r>
-              </a:p>
-              <a:p>
-                <a:pPr marL="285750" indent="-285750">
-                  <a:buFont typeface="Wingdings" panose="05000000000000000000" pitchFamily="2" charset="2"/>
-                  <a:buChar char="§"/>
-                </a:pPr>
-                <a:r>
-                  <a:rPr lang="de-DE" sz="1100" dirty="0" err="1" smtClean="0">
-                    <a:solidFill>
-                      <a:schemeClr val="tx1"/>
-                    </a:solidFill>
-                  </a:rPr>
-                  <a:t>Brier</a:t>
-                </a:r>
-                <a:r>
-                  <a:rPr lang="de-DE" sz="1100" dirty="0" smtClean="0">
-                    <a:solidFill>
-                      <a:schemeClr val="tx1"/>
-                    </a:solidFill>
-                  </a:rPr>
-                  <a:t> Score?</a:t>
-                </a:r>
-              </a:p>
-              <a:p>
-                <a:pPr marL="285750" indent="-285750">
-                  <a:buFont typeface="Wingdings" panose="05000000000000000000" pitchFamily="2" charset="2"/>
-                  <a:buChar char="§"/>
-                </a:pPr>
-                <a:r>
-                  <a:rPr lang="de-DE" sz="1100" dirty="0" err="1" smtClean="0">
-                    <a:solidFill>
-                      <a:schemeClr val="tx1"/>
-                    </a:solidFill>
-                  </a:rPr>
-                  <a:t>Calibration</a:t>
-                </a:r>
-                <a:r>
-                  <a:rPr lang="de-DE" sz="1100" dirty="0">
-                    <a:solidFill>
-                      <a:schemeClr val="tx1"/>
-                    </a:solidFill>
-                  </a:rPr>
-                  <a:t>?</a:t>
-                </a:r>
-                <a:endParaRPr lang="de-DE" sz="1100" dirty="0" smtClean="0">
-                  <a:solidFill>
-                    <a:schemeClr val="tx1"/>
-                  </a:solidFill>
-                </a:endParaRPr>
-              </a:p>
-              <a:p>
-                <a:pPr marL="285750" indent="-285750" algn="ctr">
-                  <a:buFontTx/>
-                  <a:buChar char="-"/>
-                </a:pPr>
-                <a:endParaRPr lang="en-GB" sz="1400" dirty="0">
-                  <a:solidFill>
-                    <a:schemeClr val="tx1"/>
-                  </a:solidFill>
-                </a:endParaRPr>
-              </a:p>
-            </p:txBody>
-          </p:sp>
-          <p:cxnSp>
-            <p:nvCxnSpPr>
-              <p:cNvPr id="142" name="Gewinkelter Verbinder 141"/>
-              <p:cNvCxnSpPr>
-                <a:stCxn id="133" idx="3"/>
-                <a:endCxn id="17" idx="3"/>
-              </p:cNvCxnSpPr>
-              <p:nvPr/>
-            </p:nvCxnSpPr>
-            <p:spPr>
-              <a:xfrm flipH="1" flipV="1">
-                <a:off x="5285792" y="1521220"/>
-                <a:ext cx="3968478" cy="3698258"/>
-              </a:xfrm>
-              <a:prstGeom prst="bentConnector3">
-                <a:avLst>
-                  <a:gd name="adj1" fmla="val -5760"/>
-                </a:avLst>
-              </a:prstGeom>
-              <a:ln>
-                <a:solidFill>
-                  <a:schemeClr val="accent1">
-                    <a:lumMod val="50000"/>
-                  </a:schemeClr>
-                </a:solidFill>
-                <a:tailEnd type="triangle"/>
-              </a:ln>
-            </p:spPr>
-            <p:style>
-              <a:lnRef idx="1">
-                <a:schemeClr val="accent1"/>
-              </a:lnRef>
-              <a:fillRef idx="0">
-                <a:schemeClr val="accent1"/>
-              </a:fillRef>
-              <a:effectRef idx="0">
-                <a:schemeClr val="accent1"/>
-              </a:effectRef>
-              <a:fontRef idx="minor">
-                <a:schemeClr val="tx1"/>
-              </a:fontRef>
-            </p:style>
-          </p:cxnSp>
-          <p:sp>
-            <p:nvSpPr>
-              <p:cNvPr id="148" name="Textfeld 147"/>
-              <p:cNvSpPr txBox="1"/>
-              <p:nvPr/>
-            </p:nvSpPr>
-            <p:spPr>
-              <a:xfrm>
-                <a:off x="6779712" y="1269923"/>
-                <a:ext cx="2629189" cy="276999"/>
-              </a:xfrm>
-              <a:prstGeom prst="rect">
-                <a:avLst/>
-              </a:prstGeom>
-              <a:noFill/>
-            </p:spPr>
-            <p:txBody>
-              <a:bodyPr wrap="square" rtlCol="0">
-                <a:spAutoFit/>
-              </a:bodyPr>
-              <a:lstStyle/>
-              <a:p>
-                <a:r>
-                  <a:rPr lang="de-DE" sz="1200" dirty="0" smtClean="0"/>
-                  <a:t>Repeat </a:t>
-                </a:r>
-                <a:r>
-                  <a:rPr lang="de-DE" sz="1200" dirty="0" err="1" smtClean="0"/>
-                  <a:t>with</a:t>
-                </a:r>
-                <a:r>
-                  <a:rPr lang="de-DE" sz="1200" dirty="0" smtClean="0"/>
-                  <a:t> 5 different </a:t>
-                </a:r>
-                <a:r>
-                  <a:rPr lang="de-DE" sz="1200" dirty="0" err="1" smtClean="0"/>
-                  <a:t>seeds</a:t>
-                </a:r>
-                <a:endParaRPr lang="en-GB" sz="1200" dirty="0"/>
-              </a:p>
-            </p:txBody>
-          </p:sp>
-          <p:cxnSp>
-            <p:nvCxnSpPr>
-              <p:cNvPr id="154" name="Gerader Verbinder 153"/>
-              <p:cNvCxnSpPr>
-                <a:stCxn id="79" idx="3"/>
-                <a:endCxn id="77" idx="1"/>
-              </p:cNvCxnSpPr>
-              <p:nvPr/>
-            </p:nvCxnSpPr>
-            <p:spPr>
-              <a:xfrm>
-                <a:off x="1972475" y="5208484"/>
-                <a:ext cx="497552" cy="4272"/>
-              </a:xfrm>
-              <a:prstGeom prst="line">
-                <a:avLst/>
-              </a:prstGeom>
-              <a:ln>
-                <a:solidFill>
-                  <a:schemeClr val="accent1">
-                    <a:lumMod val="50000"/>
-                  </a:schemeClr>
-                </a:solidFill>
-              </a:ln>
-            </p:spPr>
-            <p:style>
-              <a:lnRef idx="1">
-                <a:schemeClr val="accent1"/>
-              </a:lnRef>
-              <a:fillRef idx="0">
-                <a:schemeClr val="accent1"/>
-              </a:fillRef>
-              <a:effectRef idx="0">
-                <a:schemeClr val="accent1"/>
-              </a:effectRef>
-              <a:fontRef idx="minor">
-                <a:schemeClr val="tx1"/>
-              </a:fontRef>
-            </p:style>
-          </p:cxnSp>
-          <p:cxnSp>
-            <p:nvCxnSpPr>
-              <p:cNvPr id="158" name="Gerader Verbinder 157"/>
-              <p:cNvCxnSpPr>
-                <a:stCxn id="10" idx="3"/>
-                <a:endCxn id="5" idx="1"/>
-              </p:cNvCxnSpPr>
-              <p:nvPr/>
-            </p:nvCxnSpPr>
-            <p:spPr>
-              <a:xfrm flipV="1">
-                <a:off x="2013180" y="927112"/>
-                <a:ext cx="464097" cy="2803"/>
-              </a:xfrm>
-              <a:prstGeom prst="line">
-                <a:avLst/>
-              </a:prstGeom>
-              <a:ln>
-                <a:solidFill>
-                  <a:schemeClr val="accent1">
-                    <a:lumMod val="50000"/>
-                  </a:schemeClr>
-                </a:solidFill>
-              </a:ln>
-            </p:spPr>
-            <p:style>
-              <a:lnRef idx="1">
-                <a:schemeClr val="accent1"/>
-              </a:lnRef>
-              <a:fillRef idx="0">
-                <a:schemeClr val="accent1"/>
-              </a:fillRef>
-              <a:effectRef idx="0">
-                <a:schemeClr val="accent1"/>
-              </a:effectRef>
-              <a:fontRef idx="minor">
-                <a:schemeClr val="tx1"/>
-              </a:fontRef>
-            </p:style>
-          </p:cxnSp>
-          <p:cxnSp>
-            <p:nvCxnSpPr>
-              <p:cNvPr id="179" name="Gewinkelter Verbinder 178"/>
-              <p:cNvCxnSpPr>
-                <a:stCxn id="133" idx="2"/>
-                <a:endCxn id="137" idx="1"/>
-              </p:cNvCxnSpPr>
-              <p:nvPr/>
-            </p:nvCxnSpPr>
-            <p:spPr>
-              <a:xfrm rot="16200000" flipH="1">
-                <a:off x="8924838" y="4342652"/>
-                <a:ext cx="139317" cy="2288967"/>
-              </a:xfrm>
-              <a:prstGeom prst="bentConnector2">
-                <a:avLst/>
-              </a:prstGeom>
-              <a:ln>
-                <a:solidFill>
-                  <a:schemeClr val="accent1">
-                    <a:lumMod val="50000"/>
-                  </a:schemeClr>
-                </a:solidFill>
-              </a:ln>
-            </p:spPr>
-            <p:style>
-              <a:lnRef idx="1">
-                <a:schemeClr val="accent1"/>
-              </a:lnRef>
-              <a:fillRef idx="0">
-                <a:schemeClr val="accent1"/>
-              </a:fillRef>
-              <a:effectRef idx="0">
-                <a:schemeClr val="accent1"/>
-              </a:effectRef>
-              <a:fontRef idx="minor">
-                <a:schemeClr val="tx1"/>
-              </a:fontRef>
-            </p:style>
-          </p:cxnSp>
         </p:grpSp>
         <p:sp>
           <p:nvSpPr>
-            <p:cNvPr id="38" name="Abgerundetes Rechteck 37"/>
+            <p:cNvPr id="133" name="Rechteck 132"/>
             <p:cNvSpPr/>
             <p:nvPr/>
           </p:nvSpPr>
           <p:spPr>
             <a:xfrm>
-              <a:off x="130848" y="76181"/>
-              <a:ext cx="11883352" cy="6781819"/>
+              <a:off x="6445755" y="5021478"/>
+              <a:ext cx="2808515" cy="396000"/>
             </a:xfrm>
-            <a:prstGeom prst="roundRect">
+            <a:prstGeom prst="rect">
               <a:avLst/>
             </a:prstGeom>
-            <a:noFill/>
-            <a:ln>
-              <a:prstDash val="solid"/>
-            </a:ln>
+            <a:solidFill>
+              <a:schemeClr val="accent4">
+                <a:lumMod val="40000"/>
+                <a:lumOff val="60000"/>
+              </a:schemeClr>
+            </a:solidFill>
           </p:spPr>
           <p:style>
             <a:lnRef idx="2">
@@ -5548,120 +4863,408 @@
             <a:lstStyle/>
             <a:p>
               <a:pPr algn="ctr"/>
-              <a:endParaRPr lang="en-GB"/>
-            </a:p>
-          </p:txBody>
-        </p:sp>
-        <p:sp>
-          <p:nvSpPr>
-            <p:cNvPr id="39" name="Textfeld 38"/>
-            <p:cNvSpPr txBox="1"/>
-            <p:nvPr/>
-          </p:nvSpPr>
-          <p:spPr>
-            <a:xfrm>
-              <a:off x="7247885" y="6463968"/>
-              <a:ext cx="2247900" cy="369332"/>
-            </a:xfrm>
-            <a:prstGeom prst="rect">
-              <a:avLst/>
-            </a:prstGeom>
-            <a:noFill/>
-          </p:spPr>
-          <p:txBody>
-            <a:bodyPr wrap="square" rtlCol="0">
-              <a:spAutoFit/>
-            </a:bodyPr>
-            <a:lstStyle/>
-            <a:p>
-              <a:r>
-                <a:rPr lang="de-DE" dirty="0" smtClean="0">
-                  <a:solidFill>
-                    <a:schemeClr val="accent1">
-                      <a:lumMod val="50000"/>
-                    </a:schemeClr>
-                  </a:solidFill>
-                </a:rPr>
-                <a:t>Model </a:t>
-              </a:r>
-              <a:r>
-                <a:rPr lang="de-DE" dirty="0" err="1" smtClean="0">
-                  <a:solidFill>
-                    <a:schemeClr val="accent1">
-                      <a:lumMod val="50000"/>
-                    </a:schemeClr>
-                  </a:solidFill>
-                </a:rPr>
-                <a:t>evaluation</a:t>
-              </a:r>
-              <a:endParaRPr lang="en-GB" dirty="0">
-                <a:solidFill>
-                  <a:schemeClr val="accent1">
-                    <a:lumMod val="50000"/>
-                  </a:schemeClr>
+              <a:r>
+                <a:rPr lang="de-DE" sz="1200" dirty="0" err="1">
+                  <a:solidFill>
+                    <a:schemeClr val="tx1"/>
+                  </a:solidFill>
+                </a:rPr>
+                <a:t>Calculate</a:t>
+              </a:r>
+              <a:r>
+                <a:rPr lang="de-DE" sz="1200" dirty="0">
+                  <a:solidFill>
+                    <a:schemeClr val="tx1"/>
+                  </a:solidFill>
+                </a:rPr>
+                <a:t> </a:t>
+              </a:r>
+              <a:r>
+                <a:rPr lang="de-DE" sz="1200" dirty="0" err="1">
+                  <a:solidFill>
+                    <a:schemeClr val="tx1"/>
+                  </a:solidFill>
+                </a:rPr>
+                <a:t>test.AUC</a:t>
+              </a:r>
+              <a:endParaRPr lang="en-GB" sz="1200" dirty="0">
+                <a:solidFill>
+                  <a:schemeClr val="tx1"/>
                 </a:solidFill>
               </a:endParaRPr>
             </a:p>
           </p:txBody>
         </p:sp>
+        <p:cxnSp>
+          <p:nvCxnSpPr>
+            <p:cNvPr id="154" name="Gerader Verbinder 153"/>
+            <p:cNvCxnSpPr>
+              <a:cxnSpLocks/>
+              <a:stCxn id="79" idx="3"/>
+              <a:endCxn id="77" idx="1"/>
+            </p:cNvCxnSpPr>
+            <p:nvPr/>
+          </p:nvCxnSpPr>
+          <p:spPr>
+            <a:xfrm>
+              <a:off x="1972475" y="5211798"/>
+              <a:ext cx="497552" cy="958"/>
+            </a:xfrm>
+            <a:prstGeom prst="line">
+              <a:avLst/>
+            </a:prstGeom>
+            <a:ln>
+              <a:solidFill>
+                <a:schemeClr val="accent1">
+                  <a:lumMod val="50000"/>
+                </a:schemeClr>
+              </a:solidFill>
+            </a:ln>
+          </p:spPr>
+          <p:style>
+            <a:lnRef idx="1">
+              <a:schemeClr val="accent1"/>
+            </a:lnRef>
+            <a:fillRef idx="0">
+              <a:schemeClr val="accent1"/>
+            </a:fillRef>
+            <a:effectRef idx="0">
+              <a:schemeClr val="accent1"/>
+            </a:effectRef>
+            <a:fontRef idx="minor">
+              <a:schemeClr val="tx1"/>
+            </a:fontRef>
+          </p:style>
+        </p:cxnSp>
+        <p:cxnSp>
+          <p:nvCxnSpPr>
+            <p:cNvPr id="158" name="Gerader Verbinder 157"/>
+            <p:cNvCxnSpPr>
+              <a:stCxn id="10" idx="3"/>
+              <a:endCxn id="5" idx="1"/>
+            </p:cNvCxnSpPr>
+            <p:nvPr/>
+          </p:nvCxnSpPr>
+          <p:spPr>
+            <a:xfrm>
+              <a:off x="2013180" y="690350"/>
+              <a:ext cx="464097" cy="236762"/>
+            </a:xfrm>
+            <a:prstGeom prst="line">
+              <a:avLst/>
+            </a:prstGeom>
+            <a:ln>
+              <a:solidFill>
+                <a:schemeClr val="accent1">
+                  <a:lumMod val="50000"/>
+                </a:schemeClr>
+              </a:solidFill>
+            </a:ln>
+          </p:spPr>
+          <p:style>
+            <a:lnRef idx="1">
+              <a:schemeClr val="accent1"/>
+            </a:lnRef>
+            <a:fillRef idx="0">
+              <a:schemeClr val="accent1"/>
+            </a:fillRef>
+            <a:effectRef idx="0">
+              <a:schemeClr val="accent1"/>
+            </a:effectRef>
+            <a:fontRef idx="minor">
+              <a:schemeClr val="tx1"/>
+            </a:fontRef>
+          </p:style>
+        </p:cxnSp>
       </p:grpSp>
-      <p:cxnSp>
-        <p:nvCxnSpPr>
-          <p:cNvPr id="43" name="Gerader Verbinder 42"/>
-          <p:cNvCxnSpPr>
-            <a:stCxn id="46" idx="3"/>
-          </p:cNvCxnSpPr>
+      <p:sp>
+        <p:nvSpPr>
+          <p:cNvPr id="38" name="Abgerundetes Rechteck 37"/>
+          <p:cNvSpPr/>
           <p:nvPr/>
-        </p:nvCxnSpPr>
+        </p:nvSpPr>
         <p:spPr>
-          <a:xfrm flipV="1">
-            <a:off x="1951037" y="3705479"/>
-            <a:ext cx="947409" cy="5297"/>
+          <a:xfrm>
+            <a:off x="596766" y="1298194"/>
+            <a:ext cx="10674409" cy="5534867"/>
           </a:xfrm>
-          <a:prstGeom prst="line">
+          <a:prstGeom prst="roundRect">
             <a:avLst/>
           </a:prstGeom>
+          <a:noFill/>
           <a:ln>
-            <a:solidFill>
-              <a:schemeClr val="accent1">
-                <a:lumMod val="50000"/>
-              </a:schemeClr>
-            </a:solidFill>
+            <a:prstDash val="solid"/>
           </a:ln>
         </p:spPr>
         <p:style>
-          <a:lnRef idx="1">
-            <a:schemeClr val="accent1"/>
+          <a:lnRef idx="2">
+            <a:schemeClr val="accent1">
+              <a:shade val="50000"/>
+            </a:schemeClr>
           </a:lnRef>
-          <a:fillRef idx="0">
+          <a:fillRef idx="1">
             <a:schemeClr val="accent1"/>
           </a:fillRef>
           <a:effectRef idx="0">
             <a:schemeClr val="accent1"/>
           </a:effectRef>
           <a:fontRef idx="minor">
-            <a:schemeClr val="tx1"/>
+            <a:schemeClr val="lt1"/>
           </a:fontRef>
         </p:style>
-      </p:cxnSp>
-      <p:sp>
-        <p:nvSpPr>
-          <p:cNvPr id="46" name="Abgerundetes Rechteck 45"/>
+        <p:txBody>
+          <a:bodyPr rtlCol="0" anchor="ctr"/>
+          <a:lstStyle/>
+          <a:p>
+            <a:pPr algn="ctr"/>
+            <a:endParaRPr lang="en-GB"/>
+          </a:p>
+        </p:txBody>
+      </p:sp>
+      <p:sp>
+        <p:nvSpPr>
+          <p:cNvPr id="39" name="Textfeld 38"/>
+          <p:cNvSpPr txBox="1"/>
+          <p:nvPr/>
+        </p:nvSpPr>
+        <p:spPr>
+          <a:xfrm>
+            <a:off x="7845462" y="6097015"/>
+            <a:ext cx="2247900" cy="646331"/>
+          </a:xfrm>
+          <a:prstGeom prst="rect">
+            <a:avLst/>
+          </a:prstGeom>
+          <a:noFill/>
+        </p:spPr>
+        <p:txBody>
+          <a:bodyPr wrap="square" rtlCol="0">
+            <a:spAutoFit/>
+          </a:bodyPr>
+          <a:lstStyle/>
+          <a:p>
+            <a:pPr algn="ctr"/>
+            <a:r>
+              <a:rPr lang="de-DE" dirty="0">
+                <a:solidFill>
+                  <a:schemeClr val="accent1">
+                    <a:lumMod val="50000"/>
+                  </a:schemeClr>
+                </a:solidFill>
+              </a:rPr>
+              <a:t>Outer Loop </a:t>
+            </a:r>
+          </a:p>
+          <a:p>
+            <a:pPr algn="ctr"/>
+            <a:r>
+              <a:rPr lang="de-DE" dirty="0">
+                <a:solidFill>
+                  <a:schemeClr val="accent1">
+                    <a:lumMod val="50000"/>
+                  </a:schemeClr>
+                </a:solidFill>
+              </a:rPr>
+              <a:t>(Model </a:t>
+            </a:r>
+            <a:r>
+              <a:rPr lang="de-DE" dirty="0" err="1">
+                <a:solidFill>
+                  <a:schemeClr val="accent1">
+                    <a:lumMod val="50000"/>
+                  </a:schemeClr>
+                </a:solidFill>
+              </a:rPr>
+              <a:t>evaluation</a:t>
+            </a:r>
+            <a:r>
+              <a:rPr lang="de-DE" dirty="0">
+                <a:solidFill>
+                  <a:schemeClr val="accent1">
+                    <a:lumMod val="50000"/>
+                  </a:schemeClr>
+                </a:solidFill>
+              </a:rPr>
+              <a:t>)</a:t>
+            </a:r>
+            <a:endParaRPr lang="en-GB" dirty="0">
+              <a:solidFill>
+                <a:schemeClr val="accent1">
+                  <a:lumMod val="50000"/>
+                </a:schemeClr>
+              </a:solidFill>
+            </a:endParaRPr>
+          </a:p>
+        </p:txBody>
+      </p:sp>
+      <p:sp>
+        <p:nvSpPr>
+          <p:cNvPr id="45" name="Textfeld 44">
+            <a:extLst>
+              <a:ext uri="{FF2B5EF4-FFF2-40B4-BE49-F238E27FC236}">
+                <a16:creationId xmlns:a16="http://schemas.microsoft.com/office/drawing/2014/main" id="{164D7D52-6B4C-4E2A-8D16-C6F1A0ED66C8}"/>
+              </a:ext>
+            </a:extLst>
+          </p:cNvPr>
+          <p:cNvSpPr txBox="1"/>
+          <p:nvPr/>
+        </p:nvSpPr>
+        <p:spPr>
+          <a:xfrm>
+            <a:off x="4186004" y="2493073"/>
+            <a:ext cx="702231" cy="276999"/>
+          </a:xfrm>
+          <a:prstGeom prst="rect">
+            <a:avLst/>
+          </a:prstGeom>
+          <a:noFill/>
+        </p:spPr>
+        <p:txBody>
+          <a:bodyPr wrap="square" rtlCol="0">
+            <a:spAutoFit/>
+          </a:bodyPr>
+          <a:lstStyle/>
+          <a:p>
+            <a:r>
+              <a:rPr lang="de-DE" sz="1200" b="1" dirty="0"/>
+              <a:t>90%</a:t>
+            </a:r>
+            <a:endParaRPr lang="en-GB" sz="1200" b="1" dirty="0"/>
+          </a:p>
+        </p:txBody>
+      </p:sp>
+      <p:sp>
+        <p:nvSpPr>
+          <p:cNvPr id="47" name="Textfeld 46">
+            <a:extLst>
+              <a:ext uri="{FF2B5EF4-FFF2-40B4-BE49-F238E27FC236}">
+                <a16:creationId xmlns:a16="http://schemas.microsoft.com/office/drawing/2014/main" id="{61E33C79-7827-49D9-8F2D-DC1EADCC9808}"/>
+              </a:ext>
+            </a:extLst>
+          </p:cNvPr>
+          <p:cNvSpPr txBox="1"/>
+          <p:nvPr/>
+        </p:nvSpPr>
+        <p:spPr>
+          <a:xfrm>
+            <a:off x="5578749" y="2525732"/>
+            <a:ext cx="702231" cy="276999"/>
+          </a:xfrm>
+          <a:prstGeom prst="rect">
+            <a:avLst/>
+          </a:prstGeom>
+          <a:noFill/>
+        </p:spPr>
+        <p:txBody>
+          <a:bodyPr wrap="square" rtlCol="0">
+            <a:spAutoFit/>
+          </a:bodyPr>
+          <a:lstStyle/>
+          <a:p>
+            <a:r>
+              <a:rPr lang="de-DE" sz="1200" b="1" dirty="0"/>
+              <a:t>10%</a:t>
+            </a:r>
+            <a:endParaRPr lang="en-GB" sz="1200" b="1" dirty="0"/>
+          </a:p>
+        </p:txBody>
+      </p:sp>
+      <p:sp>
+        <p:nvSpPr>
+          <p:cNvPr id="48" name="Textfeld 47">
+            <a:extLst>
+              <a:ext uri="{FF2B5EF4-FFF2-40B4-BE49-F238E27FC236}">
+                <a16:creationId xmlns:a16="http://schemas.microsoft.com/office/drawing/2014/main" id="{27B4CF7B-2BA2-4565-B4E3-8F9DF657002A}"/>
+              </a:ext>
+            </a:extLst>
+          </p:cNvPr>
+          <p:cNvSpPr txBox="1"/>
+          <p:nvPr/>
+        </p:nvSpPr>
+        <p:spPr>
+          <a:xfrm>
+            <a:off x="3213213" y="6143781"/>
+            <a:ext cx="860474" cy="276999"/>
+          </a:xfrm>
+          <a:prstGeom prst="rect">
+            <a:avLst/>
+          </a:prstGeom>
+          <a:noFill/>
+        </p:spPr>
+        <p:txBody>
+          <a:bodyPr wrap="square" rtlCol="0">
+            <a:spAutoFit/>
+          </a:bodyPr>
+          <a:lstStyle/>
+          <a:p>
+            <a:r>
+              <a:rPr lang="de-DE" sz="1200" b="1" dirty="0"/>
+              <a:t>Repeat 5x</a:t>
+            </a:r>
+            <a:endParaRPr lang="en-GB" sz="1200" b="1" dirty="0"/>
+          </a:p>
+        </p:txBody>
+      </p:sp>
+      <p:sp>
+        <p:nvSpPr>
+          <p:cNvPr id="49" name="Textfeld 48">
+            <a:extLst>
+              <a:ext uri="{FF2B5EF4-FFF2-40B4-BE49-F238E27FC236}">
+                <a16:creationId xmlns:a16="http://schemas.microsoft.com/office/drawing/2014/main" id="{020DEF85-5813-4168-B9F6-AAC48F500A5E}"/>
+              </a:ext>
+            </a:extLst>
+          </p:cNvPr>
+          <p:cNvSpPr txBox="1"/>
+          <p:nvPr/>
+        </p:nvSpPr>
+        <p:spPr>
+          <a:xfrm>
+            <a:off x="1698052" y="6503450"/>
+            <a:ext cx="974878" cy="276999"/>
+          </a:xfrm>
+          <a:prstGeom prst="rect">
+            <a:avLst/>
+          </a:prstGeom>
+          <a:noFill/>
+        </p:spPr>
+        <p:txBody>
+          <a:bodyPr wrap="square" rtlCol="0">
+            <a:spAutoFit/>
+          </a:bodyPr>
+          <a:lstStyle/>
+          <a:p>
+            <a:r>
+              <a:rPr lang="de-DE" sz="1200" b="1" dirty="0"/>
+              <a:t>Repeat 10x</a:t>
+            </a:r>
+            <a:endParaRPr lang="en-GB" sz="1200" b="1" dirty="0"/>
+          </a:p>
+        </p:txBody>
+      </p:sp>
+      <p:sp>
+        <p:nvSpPr>
+          <p:cNvPr id="53" name="Rechteck 52">
+            <a:extLst>
+              <a:ext uri="{FF2B5EF4-FFF2-40B4-BE49-F238E27FC236}">
+                <a16:creationId xmlns:a16="http://schemas.microsoft.com/office/drawing/2014/main" id="{78F8A384-914A-46BF-B3B3-E97A1A3479A8}"/>
+              </a:ext>
+            </a:extLst>
+          </p:cNvPr>
           <p:cNvSpPr/>
           <p:nvPr/>
         </p:nvSpPr>
         <p:spPr>
           <a:xfrm>
-            <a:off x="468793" y="3441132"/>
-            <a:ext cx="1482244" cy="539287"/>
+            <a:off x="3532545" y="1383554"/>
+            <a:ext cx="2808515" cy="438223"/>
           </a:xfrm>
-          <a:prstGeom prst="roundRect">
+          <a:prstGeom prst="rect">
             <a:avLst/>
           </a:prstGeom>
           <a:solidFill>
-            <a:schemeClr val="bg1">
-              <a:lumMod val="95000"/>
-              <a:alpha val="70000"/>
+            <a:schemeClr val="accent1">
+              <a:lumMod val="20000"/>
+              <a:lumOff val="80000"/>
             </a:schemeClr>
           </a:solidFill>
         </p:spPr>
@@ -5685,39 +5288,129 @@
           <a:bodyPr rtlCol="0" anchor="ctr"/>
           <a:lstStyle/>
           <a:p>
-            <a:pPr marL="171450" indent="-171450" algn="ctr">
-              <a:buFont typeface="Wingdings" panose="05000000000000000000" pitchFamily="2" charset="2"/>
-              <a:buChar char="Ø"/>
-            </a:pPr>
-            <a:endParaRPr lang="de-DE" sz="1100" b="1" dirty="0" smtClean="0">
+            <a:pPr algn="ctr"/>
+            <a:r>
+              <a:rPr lang="de-DE" sz="1200" dirty="0">
+                <a:solidFill>
+                  <a:schemeClr val="tx1"/>
+                </a:solidFill>
+              </a:rPr>
+              <a:t>Split </a:t>
+            </a:r>
+            <a:r>
+              <a:rPr lang="de-DE" sz="1200" dirty="0" err="1">
+                <a:solidFill>
+                  <a:schemeClr val="tx1"/>
+                </a:solidFill>
+              </a:rPr>
+              <a:t>data</a:t>
+            </a:r>
+            <a:r>
+              <a:rPr lang="de-DE" sz="1200" dirty="0">
+                <a:solidFill>
+                  <a:schemeClr val="tx1"/>
+                </a:solidFill>
+              </a:rPr>
+              <a:t> </a:t>
+            </a:r>
+            <a:r>
+              <a:rPr lang="de-DE" sz="1200" dirty="0" err="1">
+                <a:solidFill>
+                  <a:schemeClr val="tx1"/>
+                </a:solidFill>
+              </a:rPr>
+              <a:t>into</a:t>
+            </a:r>
+            <a:r>
+              <a:rPr lang="de-DE" sz="1200" dirty="0">
+                <a:solidFill>
+                  <a:schemeClr val="tx1"/>
+                </a:solidFill>
+              </a:rPr>
+              <a:t> </a:t>
+            </a:r>
+            <a:r>
+              <a:rPr lang="de-DE" sz="1200" dirty="0" err="1">
+                <a:solidFill>
+                  <a:schemeClr val="tx1"/>
+                </a:solidFill>
+              </a:rPr>
+              <a:t>training</a:t>
+            </a:r>
+            <a:r>
+              <a:rPr lang="de-DE" sz="1200" dirty="0">
+                <a:solidFill>
+                  <a:schemeClr val="tx1"/>
+                </a:solidFill>
+              </a:rPr>
+              <a:t> </a:t>
+            </a:r>
+            <a:r>
+              <a:rPr lang="de-DE" sz="1200" dirty="0" err="1">
+                <a:solidFill>
+                  <a:schemeClr val="tx1"/>
+                </a:solidFill>
+              </a:rPr>
+              <a:t>and</a:t>
+            </a:r>
+            <a:r>
+              <a:rPr lang="de-DE" sz="1200" dirty="0">
+                <a:solidFill>
+                  <a:schemeClr val="tx1"/>
+                </a:solidFill>
+              </a:rPr>
+              <a:t> </a:t>
+            </a:r>
+            <a:r>
+              <a:rPr lang="de-DE" sz="1200" dirty="0" err="1">
+                <a:solidFill>
+                  <a:schemeClr val="tx1"/>
+                </a:solidFill>
+              </a:rPr>
+              <a:t>validation</a:t>
+            </a:r>
+            <a:r>
+              <a:rPr lang="de-DE" sz="1200" dirty="0">
+                <a:solidFill>
+                  <a:schemeClr val="tx1"/>
+                </a:solidFill>
+              </a:rPr>
+              <a:t> </a:t>
+            </a:r>
+            <a:r>
+              <a:rPr lang="de-DE" sz="1200" dirty="0" err="1">
+                <a:solidFill>
+                  <a:schemeClr val="tx1"/>
+                </a:solidFill>
+              </a:rPr>
+              <a:t>set</a:t>
+            </a:r>
+            <a:endParaRPr lang="en-GB" sz="1200" dirty="0">
               <a:solidFill>
                 <a:schemeClr val="tx1"/>
               </a:solidFill>
             </a:endParaRPr>
           </a:p>
           <a:p>
-            <a:pPr marL="285750" indent="-285750">
-              <a:buFont typeface="Wingdings" panose="05000000000000000000" pitchFamily="2" charset="2"/>
-              <a:buChar char="§"/>
-            </a:pPr>
-            <a:r>
-              <a:rPr lang="de-DE" sz="1100" dirty="0" smtClean="0">
+            <a:pPr algn="ctr"/>
+            <a:r>
+              <a:rPr lang="de-DE" sz="1200" dirty="0">
                 <a:solidFill>
                   <a:schemeClr val="tx1"/>
                 </a:solidFill>
               </a:rPr>
-              <a:t>Bootstrapping </a:t>
-            </a:r>
-            <a:r>
-              <a:rPr lang="de-DE" sz="1100" dirty="0" err="1" smtClean="0">
+              <a:t> k=10 </a:t>
+            </a:r>
+            <a:r>
+              <a:rPr lang="de-DE" sz="1200" dirty="0" err="1">
                 <a:solidFill>
                   <a:schemeClr val="tx1"/>
                 </a:solidFill>
               </a:rPr>
-              <a:t>to</a:t>
-            </a:r>
-            <a:r>
-              <a:rPr lang="de-DE" sz="1100" dirty="0" smtClean="0">
+              <a:t>times</a:t>
+            </a:r>
+            <a:r>
+              <a:rPr lang="de-DE" sz="1200" dirty="0">
                 <a:solidFill>
                   <a:schemeClr val="tx1"/>
                 </a:solidFill>
@@ -5725,15 +5418,15 @@
               <a:t> </a:t>
             </a:r>
             <a:r>
-              <a:rPr lang="de-DE" sz="1100" dirty="0" err="1" smtClean="0">
+              <a:rPr lang="de-DE" sz="1200" dirty="0" err="1">
                 <a:solidFill>
                   <a:schemeClr val="tx1"/>
                 </a:solidFill>
               </a:rPr>
-              <a:t>test</a:t>
-            </a:r>
-            <a:r>
-              <a:rPr lang="de-DE" sz="1100" dirty="0" smtClean="0">
+              <a:t>for</a:t>
+            </a:r>
+            <a:r>
+              <a:rPr lang="de-DE" sz="1200" dirty="0">
                 <a:solidFill>
                   <a:schemeClr val="tx1"/>
                 </a:solidFill>
@@ -5741,57 +5434,126 @@
               <a:t> </a:t>
             </a:r>
             <a:r>
-              <a:rPr lang="de-DE" sz="1100" dirty="0" err="1" smtClean="0">
+              <a:rPr lang="de-DE" sz="1200" dirty="0" err="1">
                 <a:solidFill>
                   <a:schemeClr val="tx1"/>
                 </a:solidFill>
               </a:rPr>
-              <a:t>stability</a:t>
-            </a:r>
-            <a:r>
-              <a:rPr lang="de-DE" sz="1100" dirty="0" smtClean="0">
+              <a:t>repeated</a:t>
+            </a:r>
+            <a:r>
+              <a:rPr lang="de-DE" sz="1200" dirty="0">
                 <a:solidFill>
                   <a:schemeClr val="tx1"/>
                 </a:solidFill>
               </a:rPr>
-              <a:t> </a:t>
-            </a:r>
-            <a:r>
-              <a:rPr lang="de-DE" sz="1100" dirty="0" err="1" smtClean="0">
+              <a:t> k-</a:t>
+            </a:r>
+            <a:r>
+              <a:rPr lang="de-DE" sz="1200" dirty="0" err="1">
                 <a:solidFill>
                   <a:schemeClr val="tx1"/>
                 </a:solidFill>
               </a:rPr>
-              <a:t>of</a:t>
-            </a:r>
-            <a:r>
-              <a:rPr lang="de-DE" sz="1100" dirty="0" smtClean="0">
+              <a:t>fold</a:t>
+            </a:r>
+            <a:r>
+              <a:rPr lang="de-DE" sz="1200" dirty="0">
                 <a:solidFill>
                   <a:schemeClr val="tx1"/>
                 </a:solidFill>
               </a:rPr>
-              <a:t> </a:t>
-            </a:r>
-            <a:r>
-              <a:rPr lang="de-DE" sz="1100" dirty="0" err="1" smtClean="0">
-                <a:solidFill>
-                  <a:schemeClr val="tx1"/>
-                </a:solidFill>
-              </a:rPr>
-              <a:t>features</a:t>
-            </a:r>
-            <a:endParaRPr lang="de-DE" sz="1100" dirty="0" smtClean="0">
+              <a:t> cv</a:t>
+            </a:r>
+            <a:endParaRPr lang="en-GB" sz="1200" dirty="0">
               <a:solidFill>
                 <a:schemeClr val="tx1"/>
               </a:solidFill>
             </a:endParaRPr>
           </a:p>
-          <a:p>
-            <a:pPr marL="285750" indent="-285750" algn="ctr">
-              <a:buFont typeface="Wingdings" panose="05000000000000000000" pitchFamily="2" charset="2"/>
-              <a:buChar char="Ø"/>
-            </a:pPr>
-            <a:endParaRPr lang="en-GB" sz="1400" dirty="0">
+        </p:txBody>
+      </p:sp>
+      <p:sp>
+        <p:nvSpPr>
+          <p:cNvPr id="55" name="Rechteck 54">
+            <a:extLst>
+              <a:ext uri="{FF2B5EF4-FFF2-40B4-BE49-F238E27FC236}">
+                <a16:creationId xmlns:a16="http://schemas.microsoft.com/office/drawing/2014/main" id="{365C2C4C-A9DE-4BFF-BC29-96B84BDD8F46}"/>
+              </a:ext>
+            </a:extLst>
+          </p:cNvPr>
+          <p:cNvSpPr/>
+          <p:nvPr/>
+        </p:nvSpPr>
+        <p:spPr>
+          <a:xfrm>
+            <a:off x="4986393" y="5618981"/>
+            <a:ext cx="1260000" cy="382555"/>
+          </a:xfrm>
+          <a:prstGeom prst="rect">
+            <a:avLst/>
+          </a:prstGeom>
+          <a:solidFill>
+            <a:schemeClr val="accent4">
+              <a:lumMod val="40000"/>
+              <a:lumOff val="60000"/>
+            </a:schemeClr>
+          </a:solidFill>
+        </p:spPr>
+        <p:style>
+          <a:lnRef idx="2">
+            <a:schemeClr val="accent1">
+              <a:shade val="50000"/>
+            </a:schemeClr>
+          </a:lnRef>
+          <a:fillRef idx="1">
+            <a:schemeClr val="accent1"/>
+          </a:fillRef>
+          <a:effectRef idx="0">
+            <a:schemeClr val="accent1"/>
+          </a:effectRef>
+          <a:fontRef idx="minor">
+            <a:schemeClr val="lt1"/>
+          </a:fontRef>
+        </p:style>
+        <p:txBody>
+          <a:bodyPr rtlCol="0" anchor="ctr"/>
+          <a:lstStyle/>
+          <a:p>
+            <a:pPr algn="ctr"/>
+            <a:r>
+              <a:rPr lang="de-DE" sz="1200" dirty="0" err="1">
+                <a:solidFill>
+                  <a:schemeClr val="tx1"/>
+                </a:solidFill>
+              </a:rPr>
+              <a:t>Calculate</a:t>
+            </a:r>
+            <a:r>
+              <a:rPr lang="de-DE" sz="1200" dirty="0">
+                <a:solidFill>
+                  <a:schemeClr val="tx1"/>
+                </a:solidFill>
+              </a:rPr>
+              <a:t> </a:t>
+            </a:r>
+            <a:r>
+              <a:rPr lang="de-DE" sz="1200" dirty="0" err="1">
+                <a:solidFill>
+                  <a:schemeClr val="tx1"/>
+                </a:solidFill>
+              </a:rPr>
+              <a:t>cv.train.AUC</a:t>
+            </a:r>
+            <a:r>
+              <a:rPr lang="de-DE" sz="1200" dirty="0">
+                <a:solidFill>
+                  <a:schemeClr val="tx1"/>
+                </a:solidFill>
+              </a:rPr>
+              <a:t> </a:t>
+            </a:r>
+            <a:endParaRPr lang="en-GB" sz="1200" dirty="0">
               <a:solidFill>
                 <a:schemeClr val="tx1"/>
               </a:solidFill>
@@ -5799,6 +5561,190 @@
           </a:p>
         </p:txBody>
       </p:sp>
+      <p:sp>
+        <p:nvSpPr>
+          <p:cNvPr id="56" name="Rechteck 55">
+            <a:extLst>
+              <a:ext uri="{FF2B5EF4-FFF2-40B4-BE49-F238E27FC236}">
+                <a16:creationId xmlns:a16="http://schemas.microsoft.com/office/drawing/2014/main" id="{88B6E8EA-39E9-49E6-8870-2CAEB544FD08}"/>
+              </a:ext>
+            </a:extLst>
+          </p:cNvPr>
+          <p:cNvSpPr/>
+          <p:nvPr/>
+        </p:nvSpPr>
+        <p:spPr>
+          <a:xfrm>
+            <a:off x="6932940" y="4131318"/>
+            <a:ext cx="1260000" cy="382555"/>
+          </a:xfrm>
+          <a:prstGeom prst="rect">
+            <a:avLst/>
+          </a:prstGeom>
+          <a:solidFill>
+            <a:schemeClr val="accent4">
+              <a:lumMod val="40000"/>
+              <a:lumOff val="60000"/>
+            </a:schemeClr>
+          </a:solidFill>
+        </p:spPr>
+        <p:style>
+          <a:lnRef idx="2">
+            <a:schemeClr val="accent1">
+              <a:shade val="50000"/>
+            </a:schemeClr>
+          </a:lnRef>
+          <a:fillRef idx="1">
+            <a:schemeClr val="accent1"/>
+          </a:fillRef>
+          <a:effectRef idx="0">
+            <a:schemeClr val="accent1"/>
+          </a:effectRef>
+          <a:fontRef idx="minor">
+            <a:schemeClr val="lt1"/>
+          </a:fontRef>
+        </p:style>
+        <p:txBody>
+          <a:bodyPr rtlCol="0" anchor="ctr"/>
+          <a:lstStyle/>
+          <a:p>
+            <a:pPr algn="ctr"/>
+            <a:r>
+              <a:rPr lang="de-DE" sz="1200" dirty="0" err="1">
+                <a:solidFill>
+                  <a:schemeClr val="tx1"/>
+                </a:solidFill>
+              </a:rPr>
+              <a:t>Calculate</a:t>
+            </a:r>
+            <a:r>
+              <a:rPr lang="de-DE" sz="1200" dirty="0">
+                <a:solidFill>
+                  <a:schemeClr val="tx1"/>
+                </a:solidFill>
+              </a:rPr>
+              <a:t> </a:t>
+            </a:r>
+            <a:r>
+              <a:rPr lang="de-DE" sz="1200" dirty="0" err="1">
+                <a:solidFill>
+                  <a:schemeClr val="tx1"/>
+                </a:solidFill>
+              </a:rPr>
+              <a:t>train.AUC</a:t>
+            </a:r>
+            <a:r>
+              <a:rPr lang="de-DE" sz="1200" dirty="0">
+                <a:solidFill>
+                  <a:schemeClr val="tx1"/>
+                </a:solidFill>
+              </a:rPr>
+              <a:t> </a:t>
+            </a:r>
+            <a:endParaRPr lang="en-GB" sz="1200" dirty="0">
+              <a:solidFill>
+                <a:schemeClr val="tx1"/>
+              </a:solidFill>
+            </a:endParaRPr>
+          </a:p>
+        </p:txBody>
+      </p:sp>
+      <p:cxnSp>
+        <p:nvCxnSpPr>
+          <p:cNvPr id="59" name="Gerade Verbindung mit Pfeil 58">
+            <a:extLst>
+              <a:ext uri="{FF2B5EF4-FFF2-40B4-BE49-F238E27FC236}">
+                <a16:creationId xmlns:a16="http://schemas.microsoft.com/office/drawing/2014/main" id="{2568A593-1591-4748-8502-4D69E4639B9D}"/>
+              </a:ext>
+            </a:extLst>
+          </p:cNvPr>
+          <p:cNvCxnSpPr>
+            <a:cxnSpLocks/>
+            <a:stCxn id="61" idx="3"/>
+            <a:endCxn id="56" idx="1"/>
+          </p:cNvCxnSpPr>
+          <p:nvPr/>
+        </p:nvCxnSpPr>
+        <p:spPr>
+          <a:xfrm>
+            <a:off x="6649566" y="4322553"/>
+            <a:ext cx="283374" cy="43"/>
+          </a:xfrm>
+          <a:prstGeom prst="straightConnector1">
+            <a:avLst/>
+          </a:prstGeom>
+          <a:ln>
+            <a:solidFill>
+              <a:schemeClr val="accent1">
+                <a:lumMod val="50000"/>
+              </a:schemeClr>
+            </a:solidFill>
+            <a:tailEnd type="triangle"/>
+          </a:ln>
+        </p:spPr>
+        <p:style>
+          <a:lnRef idx="1">
+            <a:schemeClr val="accent1"/>
+          </a:lnRef>
+          <a:fillRef idx="0">
+            <a:schemeClr val="accent1"/>
+          </a:fillRef>
+          <a:effectRef idx="0">
+            <a:schemeClr val="accent1"/>
+          </a:effectRef>
+          <a:fontRef idx="minor">
+            <a:schemeClr val="tx1"/>
+          </a:fontRef>
+        </p:style>
+      </p:cxnSp>
+      <p:cxnSp>
+        <p:nvCxnSpPr>
+          <p:cNvPr id="64" name="Gerade Verbindung mit Pfeil 63">
+            <a:extLst>
+              <a:ext uri="{FF2B5EF4-FFF2-40B4-BE49-F238E27FC236}">
+                <a16:creationId xmlns:a16="http://schemas.microsoft.com/office/drawing/2014/main" id="{D065C718-6436-4BB7-AE63-7D52209F843F}"/>
+              </a:ext>
+            </a:extLst>
+          </p:cNvPr>
+          <p:cNvCxnSpPr>
+            <a:cxnSpLocks/>
+            <a:stCxn id="66" idx="2"/>
+            <a:endCxn id="55" idx="0"/>
+          </p:cNvCxnSpPr>
+          <p:nvPr/>
+        </p:nvCxnSpPr>
+        <p:spPr>
+          <a:xfrm>
+            <a:off x="5616393" y="5472631"/>
+            <a:ext cx="0" cy="146350"/>
+          </a:xfrm>
+          <a:prstGeom prst="straightConnector1">
+            <a:avLst/>
+          </a:prstGeom>
+          <a:ln>
+            <a:solidFill>
+              <a:schemeClr val="accent1">
+                <a:lumMod val="50000"/>
+              </a:schemeClr>
+            </a:solidFill>
+            <a:tailEnd type="triangle"/>
+          </a:ln>
+        </p:spPr>
+        <p:style>
+          <a:lnRef idx="1">
+            <a:schemeClr val="accent1"/>
+          </a:lnRef>
+          <a:fillRef idx="0">
+            <a:schemeClr val="accent1"/>
+          </a:fillRef>
+          <a:effectRef idx="0">
+            <a:schemeClr val="accent1"/>
+          </a:effectRef>
+          <a:fontRef idx="minor">
+            <a:schemeClr val="tx1"/>
+          </a:fontRef>
+        </p:style>
+      </p:cxnSp>
     </p:spTree>
     <p:extLst>
       <p:ext uri="{BB962C8B-B14F-4D97-AF65-F5344CB8AC3E}">
@@ -5809,13 +5755,6 @@
   <p:clrMapOvr>
     <a:masterClrMapping/>
   </p:clrMapOvr>
-  <p:timing>
-    <p:tnLst>
-      <p:par>
-        <p:cTn id="1" dur="indefinite" restart="never" nodeType="tmRoot"/>
-      </p:par>
-    </p:tnLst>
-  </p:timing>
 </p:sld>
 </file>
 

--- a/Results/Workflow.pptx
+++ b/Results/Workflow.pptx
@@ -5745,6 +5745,126 @@
           </a:fontRef>
         </p:style>
       </p:cxnSp>
+      <p:sp>
+        <p:nvSpPr>
+          <p:cNvPr id="44" name="Rechteck 43">
+            <a:extLst>
+              <a:ext uri="{FF2B5EF4-FFF2-40B4-BE49-F238E27FC236}">
+                <a16:creationId xmlns:a16="http://schemas.microsoft.com/office/drawing/2014/main" id="{9EC2A526-F970-4BCF-99A9-B10A5EC382A2}"/>
+              </a:ext>
+            </a:extLst>
+          </p:cNvPr>
+          <p:cNvSpPr/>
+          <p:nvPr/>
+        </p:nvSpPr>
+        <p:spPr>
+          <a:xfrm>
+            <a:off x="3525600" y="5621712"/>
+            <a:ext cx="1260000" cy="382555"/>
+          </a:xfrm>
+          <a:prstGeom prst="rect">
+            <a:avLst/>
+          </a:prstGeom>
+          <a:solidFill>
+            <a:schemeClr val="accent1">
+              <a:lumMod val="20000"/>
+              <a:lumOff val="80000"/>
+            </a:schemeClr>
+          </a:solidFill>
+        </p:spPr>
+        <p:style>
+          <a:lnRef idx="2">
+            <a:schemeClr val="accent1">
+              <a:shade val="50000"/>
+            </a:schemeClr>
+          </a:lnRef>
+          <a:fillRef idx="1">
+            <a:schemeClr val="accent1"/>
+          </a:fillRef>
+          <a:effectRef idx="0">
+            <a:schemeClr val="accent1"/>
+          </a:effectRef>
+          <a:fontRef idx="minor">
+            <a:schemeClr val="lt1"/>
+          </a:fontRef>
+        </p:style>
+        <p:txBody>
+          <a:bodyPr rtlCol="0" anchor="ctr"/>
+          <a:lstStyle/>
+          <a:p>
+            <a:pPr algn="ctr"/>
+            <a:r>
+              <a:rPr lang="de-DE" sz="1200" dirty="0">
+                <a:solidFill>
+                  <a:schemeClr val="tx1"/>
+                </a:solidFill>
+              </a:rPr>
+              <a:t>Model </a:t>
+            </a:r>
+            <a:r>
+              <a:rPr lang="de-DE" sz="1200" dirty="0" err="1">
+                <a:solidFill>
+                  <a:schemeClr val="tx1"/>
+                </a:solidFill>
+              </a:rPr>
+              <a:t>selection</a:t>
+            </a:r>
+            <a:endParaRPr lang="en-GB" sz="1200" dirty="0">
+              <a:solidFill>
+                <a:schemeClr val="tx1"/>
+              </a:solidFill>
+            </a:endParaRPr>
+          </a:p>
+        </p:txBody>
+      </p:sp>
+      <p:cxnSp>
+        <p:nvCxnSpPr>
+          <p:cNvPr id="46" name="Gerade Verbindung mit Pfeil 45">
+            <a:extLst>
+              <a:ext uri="{FF2B5EF4-FFF2-40B4-BE49-F238E27FC236}">
+                <a16:creationId xmlns:a16="http://schemas.microsoft.com/office/drawing/2014/main" id="{0DC643B9-7352-4792-A063-E02B9CE27437}"/>
+              </a:ext>
+            </a:extLst>
+          </p:cNvPr>
+          <p:cNvCxnSpPr>
+            <a:cxnSpLocks/>
+            <a:stCxn id="55" idx="1"/>
+            <a:endCxn id="44" idx="3"/>
+          </p:cNvCxnSpPr>
+          <p:nvPr/>
+        </p:nvCxnSpPr>
+        <p:spPr>
+          <a:xfrm flipH="1">
+            <a:off x="4785600" y="5810259"/>
+            <a:ext cx="200793" cy="2731"/>
+          </a:xfrm>
+          <a:prstGeom prst="straightConnector1">
+            <a:avLst/>
+          </a:prstGeom>
+          <a:ln>
+            <a:solidFill>
+              <a:schemeClr val="accent1">
+                <a:lumMod val="50000"/>
+              </a:schemeClr>
+            </a:solidFill>
+            <a:tailEnd type="triangle"/>
+          </a:ln>
+        </p:spPr>
+        <p:style>
+          <a:lnRef idx="1">
+            <a:schemeClr val="accent1"/>
+          </a:lnRef>
+          <a:fillRef idx="0">
+            <a:schemeClr val="accent1"/>
+          </a:fillRef>
+          <a:effectRef idx="0">
+            <a:schemeClr val="accent1"/>
+          </a:effectRef>
+          <a:fontRef idx="minor">
+            <a:schemeClr val="tx1"/>
+          </a:fontRef>
+        </p:style>
+      </p:cxnSp>
     </p:spTree>
     <p:extLst>
       <p:ext uri="{BB962C8B-B14F-4D97-AF65-F5344CB8AC3E}">

--- a/Results/Workflow.pptx
+++ b/Results/Workflow.pptx
@@ -243,7 +243,7 @@
           <a:p>
             <a:fld id="{5951FDAD-4017-4F27-99B2-3521059D142D}" type="datetimeFigureOut">
               <a:rPr lang="en-GB" smtClean="0"/>
-              <a:t>25/02/2021</a:t>
+              <a:t>03/03/2021</a:t>
             </a:fld>
             <a:endParaRPr lang="en-GB"/>
           </a:p>
@@ -413,7 +413,7 @@
           <a:p>
             <a:fld id="{5951FDAD-4017-4F27-99B2-3521059D142D}" type="datetimeFigureOut">
               <a:rPr lang="en-GB" smtClean="0"/>
-              <a:t>25/02/2021</a:t>
+              <a:t>03/03/2021</a:t>
             </a:fld>
             <a:endParaRPr lang="en-GB"/>
           </a:p>
@@ -593,7 +593,7 @@
           <a:p>
             <a:fld id="{5951FDAD-4017-4F27-99B2-3521059D142D}" type="datetimeFigureOut">
               <a:rPr lang="en-GB" smtClean="0"/>
-              <a:t>25/02/2021</a:t>
+              <a:t>03/03/2021</a:t>
             </a:fld>
             <a:endParaRPr lang="en-GB"/>
           </a:p>
@@ -763,7 +763,7 @@
           <a:p>
             <a:fld id="{5951FDAD-4017-4F27-99B2-3521059D142D}" type="datetimeFigureOut">
               <a:rPr lang="en-GB" smtClean="0"/>
-              <a:t>25/02/2021</a:t>
+              <a:t>03/03/2021</a:t>
             </a:fld>
             <a:endParaRPr lang="en-GB"/>
           </a:p>
@@ -1009,7 +1009,7 @@
           <a:p>
             <a:fld id="{5951FDAD-4017-4F27-99B2-3521059D142D}" type="datetimeFigureOut">
               <a:rPr lang="en-GB" smtClean="0"/>
-              <a:t>25/02/2021</a:t>
+              <a:t>03/03/2021</a:t>
             </a:fld>
             <a:endParaRPr lang="en-GB"/>
           </a:p>
@@ -1241,7 +1241,7 @@
           <a:p>
             <a:fld id="{5951FDAD-4017-4F27-99B2-3521059D142D}" type="datetimeFigureOut">
               <a:rPr lang="en-GB" smtClean="0"/>
-              <a:t>25/02/2021</a:t>
+              <a:t>03/03/2021</a:t>
             </a:fld>
             <a:endParaRPr lang="en-GB"/>
           </a:p>
@@ -1608,7 +1608,7 @@
           <a:p>
             <a:fld id="{5951FDAD-4017-4F27-99B2-3521059D142D}" type="datetimeFigureOut">
               <a:rPr lang="en-GB" smtClean="0"/>
-              <a:t>25/02/2021</a:t>
+              <a:t>03/03/2021</a:t>
             </a:fld>
             <a:endParaRPr lang="en-GB"/>
           </a:p>
@@ -1726,7 +1726,7 @@
           <a:p>
             <a:fld id="{5951FDAD-4017-4F27-99B2-3521059D142D}" type="datetimeFigureOut">
               <a:rPr lang="en-GB" smtClean="0"/>
-              <a:t>25/02/2021</a:t>
+              <a:t>03/03/2021</a:t>
             </a:fld>
             <a:endParaRPr lang="en-GB"/>
           </a:p>
@@ -1821,7 +1821,7 @@
           <a:p>
             <a:fld id="{5951FDAD-4017-4F27-99B2-3521059D142D}" type="datetimeFigureOut">
               <a:rPr lang="en-GB" smtClean="0"/>
-              <a:t>25/02/2021</a:t>
+              <a:t>03/03/2021</a:t>
             </a:fld>
             <a:endParaRPr lang="en-GB"/>
           </a:p>
@@ -2098,7 +2098,7 @@
           <a:p>
             <a:fld id="{5951FDAD-4017-4F27-99B2-3521059D142D}" type="datetimeFigureOut">
               <a:rPr lang="en-GB" smtClean="0"/>
-              <a:t>25/02/2021</a:t>
+              <a:t>03/03/2021</a:t>
             </a:fld>
             <a:endParaRPr lang="en-GB"/>
           </a:p>
@@ -2351,7 +2351,7 @@
           <a:p>
             <a:fld id="{5951FDAD-4017-4F27-99B2-3521059D142D}" type="datetimeFigureOut">
               <a:rPr lang="en-GB" smtClean="0"/>
-              <a:t>25/02/2021</a:t>
+              <a:t>03/03/2021</a:t>
             </a:fld>
             <a:endParaRPr lang="en-GB"/>
           </a:p>
@@ -2564,7 +2564,7 @@
           <a:p>
             <a:fld id="{5951FDAD-4017-4F27-99B2-3521059D142D}" type="datetimeFigureOut">
               <a:rPr lang="en-GB" smtClean="0"/>
-              <a:t>25/02/2021</a:t>
+              <a:t>03/03/2021</a:t>
             </a:fld>
             <a:endParaRPr lang="en-GB"/>
           </a:p>
@@ -4885,7 +4885,63 @@
                     <a:schemeClr val="tx1"/>
                   </a:solidFill>
                 </a:rPr>
-                <a:t>test.AUC</a:t>
+                <a:t>cv.AUC</a:t>
+              </a:r>
+              <a:r>
+                <a:rPr lang="de-DE" sz="1200" dirty="0">
+                  <a:solidFill>
+                    <a:schemeClr val="tx1"/>
+                  </a:solidFill>
+                </a:rPr>
+                <a:t> </a:t>
+              </a:r>
+              <a:r>
+                <a:rPr lang="de-DE" sz="1200" dirty="0" err="1">
+                  <a:solidFill>
+                    <a:schemeClr val="tx1"/>
+                  </a:solidFill>
+                </a:rPr>
+                <a:t>of</a:t>
+              </a:r>
+              <a:r>
+                <a:rPr lang="de-DE" sz="1200" dirty="0">
+                  <a:solidFill>
+                    <a:schemeClr val="tx1"/>
+                  </a:solidFill>
+                </a:rPr>
+                <a:t> </a:t>
+              </a:r>
+              <a:r>
+                <a:rPr lang="de-DE" sz="1200" dirty="0" err="1">
+                  <a:solidFill>
+                    <a:schemeClr val="tx1"/>
+                  </a:solidFill>
+                </a:rPr>
+                <a:t>the</a:t>
+              </a:r>
+              <a:r>
+                <a:rPr lang="de-DE" sz="1200" dirty="0">
+                  <a:solidFill>
+                    <a:schemeClr val="tx1"/>
+                  </a:solidFill>
+                </a:rPr>
+                <a:t> </a:t>
+              </a:r>
+              <a:r>
+                <a:rPr lang="de-DE" sz="1200" dirty="0" err="1">
+                  <a:solidFill>
+                    <a:schemeClr val="tx1"/>
+                  </a:solidFill>
+                </a:rPr>
+                <a:t>outer</a:t>
+              </a:r>
+              <a:r>
+                <a:rPr lang="de-DE" sz="1200" dirty="0">
+                  <a:solidFill>
+                    <a:schemeClr val="tx1"/>
+                  </a:solidFill>
+                </a:rPr>
+                <a:t> loop</a:t>
               </a:r>
               <a:endParaRPr lang="en-GB" sz="1200" dirty="0">
                 <a:solidFill>
@@ -5543,7 +5599,7 @@
                   <a:schemeClr val="tx1"/>
                 </a:solidFill>
               </a:rPr>
-              <a:t>cv.train.AUC</a:t>
+              <a:t>cv.AUC</a:t>
             </a:r>
             <a:r>
               <a:rPr lang="de-DE" sz="1200" dirty="0">
@@ -5552,6 +5608,54 @@
                 </a:solidFill>
               </a:rPr>
               <a:t> </a:t>
+            </a:r>
+            <a:r>
+              <a:rPr lang="de-DE" sz="1200" dirty="0" err="1">
+                <a:solidFill>
+                  <a:schemeClr val="tx1"/>
+                </a:solidFill>
+              </a:rPr>
+              <a:t>of</a:t>
+            </a:r>
+            <a:r>
+              <a:rPr lang="de-DE" sz="1200" dirty="0">
+                <a:solidFill>
+                  <a:schemeClr val="tx1"/>
+                </a:solidFill>
+              </a:rPr>
+              <a:t> </a:t>
+            </a:r>
+            <a:r>
+              <a:rPr lang="de-DE" sz="1200" dirty="0" err="1">
+                <a:solidFill>
+                  <a:schemeClr val="tx1"/>
+                </a:solidFill>
+              </a:rPr>
+              <a:t>the</a:t>
+            </a:r>
+            <a:r>
+              <a:rPr lang="de-DE" sz="1200" dirty="0">
+                <a:solidFill>
+                  <a:schemeClr val="tx1"/>
+                </a:solidFill>
+              </a:rPr>
+              <a:t> </a:t>
+            </a:r>
+            <a:r>
+              <a:rPr lang="de-DE" sz="1200" dirty="0" err="1">
+                <a:solidFill>
+                  <a:schemeClr val="tx1"/>
+                </a:solidFill>
+              </a:rPr>
+              <a:t>inner</a:t>
+            </a:r>
+            <a:r>
+              <a:rPr lang="de-DE" sz="1200" dirty="0">
+                <a:solidFill>
+                  <a:schemeClr val="tx1"/>
+                </a:solidFill>
+              </a:rPr>
+              <a:t> loop </a:t>
             </a:r>
             <a:endParaRPr lang="en-GB" sz="1200" dirty="0">
               <a:solidFill>
@@ -5561,142 +5665,6 @@
           </a:p>
         </p:txBody>
       </p:sp>
-      <p:sp>
-        <p:nvSpPr>
-          <p:cNvPr id="56" name="Rechteck 55">
-            <a:extLst>
-              <a:ext uri="{FF2B5EF4-FFF2-40B4-BE49-F238E27FC236}">
-                <a16:creationId xmlns:a16="http://schemas.microsoft.com/office/drawing/2014/main" id="{88B6E8EA-39E9-49E6-8870-2CAEB544FD08}"/>
-              </a:ext>
-            </a:extLst>
-          </p:cNvPr>
-          <p:cNvSpPr/>
-          <p:nvPr/>
-        </p:nvSpPr>
-        <p:spPr>
-          <a:xfrm>
-            <a:off x="6932940" y="4131318"/>
-            <a:ext cx="1260000" cy="382555"/>
-          </a:xfrm>
-          <a:prstGeom prst="rect">
-            <a:avLst/>
-          </a:prstGeom>
-          <a:solidFill>
-            <a:schemeClr val="accent4">
-              <a:lumMod val="40000"/>
-              <a:lumOff val="60000"/>
-            </a:schemeClr>
-          </a:solidFill>
-        </p:spPr>
-        <p:style>
-          <a:lnRef idx="2">
-            <a:schemeClr val="accent1">
-              <a:shade val="50000"/>
-            </a:schemeClr>
-          </a:lnRef>
-          <a:fillRef idx="1">
-            <a:schemeClr val="accent1"/>
-          </a:fillRef>
-          <a:effectRef idx="0">
-            <a:schemeClr val="accent1"/>
-          </a:effectRef>
-          <a:fontRef idx="minor">
-            <a:schemeClr val="lt1"/>
-          </a:fontRef>
-        </p:style>
-        <p:txBody>
-          <a:bodyPr rtlCol="0" anchor="ctr"/>
-          <a:lstStyle/>
-          <a:p>
-            <a:pPr algn="ctr"/>
-            <a:r>
-              <a:rPr lang="de-DE" sz="1200" dirty="0" err="1">
-                <a:solidFill>
-                  <a:schemeClr val="tx1"/>
-                </a:solidFill>
-              </a:rPr>
-              <a:t>Calculate</a:t>
-            </a:r>
-            <a:r>
-              <a:rPr lang="de-DE" sz="1200" dirty="0">
-                <a:solidFill>
-                  <a:schemeClr val="tx1"/>
-                </a:solidFill>
-              </a:rPr>
-              <a:t> </a:t>
-            </a:r>
-            <a:r>
-              <a:rPr lang="de-DE" sz="1200" dirty="0" err="1">
-                <a:solidFill>
-                  <a:schemeClr val="tx1"/>
-                </a:solidFill>
-              </a:rPr>
-              <a:t>train.AUC</a:t>
-            </a:r>
-            <a:r>
-              <a:rPr lang="de-DE" sz="1200" dirty="0">
-                <a:solidFill>
-                  <a:schemeClr val="tx1"/>
-                </a:solidFill>
-              </a:rPr>
-              <a:t> </a:t>
-            </a:r>
-            <a:endParaRPr lang="en-GB" sz="1200" dirty="0">
-              <a:solidFill>
-                <a:schemeClr val="tx1"/>
-              </a:solidFill>
-            </a:endParaRPr>
-          </a:p>
-        </p:txBody>
-      </p:sp>
-      <p:cxnSp>
-        <p:nvCxnSpPr>
-          <p:cNvPr id="59" name="Gerade Verbindung mit Pfeil 58">
-            <a:extLst>
-              <a:ext uri="{FF2B5EF4-FFF2-40B4-BE49-F238E27FC236}">
-                <a16:creationId xmlns:a16="http://schemas.microsoft.com/office/drawing/2014/main" id="{2568A593-1591-4748-8502-4D69E4639B9D}"/>
-              </a:ext>
-            </a:extLst>
-          </p:cNvPr>
-          <p:cNvCxnSpPr>
-            <a:cxnSpLocks/>
-            <a:stCxn id="61" idx="3"/>
-            <a:endCxn id="56" idx="1"/>
-          </p:cNvCxnSpPr>
-          <p:nvPr/>
-        </p:nvCxnSpPr>
-        <p:spPr>
-          <a:xfrm>
-            <a:off x="6649566" y="4322553"/>
-            <a:ext cx="283374" cy="43"/>
-          </a:xfrm>
-          <a:prstGeom prst="straightConnector1">
-            <a:avLst/>
-          </a:prstGeom>
-          <a:ln>
-            <a:solidFill>
-              <a:schemeClr val="accent1">
-                <a:lumMod val="50000"/>
-              </a:schemeClr>
-            </a:solidFill>
-            <a:tailEnd type="triangle"/>
-          </a:ln>
-        </p:spPr>
-        <p:style>
-          <a:lnRef idx="1">
-            <a:schemeClr val="accent1"/>
-          </a:lnRef>
-          <a:fillRef idx="0">
-            <a:schemeClr val="accent1"/>
-          </a:fillRef>
-          <a:effectRef idx="0">
-            <a:schemeClr val="accent1"/>
-          </a:effectRef>
-          <a:fontRef idx="minor">
-            <a:schemeClr val="tx1"/>
-          </a:fontRef>
-        </p:style>
-      </p:cxnSp>
       <p:cxnSp>
         <p:nvCxnSpPr>
           <p:cNvPr id="64" name="Gerade Verbindung mit Pfeil 63">
